--- a/iTrain - Bootstrap.pptx
+++ b/iTrain - Bootstrap.pptx
@@ -5,7 +5,7 @@
     <p:sldMasterId id="2147483672" r:id="rId1"/>
   </p:sldMasterIdLst>
   <p:notesMasterIdLst>
-    <p:notesMasterId r:id="rId20"/>
+    <p:notesMasterId r:id="rId21"/>
   </p:notesMasterIdLst>
   <p:sldIdLst>
     <p:sldId id="257" r:id="rId2"/>
@@ -25,7 +25,8 @@
     <p:sldId id="309" r:id="rId16"/>
     <p:sldId id="310" r:id="rId17"/>
     <p:sldId id="311" r:id="rId18"/>
-    <p:sldId id="266" r:id="rId19"/>
+    <p:sldId id="313" r:id="rId19"/>
+    <p:sldId id="266" r:id="rId20"/>
   </p:sldIdLst>
   <p:sldSz cx="12192000" cy="6858000"/>
   <p:notesSz cx="6858000" cy="9144000"/>
@@ -295,7 +296,7 @@
           <a:p>
             <a:fld id="{BC1C655F-54C7-4D03-AD26-E0C40F01563A}" type="datetimeFigureOut">
               <a:rPr lang="id-ID" smtClean="0"/>
-              <a:t>14/04/2019</a:t>
+              <a:t>16/04/2019</a:t>
             </a:fld>
             <a:endParaRPr lang="id-ID"/>
           </a:p>
@@ -692,9 +693,9 @@
           <a:bodyPr/>
           <a:lstStyle/>
           <a:p>
-            <a:fld id="{14F96FE2-9E77-4834-9C6B-212E1056298F}" type="datetimeFigureOut">
+            <a:fld id="{D82256AD-F19C-4917-96DF-EC9F0577955E}" type="datetime1">
               <a:rPr lang="en-US" smtClean="0"/>
-              <a:t>4/14/2019</a:t>
+              <a:t>4/16/2019</a:t>
             </a:fld>
             <a:endParaRPr lang="en-US" dirty="0"/>
           </a:p>
@@ -949,9 +950,9 @@
           <a:bodyPr/>
           <a:lstStyle/>
           <a:p>
-            <a:fld id="{14F96FE2-9E77-4834-9C6B-212E1056298F}" type="datetimeFigureOut">
+            <a:fld id="{9397DE83-11D6-4627-93CF-774ACC0510A5}" type="datetime1">
               <a:rPr lang="en-US" smtClean="0"/>
-              <a:t>4/14/2019</a:t>
+              <a:t>4/16/2019</a:t>
             </a:fld>
             <a:endParaRPr lang="en-US" dirty="0"/>
           </a:p>
@@ -1119,9 +1120,9 @@
           <a:bodyPr/>
           <a:lstStyle/>
           <a:p>
-            <a:fld id="{14F96FE2-9E77-4834-9C6B-212E1056298F}" type="datetimeFigureOut">
+            <a:fld id="{5FA475B2-DEE5-47B4-80E8-1BAA241D5ACA}" type="datetime1">
               <a:rPr lang="en-US" smtClean="0"/>
-              <a:t>4/14/2019</a:t>
+              <a:t>4/16/2019</a:t>
             </a:fld>
             <a:endParaRPr lang="en-US" dirty="0"/>
           </a:p>
@@ -1299,9 +1300,9 @@
           <a:bodyPr/>
           <a:lstStyle/>
           <a:p>
-            <a:fld id="{14F96FE2-9E77-4834-9C6B-212E1056298F}" type="datetimeFigureOut">
+            <a:fld id="{02930DC1-B835-4F42-A091-F3CF3727A5C7}" type="datetime1">
               <a:rPr lang="en-US" smtClean="0"/>
-              <a:t>4/14/2019</a:t>
+              <a:t>4/16/2019</a:t>
             </a:fld>
             <a:endParaRPr lang="en-US" dirty="0"/>
           </a:p>
@@ -1469,9 +1470,9 @@
           <a:bodyPr/>
           <a:lstStyle/>
           <a:p>
-            <a:fld id="{14F96FE2-9E77-4834-9C6B-212E1056298F}" type="datetimeFigureOut">
+            <a:fld id="{24C5291D-B3B0-4D68-B943-0C19D35E4C06}" type="datetime1">
               <a:rPr lang="en-US" smtClean="0"/>
-              <a:t>4/14/2019</a:t>
+              <a:t>4/16/2019</a:t>
             </a:fld>
             <a:endParaRPr lang="en-US" dirty="0"/>
           </a:p>
@@ -1715,9 +1716,9 @@
           <a:bodyPr/>
           <a:lstStyle/>
           <a:p>
-            <a:fld id="{14F96FE2-9E77-4834-9C6B-212E1056298F}" type="datetimeFigureOut">
+            <a:fld id="{3B0132E4-DB0C-45FB-8875-0FC5B3E09E30}" type="datetime1">
               <a:rPr lang="en-US" smtClean="0"/>
-              <a:t>4/14/2019</a:t>
+              <a:t>4/16/2019</a:t>
             </a:fld>
             <a:endParaRPr lang="en-US" dirty="0"/>
           </a:p>
@@ -1947,9 +1948,9 @@
           <a:bodyPr/>
           <a:lstStyle/>
           <a:p>
-            <a:fld id="{14F96FE2-9E77-4834-9C6B-212E1056298F}" type="datetimeFigureOut">
+            <a:fld id="{5F17F48F-611E-45BB-B969-E2EC061F61BF}" type="datetime1">
               <a:rPr lang="en-US" smtClean="0"/>
-              <a:t>4/14/2019</a:t>
+              <a:t>4/16/2019</a:t>
             </a:fld>
             <a:endParaRPr lang="en-US" dirty="0"/>
           </a:p>
@@ -2314,9 +2315,9 @@
           <a:bodyPr/>
           <a:lstStyle/>
           <a:p>
-            <a:fld id="{14F96FE2-9E77-4834-9C6B-212E1056298F}" type="datetimeFigureOut">
+            <a:fld id="{FE9ED52E-A353-4C8C-B511-3C1693045E50}" type="datetime1">
               <a:rPr lang="en-US" smtClean="0"/>
-              <a:t>4/14/2019</a:t>
+              <a:t>4/16/2019</a:t>
             </a:fld>
             <a:endParaRPr lang="en-US" dirty="0"/>
           </a:p>
@@ -2432,9 +2433,9 @@
           <a:bodyPr/>
           <a:lstStyle/>
           <a:p>
-            <a:fld id="{14F96FE2-9E77-4834-9C6B-212E1056298F}" type="datetimeFigureOut">
+            <a:fld id="{3E1AA935-13BA-4C7F-B45C-60063A16E911}" type="datetime1">
               <a:rPr lang="en-US" smtClean="0"/>
-              <a:t>4/14/2019</a:t>
+              <a:t>4/16/2019</a:t>
             </a:fld>
             <a:endParaRPr lang="en-US" dirty="0"/>
           </a:p>
@@ -2527,9 +2528,9 @@
           <a:bodyPr/>
           <a:lstStyle/>
           <a:p>
-            <a:fld id="{14F96FE2-9E77-4834-9C6B-212E1056298F}" type="datetimeFigureOut">
+            <a:fld id="{B02A7D40-EAC2-4F24-BC72-478D80B73303}" type="datetime1">
               <a:rPr lang="en-US" smtClean="0"/>
-              <a:t>4/14/2019</a:t>
+              <a:t>4/16/2019</a:t>
             </a:fld>
             <a:endParaRPr lang="en-US" dirty="0"/>
           </a:p>
@@ -2830,9 +2831,9 @@
           <a:bodyPr/>
           <a:lstStyle/>
           <a:p>
-            <a:fld id="{14F96FE2-9E77-4834-9C6B-212E1056298F}" type="datetimeFigureOut">
+            <a:fld id="{46478184-CEF2-49AD-ADC4-B1E122004356}" type="datetime1">
               <a:rPr lang="en-US" smtClean="0"/>
-              <a:t>4/14/2019</a:t>
+              <a:t>4/16/2019</a:t>
             </a:fld>
             <a:endParaRPr lang="en-US" dirty="0"/>
           </a:p>
@@ -3523,9 +3524,9 @@
           <a:bodyPr/>
           <a:lstStyle/>
           <a:p>
-            <a:fld id="{14F96FE2-9E77-4834-9C6B-212E1056298F}" type="datetimeFigureOut">
+            <a:fld id="{4A0531B1-3164-472F-9A6B-F7E5AC86D9C1}" type="datetime1">
               <a:rPr lang="en-US" smtClean="0"/>
-              <a:t>4/14/2019</a:t>
+              <a:t>4/16/2019</a:t>
             </a:fld>
             <a:endParaRPr lang="en-US" dirty="0"/>
           </a:p>
@@ -3736,9 +3737,9 @@
             </a:lvl1pPr>
           </a:lstStyle>
           <a:p>
-            <a:fld id="{14F96FE2-9E77-4834-9C6B-212E1056298F}" type="datetimeFigureOut">
+            <a:fld id="{BC782011-33EE-4CE3-995A-A74EBD0F6A06}" type="datetime1">
               <a:rPr lang="en-US" smtClean="0"/>
-              <a:t>4/14/2019</a:t>
+              <a:t>4/16/2019</a:t>
             </a:fld>
             <a:endParaRPr lang="en-US" dirty="0"/>
           </a:p>
@@ -3844,6 +3845,7 @@
     <p:sldLayoutId id="2147483682" r:id="rId11"/>
     <p:sldLayoutId id="2147483683" r:id="rId12"/>
   </p:sldLayoutIdLst>
+  <p:hf hdr="0" ftr="0" dt="0"/>
   <p:txStyles>
     <p:titleStyle>
       <a:lvl1pPr algn="l" defTabSz="914400" rtl="0" eaLnBrk="1" latinLnBrk="0" hangingPunct="1">
@@ -4223,7 +4225,7 @@
           <p:cNvPr id="19" name="Rectangle 18">
             <a:extLst>
               <a:ext uri="{C183D7F6-B498-43B3-948B-1728B52AA6E4}">
-                <adec:decorative xmlns="" xmlns:adec="http://schemas.microsoft.com/office/drawing/2017/decorative" val="1"/>
+                <adec:decorative xmlns:adec="http://schemas.microsoft.com/office/drawing/2017/decorative" xmlns="" val="1"/>
               </a:ext>
             </a:extLst>
           </p:cNvPr>
@@ -4441,6 +4443,29 @@
           </p:txBody>
         </p:sp>
       </p:grpSp>
+      <p:sp>
+        <p:nvSpPr>
+          <p:cNvPr id="2" name="Slide Number Placeholder 1"/>
+          <p:cNvSpPr>
+            <a:spLocks noGrp="1"/>
+          </p:cNvSpPr>
+          <p:nvPr>
+            <p:ph type="sldNum" sz="quarter" idx="12"/>
+          </p:nvPr>
+        </p:nvSpPr>
+        <p:spPr/>
+        <p:txBody>
+          <a:bodyPr/>
+          <a:lstStyle/>
+          <a:p>
+            <a:fld id="{A428E537-E56B-49CA-B596-52598082FBE8}" type="slidenum">
+              <a:rPr lang="en-US" smtClean="0"/>
+              <a:t>1</a:t>
+            </a:fld>
+            <a:endParaRPr lang="en-US" dirty="0"/>
+          </a:p>
+        </p:txBody>
+      </p:sp>
     </p:spTree>
     <p:extLst>
       <p:ext uri="{BB962C8B-B14F-4D97-AF65-F5344CB8AC3E}">
@@ -4480,10 +4505,2630 @@
       </p:grpSpPr>
       <p:sp>
         <p:nvSpPr>
+          <p:cNvPr id="104" name="TextBox 103"/>
+          <p:cNvSpPr txBox="1"/>
+          <p:nvPr/>
+        </p:nvSpPr>
+        <p:spPr>
+          <a:xfrm>
+            <a:off x="11907454" y="6481180"/>
+            <a:ext cx="341760" cy="307777"/>
+          </a:xfrm>
+          <a:prstGeom prst="rect">
+            <a:avLst/>
+          </a:prstGeom>
+          <a:noFill/>
+        </p:spPr>
+        <p:txBody>
+          <a:bodyPr wrap="none" rtlCol="0">
+            <a:spAutoFit/>
+          </a:bodyPr>
+          <a:lstStyle/>
+          <a:p>
+            <a:r>
+              <a:rPr lang="en-US" sz="1400" b="1" dirty="0" smtClean="0">
+                <a:solidFill>
+                  <a:schemeClr val="bg1"/>
+                </a:solidFill>
+              </a:rPr>
+              <a:t>10</a:t>
+            </a:r>
+            <a:endParaRPr lang="en-US" sz="1400" b="1" dirty="0">
+              <a:solidFill>
+                <a:schemeClr val="bg1"/>
+              </a:solidFill>
+            </a:endParaRPr>
+          </a:p>
+        </p:txBody>
+      </p:sp>
+      <p:pic>
+        <p:nvPicPr>
+          <p:cNvPr id="49" name="Picture 48" descr="This is a logo that reads &quot;24Slides.&quot;">
+            <a:hlinkClick r:id="rId2"/>
+            <a:extLst>
+              <a:ext uri="{FF2B5EF4-FFF2-40B4-BE49-F238E27FC236}">
+                <a16:creationId xmlns:a16="http://schemas.microsoft.com/office/drawing/2014/main" id="{4252D655-5F2C-F447-B537-8C72930D0F51}"/>
+              </a:ext>
+            </a:extLst>
+          </p:cNvPr>
+          <p:cNvPicPr>
+            <a:picLocks noChangeAspect="1"/>
+          </p:cNvPicPr>
+          <p:nvPr/>
+        </p:nvPicPr>
+        <p:blipFill>
+          <a:blip r:embed="rId3"/>
+          <a:stretch>
+            <a:fillRect/>
+          </a:stretch>
+        </p:blipFill>
+        <p:spPr>
+          <a:xfrm>
+            <a:off x="463550" y="6209088"/>
+            <a:ext cx="1028700" cy="293902"/>
+          </a:xfrm>
+          <a:prstGeom prst="rect">
+            <a:avLst/>
+          </a:prstGeom>
+          <a:effectLst/>
+        </p:spPr>
+      </p:pic>
+      <p:sp>
+        <p:nvSpPr>
+          <p:cNvPr id="2" name="Title 1" hidden="1">
+            <a:extLst>
+              <a:ext uri="{FF2B5EF4-FFF2-40B4-BE49-F238E27FC236}">
+                <a16:creationId xmlns:a16="http://schemas.microsoft.com/office/drawing/2014/main" id="{9197F7D1-3F80-4C57-BE5E-6B2971CB1586}"/>
+              </a:ext>
+            </a:extLst>
+          </p:cNvPr>
+          <p:cNvSpPr>
+            <a:spLocks noGrp="1"/>
+          </p:cNvSpPr>
+          <p:nvPr>
+            <p:ph type="title"/>
+          </p:nvPr>
+        </p:nvSpPr>
+        <p:spPr/>
+        <p:txBody>
+          <a:bodyPr/>
+          <a:lstStyle/>
+          <a:p>
+            <a:r>
+              <a:rPr lang="en-US" dirty="0"/>
+              <a:t>Slide 12</a:t>
+            </a:r>
+          </a:p>
+        </p:txBody>
+      </p:sp>
+      <p:grpSp>
+        <p:nvGrpSpPr>
+          <p:cNvPr id="11" name="Group 10"/>
+          <p:cNvGrpSpPr/>
+          <p:nvPr/>
+        </p:nvGrpSpPr>
+        <p:grpSpPr>
+          <a:xfrm>
+            <a:off x="0" y="6026426"/>
+            <a:ext cx="3393881" cy="1008396"/>
+            <a:chOff x="9172284" y="5422460"/>
+            <a:chExt cx="3393881" cy="1008396"/>
+          </a:xfrm>
+        </p:grpSpPr>
+        <p:pic>
+          <p:nvPicPr>
+            <p:cNvPr id="12" name="Picture 11"/>
+            <p:cNvPicPr>
+              <a:picLocks noChangeAspect="1"/>
+            </p:cNvPicPr>
+            <p:nvPr/>
+          </p:nvPicPr>
+          <p:blipFill>
+            <a:blip r:embed="rId4" cstate="print">
+              <a:extLst>
+                <a:ext uri="{28A0092B-C50C-407E-A947-70E740481C1C}">
+                  <a14:useLocalDpi xmlns:a14="http://schemas.microsoft.com/office/drawing/2010/main" val="0"/>
+                </a:ext>
+              </a:extLst>
+            </a:blip>
+            <a:stretch>
+              <a:fillRect/>
+            </a:stretch>
+          </p:blipFill>
+          <p:spPr>
+            <a:xfrm>
+              <a:off x="9172284" y="5422460"/>
+              <a:ext cx="738894" cy="738894"/>
+            </a:xfrm>
+            <a:prstGeom prst="rect">
+              <a:avLst/>
+            </a:prstGeom>
+          </p:spPr>
+        </p:pic>
+        <p:sp>
+          <p:nvSpPr>
+            <p:cNvPr id="13" name="TextBox 12"/>
+            <p:cNvSpPr txBox="1"/>
+            <p:nvPr/>
+          </p:nvSpPr>
+          <p:spPr>
+            <a:xfrm>
+              <a:off x="9727715" y="5599859"/>
+              <a:ext cx="2838450" cy="830997"/>
+            </a:xfrm>
+            <a:prstGeom prst="rect">
+              <a:avLst/>
+            </a:prstGeom>
+            <a:noFill/>
+          </p:spPr>
+          <p:txBody>
+            <a:bodyPr wrap="square" rtlCol="0">
+              <a:spAutoFit/>
+            </a:bodyPr>
+            <a:lstStyle/>
+            <a:p>
+              <a:r>
+                <a:rPr lang="en-US" sz="4800" b="1" dirty="0" smtClean="0">
+                  <a:solidFill>
+                    <a:srgbClr val="005588"/>
+                  </a:solidFill>
+                  <a:latin typeface="Javanese Text" panose="02000000000000000000" pitchFamily="2" charset="0"/>
+                </a:rPr>
+                <a:t>Train</a:t>
+              </a:r>
+              <a:endParaRPr lang="en-US" sz="4800" b="1" dirty="0">
+                <a:solidFill>
+                  <a:srgbClr val="005588"/>
+                </a:solidFill>
+                <a:latin typeface="Javanese Text" panose="02000000000000000000" pitchFamily="2" charset="0"/>
+              </a:endParaRPr>
+            </a:p>
+          </p:txBody>
+        </p:sp>
+      </p:grpSp>
+      <p:sp>
+        <p:nvSpPr>
+          <p:cNvPr id="3" name="Rounded Rectangle 2"/>
+          <p:cNvSpPr/>
+          <p:nvPr/>
+        </p:nvSpPr>
+        <p:spPr>
+          <a:xfrm>
+            <a:off x="0" y="1"/>
+            <a:ext cx="12192000" cy="1333500"/>
+          </a:xfrm>
+          <a:prstGeom prst="roundRect">
+            <a:avLst/>
+          </a:prstGeom>
+        </p:spPr>
+        <p:style>
+          <a:lnRef idx="2">
+            <a:schemeClr val="accent1">
+              <a:shade val="50000"/>
+            </a:schemeClr>
+          </a:lnRef>
+          <a:fillRef idx="1">
+            <a:schemeClr val="accent1"/>
+          </a:fillRef>
+          <a:effectRef idx="0">
+            <a:schemeClr val="accent1"/>
+          </a:effectRef>
+          <a:fontRef idx="minor">
+            <a:schemeClr val="lt1"/>
+          </a:fontRef>
+        </p:style>
+        <p:txBody>
+          <a:bodyPr rtlCol="0" anchor="ctr"/>
+          <a:lstStyle/>
+          <a:p>
+            <a:pPr algn="ctr"/>
+            <a:r>
+              <a:rPr lang="en-US" sz="3600" b="1" dirty="0" smtClean="0"/>
+              <a:t>Buttons</a:t>
+            </a:r>
+            <a:endParaRPr lang="en-US" sz="3600" b="1" dirty="0"/>
+          </a:p>
+        </p:txBody>
+      </p:sp>
+      <p:sp>
+        <p:nvSpPr>
+          <p:cNvPr id="20" name="TextBox 19">
+            <a:extLst>
+              <a:ext uri="{FF2B5EF4-FFF2-40B4-BE49-F238E27FC236}">
+                <a16:creationId xmlns:a16="http://schemas.microsoft.com/office/drawing/2014/main" id="{231E4B19-2C3A-884A-919A-326B2A2F1BA8}"/>
+              </a:ext>
+            </a:extLst>
+          </p:cNvPr>
+          <p:cNvSpPr txBox="1"/>
+          <p:nvPr/>
+        </p:nvSpPr>
+        <p:spPr>
+          <a:xfrm>
+            <a:off x="806012" y="1783860"/>
+            <a:ext cx="10579975" cy="3323987"/>
+          </a:xfrm>
+          <a:prstGeom prst="rect">
+            <a:avLst/>
+          </a:prstGeom>
+          <a:noFill/>
+          <a:ln>
+            <a:solidFill>
+              <a:schemeClr val="accent1"/>
+            </a:solidFill>
+          </a:ln>
+        </p:spPr>
+        <p:txBody>
+          <a:bodyPr wrap="square" lIns="0" tIns="0" rIns="0" bIns="0" rtlCol="0">
+            <a:spAutoFit/>
+          </a:bodyPr>
+          <a:lstStyle/>
+          <a:p>
+            <a:pPr marL="342900" indent="-342900">
+              <a:buFont typeface="Arial" panose="020B0604020202020204" pitchFamily="34" charset="0"/>
+              <a:buChar char="•"/>
+            </a:pPr>
+            <a:r>
+              <a:rPr lang="en-US" altLang="en-US" dirty="0" err="1"/>
+              <a:t>btn</a:t>
+            </a:r>
+            <a:r>
+              <a:rPr lang="en-US" altLang="en-US" dirty="0"/>
+              <a:t>-primary</a:t>
+            </a:r>
+          </a:p>
+          <a:p>
+            <a:pPr marL="342900" indent="-342900">
+              <a:buFont typeface="Arial" panose="020B0604020202020204" pitchFamily="34" charset="0"/>
+              <a:buChar char="•"/>
+            </a:pPr>
+            <a:r>
+              <a:rPr lang="en-US" altLang="en-US" dirty="0" err="1"/>
+              <a:t>btn</a:t>
+            </a:r>
+            <a:r>
+              <a:rPr lang="en-US" altLang="en-US" dirty="0"/>
+              <a:t>-secondary</a:t>
+            </a:r>
+          </a:p>
+          <a:p>
+            <a:pPr marL="342900" indent="-342900">
+              <a:buFont typeface="Arial" panose="020B0604020202020204" pitchFamily="34" charset="0"/>
+              <a:buChar char="•"/>
+            </a:pPr>
+            <a:r>
+              <a:rPr lang="en-US" altLang="en-US" dirty="0" err="1"/>
+              <a:t>btn</a:t>
+            </a:r>
+            <a:r>
+              <a:rPr lang="en-US" altLang="en-US" dirty="0"/>
+              <a:t>-success</a:t>
+            </a:r>
+          </a:p>
+          <a:p>
+            <a:pPr marL="342900" indent="-342900">
+              <a:buFont typeface="Arial" panose="020B0604020202020204" pitchFamily="34" charset="0"/>
+              <a:buChar char="•"/>
+            </a:pPr>
+            <a:r>
+              <a:rPr lang="en-US" altLang="en-US" dirty="0" err="1"/>
+              <a:t>btn</a:t>
+            </a:r>
+            <a:r>
+              <a:rPr lang="en-US" altLang="en-US" dirty="0"/>
+              <a:t>-info</a:t>
+            </a:r>
+          </a:p>
+          <a:p>
+            <a:pPr marL="342900" indent="-342900">
+              <a:buFont typeface="Arial" panose="020B0604020202020204" pitchFamily="34" charset="0"/>
+              <a:buChar char="•"/>
+            </a:pPr>
+            <a:r>
+              <a:rPr lang="en-US" altLang="en-US" dirty="0" err="1"/>
+              <a:t>btn</a:t>
+            </a:r>
+            <a:r>
+              <a:rPr lang="en-US" altLang="en-US" dirty="0"/>
+              <a:t>-warning</a:t>
+            </a:r>
+          </a:p>
+          <a:p>
+            <a:pPr marL="342900" indent="-342900">
+              <a:buFont typeface="Arial" panose="020B0604020202020204" pitchFamily="34" charset="0"/>
+              <a:buChar char="•"/>
+            </a:pPr>
+            <a:r>
+              <a:rPr lang="en-US" altLang="en-US" dirty="0" err="1"/>
+              <a:t>btn</a:t>
+            </a:r>
+            <a:r>
+              <a:rPr lang="en-US" altLang="en-US" dirty="0"/>
+              <a:t>-danger</a:t>
+            </a:r>
+          </a:p>
+          <a:p>
+            <a:pPr marL="342900" indent="-342900">
+              <a:buFont typeface="Arial" panose="020B0604020202020204" pitchFamily="34" charset="0"/>
+              <a:buChar char="•"/>
+            </a:pPr>
+            <a:r>
+              <a:rPr lang="en-US" altLang="en-US" dirty="0" err="1"/>
+              <a:t>btn</a:t>
+            </a:r>
+            <a:r>
+              <a:rPr lang="en-US" altLang="en-US" dirty="0"/>
+              <a:t>-light</a:t>
+            </a:r>
+          </a:p>
+          <a:p>
+            <a:pPr marL="342900" indent="-342900">
+              <a:buFont typeface="Arial" panose="020B0604020202020204" pitchFamily="34" charset="0"/>
+              <a:buChar char="•"/>
+            </a:pPr>
+            <a:r>
+              <a:rPr lang="en-US" altLang="en-US" dirty="0" err="1"/>
+              <a:t>btn</a:t>
+            </a:r>
+            <a:r>
+              <a:rPr lang="en-US" altLang="en-US" dirty="0"/>
+              <a:t>-dark</a:t>
+            </a:r>
+          </a:p>
+          <a:p>
+            <a:pPr marL="342900" indent="-342900">
+              <a:buFont typeface="Arial" panose="020B0604020202020204" pitchFamily="34" charset="0"/>
+              <a:buChar char="•"/>
+            </a:pPr>
+            <a:r>
+              <a:rPr lang="en-US" altLang="en-US" dirty="0" err="1"/>
+              <a:t>btn</a:t>
+            </a:r>
+            <a:r>
+              <a:rPr lang="en-US" altLang="en-US" dirty="0"/>
+              <a:t>-white</a:t>
+            </a:r>
+          </a:p>
+          <a:p>
+            <a:pPr marL="342900" indent="-342900">
+              <a:buFont typeface="Arial" panose="020B0604020202020204" pitchFamily="34" charset="0"/>
+              <a:buChar char="•"/>
+            </a:pPr>
+            <a:r>
+              <a:rPr lang="en-US" altLang="en-US" dirty="0" err="1"/>
+              <a:t>b</a:t>
+            </a:r>
+            <a:r>
+              <a:rPr lang="en-US" altLang="en-US" dirty="0" err="1" smtClean="0"/>
+              <a:t>tn-lg</a:t>
+            </a:r>
+            <a:endParaRPr lang="en-US" altLang="en-US" dirty="0" smtClean="0"/>
+          </a:p>
+          <a:p>
+            <a:pPr marL="342900" indent="-342900">
+              <a:buFont typeface="Arial" panose="020B0604020202020204" pitchFamily="34" charset="0"/>
+              <a:buChar char="•"/>
+            </a:pPr>
+            <a:r>
+              <a:rPr lang="en-US" altLang="en-US" dirty="0" err="1" smtClean="0"/>
+              <a:t>btn-sm</a:t>
+            </a:r>
+            <a:endParaRPr lang="en-US" altLang="en-US" dirty="0" smtClean="0"/>
+          </a:p>
+          <a:p>
+            <a:pPr marL="342900" indent="-342900">
+              <a:buFont typeface="Arial" panose="020B0604020202020204" pitchFamily="34" charset="0"/>
+              <a:buChar char="•"/>
+            </a:pPr>
+            <a:r>
+              <a:rPr lang="en-US" altLang="en-US" dirty="0" err="1" smtClean="0"/>
+              <a:t>btn</a:t>
+            </a:r>
+            <a:r>
+              <a:rPr lang="en-US" altLang="en-US" dirty="0" smtClean="0"/>
+              <a:t>-block</a:t>
+            </a:r>
+            <a:endParaRPr lang="en-US" altLang="en-US" dirty="0"/>
+          </a:p>
+        </p:txBody>
+      </p:sp>
+      <p:sp>
+        <p:nvSpPr>
+          <p:cNvPr id="4" name="Rectangle 3"/>
+          <p:cNvSpPr/>
+          <p:nvPr/>
+        </p:nvSpPr>
+        <p:spPr>
+          <a:xfrm>
+            <a:off x="4104372" y="6296514"/>
+            <a:ext cx="5131598" cy="369332"/>
+          </a:xfrm>
+          <a:prstGeom prst="rect">
+            <a:avLst/>
+          </a:prstGeom>
+        </p:spPr>
+        <p:txBody>
+          <a:bodyPr wrap="none">
+            <a:spAutoFit/>
+          </a:bodyPr>
+          <a:lstStyle/>
+          <a:p>
+            <a:r>
+              <a:rPr lang="en-US" dirty="0">
+                <a:hlinkClick r:id="rId5"/>
+              </a:rPr>
+              <a:t>https://www.w3schools.com/css/css_positioning.asp</a:t>
+            </a:r>
+            <a:endParaRPr lang="en-US" dirty="0"/>
+          </a:p>
+        </p:txBody>
+      </p:sp>
+      <p:sp>
+        <p:nvSpPr>
+          <p:cNvPr id="5" name="TextBox 4"/>
+          <p:cNvSpPr txBox="1"/>
+          <p:nvPr/>
+        </p:nvSpPr>
+        <p:spPr>
+          <a:xfrm>
+            <a:off x="6252755" y="1783860"/>
+            <a:ext cx="3622765" cy="3139321"/>
+          </a:xfrm>
+          <a:prstGeom prst="rect">
+            <a:avLst/>
+          </a:prstGeom>
+          <a:noFill/>
+        </p:spPr>
+        <p:txBody>
+          <a:bodyPr wrap="square" rtlCol="0">
+            <a:spAutoFit/>
+          </a:bodyPr>
+          <a:lstStyle/>
+          <a:p>
+            <a:pPr marL="285750" indent="-285750">
+              <a:buFont typeface="Arial" panose="020B0604020202020204" pitchFamily="34" charset="0"/>
+              <a:buChar char="•"/>
+            </a:pPr>
+            <a:r>
+              <a:rPr lang="en-US" dirty="0" err="1"/>
+              <a:t>btn</a:t>
+            </a:r>
+            <a:r>
+              <a:rPr lang="en-US" dirty="0"/>
+              <a:t>-outline-primary</a:t>
+            </a:r>
+          </a:p>
+          <a:p>
+            <a:pPr marL="285750" indent="-285750">
+              <a:buFont typeface="Arial" panose="020B0604020202020204" pitchFamily="34" charset="0"/>
+              <a:buChar char="•"/>
+            </a:pPr>
+            <a:r>
+              <a:rPr lang="en-US" dirty="0" err="1"/>
+              <a:t>btn</a:t>
+            </a:r>
+            <a:r>
+              <a:rPr lang="en-US" dirty="0"/>
+              <a:t>-outline-secondary</a:t>
+            </a:r>
+          </a:p>
+          <a:p>
+            <a:pPr marL="285750" indent="-285750">
+              <a:buFont typeface="Arial" panose="020B0604020202020204" pitchFamily="34" charset="0"/>
+              <a:buChar char="•"/>
+            </a:pPr>
+            <a:r>
+              <a:rPr lang="en-US" dirty="0" err="1"/>
+              <a:t>btn</a:t>
+            </a:r>
+            <a:r>
+              <a:rPr lang="en-US" dirty="0"/>
+              <a:t>-outline-success</a:t>
+            </a:r>
+          </a:p>
+          <a:p>
+            <a:pPr marL="285750" indent="-285750">
+              <a:buFont typeface="Arial" panose="020B0604020202020204" pitchFamily="34" charset="0"/>
+              <a:buChar char="•"/>
+            </a:pPr>
+            <a:r>
+              <a:rPr lang="en-US" dirty="0" err="1"/>
+              <a:t>btn</a:t>
+            </a:r>
+            <a:r>
+              <a:rPr lang="en-US" dirty="0"/>
+              <a:t>-outline-info</a:t>
+            </a:r>
+          </a:p>
+          <a:p>
+            <a:pPr marL="285750" indent="-285750">
+              <a:buFont typeface="Arial" panose="020B0604020202020204" pitchFamily="34" charset="0"/>
+              <a:buChar char="•"/>
+            </a:pPr>
+            <a:r>
+              <a:rPr lang="en-US" dirty="0" err="1"/>
+              <a:t>btn</a:t>
+            </a:r>
+            <a:r>
+              <a:rPr lang="en-US" dirty="0"/>
+              <a:t>-outline-warning</a:t>
+            </a:r>
+          </a:p>
+          <a:p>
+            <a:pPr marL="285750" indent="-285750">
+              <a:buFont typeface="Arial" panose="020B0604020202020204" pitchFamily="34" charset="0"/>
+              <a:buChar char="•"/>
+            </a:pPr>
+            <a:r>
+              <a:rPr lang="en-US" dirty="0" err="1"/>
+              <a:t>btn</a:t>
+            </a:r>
+            <a:r>
+              <a:rPr lang="en-US" dirty="0"/>
+              <a:t>-outline-danger</a:t>
+            </a:r>
+          </a:p>
+          <a:p>
+            <a:pPr marL="285750" indent="-285750">
+              <a:buFont typeface="Arial" panose="020B0604020202020204" pitchFamily="34" charset="0"/>
+              <a:buChar char="•"/>
+            </a:pPr>
+            <a:r>
+              <a:rPr lang="en-US" dirty="0" err="1"/>
+              <a:t>btn</a:t>
+            </a:r>
+            <a:r>
+              <a:rPr lang="en-US" dirty="0"/>
+              <a:t>-outline-light</a:t>
+            </a:r>
+          </a:p>
+          <a:p>
+            <a:pPr marL="285750" indent="-285750">
+              <a:buFont typeface="Arial" panose="020B0604020202020204" pitchFamily="34" charset="0"/>
+              <a:buChar char="•"/>
+            </a:pPr>
+            <a:r>
+              <a:rPr lang="en-US" dirty="0" err="1"/>
+              <a:t>btn</a:t>
+            </a:r>
+            <a:r>
+              <a:rPr lang="en-US" dirty="0"/>
+              <a:t>-outline-dark</a:t>
+            </a:r>
+          </a:p>
+          <a:p>
+            <a:pPr marL="285750" indent="-285750">
+              <a:buFont typeface="Arial" panose="020B0604020202020204" pitchFamily="34" charset="0"/>
+              <a:buChar char="•"/>
+            </a:pPr>
+            <a:r>
+              <a:rPr lang="en-US" dirty="0" err="1"/>
+              <a:t>btn</a:t>
+            </a:r>
+            <a:r>
+              <a:rPr lang="en-US" dirty="0"/>
+              <a:t>-outline-white</a:t>
+            </a:r>
+          </a:p>
+          <a:p>
+            <a:pPr marL="285750" indent="-285750">
+              <a:buFont typeface="Arial" panose="020B0604020202020204" pitchFamily="34" charset="0"/>
+              <a:buChar char="•"/>
+            </a:pPr>
+            <a:endParaRPr lang="en-US" dirty="0"/>
+          </a:p>
+          <a:p>
+            <a:pPr marL="285750" indent="-285750">
+              <a:buFont typeface="Arial" panose="020B0604020202020204" pitchFamily="34" charset="0"/>
+              <a:buChar char="•"/>
+            </a:pPr>
+            <a:endParaRPr lang="en-US" dirty="0"/>
+          </a:p>
+        </p:txBody>
+      </p:sp>
+      <p:sp>
+        <p:nvSpPr>
+          <p:cNvPr id="6" name="Slide Number Placeholder 5"/>
+          <p:cNvSpPr>
+            <a:spLocks noGrp="1"/>
+          </p:cNvSpPr>
+          <p:nvPr>
+            <p:ph type="sldNum" sz="quarter" idx="12"/>
+          </p:nvPr>
+        </p:nvSpPr>
+        <p:spPr/>
+        <p:txBody>
+          <a:bodyPr/>
+          <a:lstStyle/>
+          <a:p>
+            <a:fld id="{A428E537-E56B-49CA-B596-52598082FBE8}" type="slidenum">
+              <a:rPr lang="en-US" smtClean="0"/>
+              <a:t>10</a:t>
+            </a:fld>
+            <a:endParaRPr lang="en-US" dirty="0"/>
+          </a:p>
+        </p:txBody>
+      </p:sp>
+    </p:spTree>
+    <p:extLst>
+      <p:ext uri="{BB962C8B-B14F-4D97-AF65-F5344CB8AC3E}">
+        <p14:creationId xmlns:p14="http://schemas.microsoft.com/office/powerpoint/2010/main" val="3864332889"/>
+      </p:ext>
+    </p:extLst>
+  </p:cSld>
+  <p:clrMapOvr>
+    <a:masterClrMapping/>
+  </p:clrMapOvr>
+  <p:timing>
+    <p:tnLst>
+      <p:par>
+        <p:cTn id="1" dur="indefinite" restart="never" nodeType="tmRoot"/>
+      </p:par>
+    </p:tnLst>
+  </p:timing>
+</p:sld>
+</file>
+
+<file path=ppt/slides/slide11.xml><?xml version="1.0" encoding="utf-8"?>
+<p:sld xmlns:a="http://schemas.openxmlformats.org/drawingml/2006/main" xmlns:r="http://schemas.openxmlformats.org/officeDocument/2006/relationships" xmlns:p="http://schemas.openxmlformats.org/presentationml/2006/main">
+  <p:cSld>
+    <p:spTree>
+      <p:nvGrpSpPr>
+        <p:cNvPr id="1" name=""/>
+        <p:cNvGrpSpPr/>
+        <p:nvPr/>
+      </p:nvGrpSpPr>
+      <p:grpSpPr>
+        <a:xfrm>
+          <a:off x="0" y="0"/>
+          <a:ext cx="0" cy="0"/>
+          <a:chOff x="0" y="0"/>
+          <a:chExt cx="0" cy="0"/>
+        </a:xfrm>
+      </p:grpSpPr>
+      <p:sp>
+        <p:nvSpPr>
+          <p:cNvPr id="104" name="TextBox 103"/>
+          <p:cNvSpPr txBox="1"/>
+          <p:nvPr/>
+        </p:nvSpPr>
+        <p:spPr>
+          <a:xfrm>
+            <a:off x="11907454" y="6481180"/>
+            <a:ext cx="341760" cy="307777"/>
+          </a:xfrm>
+          <a:prstGeom prst="rect">
+            <a:avLst/>
+          </a:prstGeom>
+          <a:noFill/>
+        </p:spPr>
+        <p:txBody>
+          <a:bodyPr wrap="none" rtlCol="0">
+            <a:spAutoFit/>
+          </a:bodyPr>
+          <a:lstStyle/>
+          <a:p>
+            <a:r>
+              <a:rPr lang="en-US" sz="1400" b="1" dirty="0" smtClean="0">
+                <a:solidFill>
+                  <a:schemeClr val="bg1"/>
+                </a:solidFill>
+              </a:rPr>
+              <a:t>10</a:t>
+            </a:r>
+            <a:endParaRPr lang="en-US" sz="1400" b="1" dirty="0">
+              <a:solidFill>
+                <a:schemeClr val="bg1"/>
+              </a:solidFill>
+            </a:endParaRPr>
+          </a:p>
+        </p:txBody>
+      </p:sp>
+      <p:pic>
+        <p:nvPicPr>
+          <p:cNvPr id="49" name="Picture 48" descr="This is a logo that reads &quot;24Slides.&quot;">
+            <a:hlinkClick r:id="rId2"/>
+            <a:extLst>
+              <a:ext uri="{FF2B5EF4-FFF2-40B4-BE49-F238E27FC236}">
+                <a16:creationId xmlns:a16="http://schemas.microsoft.com/office/drawing/2014/main" id="{4252D655-5F2C-F447-B537-8C72930D0F51}"/>
+              </a:ext>
+            </a:extLst>
+          </p:cNvPr>
+          <p:cNvPicPr>
+            <a:picLocks noChangeAspect="1"/>
+          </p:cNvPicPr>
+          <p:nvPr/>
+        </p:nvPicPr>
+        <p:blipFill>
+          <a:blip r:embed="rId3"/>
+          <a:stretch>
+            <a:fillRect/>
+          </a:stretch>
+        </p:blipFill>
+        <p:spPr>
+          <a:xfrm>
+            <a:off x="463550" y="6209088"/>
+            <a:ext cx="1028700" cy="293902"/>
+          </a:xfrm>
+          <a:prstGeom prst="rect">
+            <a:avLst/>
+          </a:prstGeom>
+          <a:effectLst/>
+        </p:spPr>
+      </p:pic>
+      <p:sp>
+        <p:nvSpPr>
+          <p:cNvPr id="2" name="Title 1" hidden="1">
+            <a:extLst>
+              <a:ext uri="{FF2B5EF4-FFF2-40B4-BE49-F238E27FC236}">
+                <a16:creationId xmlns:a16="http://schemas.microsoft.com/office/drawing/2014/main" id="{9197F7D1-3F80-4C57-BE5E-6B2971CB1586}"/>
+              </a:ext>
+            </a:extLst>
+          </p:cNvPr>
+          <p:cNvSpPr>
+            <a:spLocks noGrp="1"/>
+          </p:cNvSpPr>
+          <p:nvPr>
+            <p:ph type="title"/>
+          </p:nvPr>
+        </p:nvSpPr>
+        <p:spPr/>
+        <p:txBody>
+          <a:bodyPr/>
+          <a:lstStyle/>
+          <a:p>
+            <a:r>
+              <a:rPr lang="en-US" dirty="0"/>
+              <a:t>Slide 12</a:t>
+            </a:r>
+          </a:p>
+        </p:txBody>
+      </p:sp>
+      <p:grpSp>
+        <p:nvGrpSpPr>
+          <p:cNvPr id="11" name="Group 10"/>
+          <p:cNvGrpSpPr/>
+          <p:nvPr/>
+        </p:nvGrpSpPr>
+        <p:grpSpPr>
+          <a:xfrm>
+            <a:off x="0" y="6026426"/>
+            <a:ext cx="3393881" cy="1008396"/>
+            <a:chOff x="9172284" y="5422460"/>
+            <a:chExt cx="3393881" cy="1008396"/>
+          </a:xfrm>
+        </p:grpSpPr>
+        <p:pic>
+          <p:nvPicPr>
+            <p:cNvPr id="12" name="Picture 11"/>
+            <p:cNvPicPr>
+              <a:picLocks noChangeAspect="1"/>
+            </p:cNvPicPr>
+            <p:nvPr/>
+          </p:nvPicPr>
+          <p:blipFill>
+            <a:blip r:embed="rId4" cstate="print">
+              <a:extLst>
+                <a:ext uri="{28A0092B-C50C-407E-A947-70E740481C1C}">
+                  <a14:useLocalDpi xmlns:a14="http://schemas.microsoft.com/office/drawing/2010/main" val="0"/>
+                </a:ext>
+              </a:extLst>
+            </a:blip>
+            <a:stretch>
+              <a:fillRect/>
+            </a:stretch>
+          </p:blipFill>
+          <p:spPr>
+            <a:xfrm>
+              <a:off x="9172284" y="5422460"/>
+              <a:ext cx="738894" cy="738894"/>
+            </a:xfrm>
+            <a:prstGeom prst="rect">
+              <a:avLst/>
+            </a:prstGeom>
+          </p:spPr>
+        </p:pic>
+        <p:sp>
+          <p:nvSpPr>
+            <p:cNvPr id="13" name="TextBox 12"/>
+            <p:cNvSpPr txBox="1"/>
+            <p:nvPr/>
+          </p:nvSpPr>
+          <p:spPr>
+            <a:xfrm>
+              <a:off x="9727715" y="5599859"/>
+              <a:ext cx="2838450" cy="830997"/>
+            </a:xfrm>
+            <a:prstGeom prst="rect">
+              <a:avLst/>
+            </a:prstGeom>
+            <a:noFill/>
+          </p:spPr>
+          <p:txBody>
+            <a:bodyPr wrap="square" rtlCol="0">
+              <a:spAutoFit/>
+            </a:bodyPr>
+            <a:lstStyle/>
+            <a:p>
+              <a:r>
+                <a:rPr lang="en-US" sz="4800" b="1" dirty="0" smtClean="0">
+                  <a:solidFill>
+                    <a:srgbClr val="005588"/>
+                  </a:solidFill>
+                  <a:latin typeface="Javanese Text" panose="02000000000000000000" pitchFamily="2" charset="0"/>
+                </a:rPr>
+                <a:t>Train</a:t>
+              </a:r>
+              <a:endParaRPr lang="en-US" sz="4800" b="1" dirty="0">
+                <a:solidFill>
+                  <a:srgbClr val="005588"/>
+                </a:solidFill>
+                <a:latin typeface="Javanese Text" panose="02000000000000000000" pitchFamily="2" charset="0"/>
+              </a:endParaRPr>
+            </a:p>
+          </p:txBody>
+        </p:sp>
+      </p:grpSp>
+      <p:sp>
+        <p:nvSpPr>
+          <p:cNvPr id="3" name="Rounded Rectangle 2"/>
+          <p:cNvSpPr/>
+          <p:nvPr/>
+        </p:nvSpPr>
+        <p:spPr>
+          <a:xfrm>
+            <a:off x="0" y="1"/>
+            <a:ext cx="12192000" cy="1333500"/>
+          </a:xfrm>
+          <a:prstGeom prst="roundRect">
+            <a:avLst/>
+          </a:prstGeom>
+        </p:spPr>
+        <p:style>
+          <a:lnRef idx="2">
+            <a:schemeClr val="accent1">
+              <a:shade val="50000"/>
+            </a:schemeClr>
+          </a:lnRef>
+          <a:fillRef idx="1">
+            <a:schemeClr val="accent1"/>
+          </a:fillRef>
+          <a:effectRef idx="0">
+            <a:schemeClr val="accent1"/>
+          </a:effectRef>
+          <a:fontRef idx="minor">
+            <a:schemeClr val="lt1"/>
+          </a:fontRef>
+        </p:style>
+        <p:txBody>
+          <a:bodyPr rtlCol="0" anchor="ctr"/>
+          <a:lstStyle/>
+          <a:p>
+            <a:pPr algn="ctr"/>
+            <a:r>
+              <a:rPr lang="en-US" sz="3600" b="1" dirty="0" smtClean="0"/>
+              <a:t>Button Groups</a:t>
+            </a:r>
+          </a:p>
+        </p:txBody>
+      </p:sp>
+      <p:sp>
+        <p:nvSpPr>
+          <p:cNvPr id="20" name="TextBox 19">
+            <a:extLst>
+              <a:ext uri="{FF2B5EF4-FFF2-40B4-BE49-F238E27FC236}">
+                <a16:creationId xmlns:a16="http://schemas.microsoft.com/office/drawing/2014/main" id="{231E4B19-2C3A-884A-919A-326B2A2F1BA8}"/>
+              </a:ext>
+            </a:extLst>
+          </p:cNvPr>
+          <p:cNvSpPr txBox="1"/>
+          <p:nvPr/>
+        </p:nvSpPr>
+        <p:spPr>
+          <a:xfrm>
+            <a:off x="806012" y="1783860"/>
+            <a:ext cx="10579975" cy="2769989"/>
+          </a:xfrm>
+          <a:prstGeom prst="rect">
+            <a:avLst/>
+          </a:prstGeom>
+          <a:noFill/>
+          <a:ln>
+            <a:solidFill>
+              <a:schemeClr val="accent1"/>
+            </a:solidFill>
+          </a:ln>
+        </p:spPr>
+        <p:txBody>
+          <a:bodyPr wrap="square" lIns="0" tIns="0" rIns="0" bIns="0" rtlCol="0">
+            <a:spAutoFit/>
+          </a:bodyPr>
+          <a:lstStyle/>
+          <a:p>
+            <a:pPr marL="342900" indent="-342900">
+              <a:buFont typeface="Arial" panose="020B0604020202020204" pitchFamily="34" charset="0"/>
+              <a:buChar char="•"/>
+            </a:pPr>
+            <a:r>
+              <a:rPr lang="en-US" altLang="en-US" sz="2000" b="1" dirty="0" smtClean="0"/>
+              <a:t>Button Dropdowns</a:t>
+            </a:r>
+          </a:p>
+          <a:p>
+            <a:pPr marL="342900" indent="-342900">
+              <a:buFont typeface="Arial" panose="020B0604020202020204" pitchFamily="34" charset="0"/>
+              <a:buChar char="•"/>
+            </a:pPr>
+            <a:endParaRPr lang="en-US" altLang="en-US" sz="2000" b="1" dirty="0" smtClean="0"/>
+          </a:p>
+          <a:p>
+            <a:pPr marL="342900" indent="-342900">
+              <a:buFont typeface="Arial" panose="020B0604020202020204" pitchFamily="34" charset="0"/>
+              <a:buChar char="•"/>
+            </a:pPr>
+            <a:r>
+              <a:rPr lang="en-US" altLang="en-US" sz="2000" b="1" dirty="0" smtClean="0"/>
+              <a:t>Button Groups</a:t>
+            </a:r>
+          </a:p>
+          <a:p>
+            <a:pPr marL="342900" indent="-342900">
+              <a:buFont typeface="Arial" panose="020B0604020202020204" pitchFamily="34" charset="0"/>
+              <a:buChar char="•"/>
+            </a:pPr>
+            <a:endParaRPr lang="en-US" altLang="en-US" sz="2000" b="1" dirty="0" smtClean="0"/>
+          </a:p>
+          <a:p>
+            <a:pPr marL="342900" indent="-342900">
+              <a:buFont typeface="Arial" panose="020B0604020202020204" pitchFamily="34" charset="0"/>
+              <a:buChar char="•"/>
+            </a:pPr>
+            <a:r>
+              <a:rPr lang="en-US" altLang="en-US" sz="2000" b="1" dirty="0" smtClean="0"/>
+              <a:t>Split Dropdowns</a:t>
+            </a:r>
+          </a:p>
+          <a:p>
+            <a:pPr marL="342900" indent="-342900">
+              <a:buFont typeface="Arial" panose="020B0604020202020204" pitchFamily="34" charset="0"/>
+              <a:buChar char="•"/>
+            </a:pPr>
+            <a:endParaRPr lang="en-US" altLang="en-US" sz="2000" b="1" dirty="0" smtClean="0"/>
+          </a:p>
+          <a:p>
+            <a:pPr marL="342900" indent="-342900">
+              <a:buFont typeface="Arial" panose="020B0604020202020204" pitchFamily="34" charset="0"/>
+              <a:buChar char="•"/>
+            </a:pPr>
+            <a:r>
+              <a:rPr lang="en-US" altLang="en-US" sz="2000" b="1" dirty="0" smtClean="0"/>
+              <a:t>Button Toolbar</a:t>
+            </a:r>
+          </a:p>
+          <a:p>
+            <a:pPr marL="342900" indent="-342900">
+              <a:buFont typeface="Arial" panose="020B0604020202020204" pitchFamily="34" charset="0"/>
+              <a:buChar char="•"/>
+            </a:pPr>
+            <a:endParaRPr lang="en-US" altLang="en-US" sz="2000" b="1" dirty="0" smtClean="0"/>
+          </a:p>
+          <a:p>
+            <a:pPr marL="342900" indent="-342900">
+              <a:buFont typeface="Arial" panose="020B0604020202020204" pitchFamily="34" charset="0"/>
+              <a:buChar char="•"/>
+            </a:pPr>
+            <a:r>
+              <a:rPr lang="en-US" altLang="en-US" sz="2000" b="1" dirty="0" smtClean="0"/>
+              <a:t>Button group vertical</a:t>
+            </a:r>
+            <a:endParaRPr lang="en-US" altLang="en-US" sz="2000" dirty="0"/>
+          </a:p>
+        </p:txBody>
+      </p:sp>
+      <p:sp>
+        <p:nvSpPr>
+          <p:cNvPr id="4" name="Slide Number Placeholder 3"/>
+          <p:cNvSpPr>
+            <a:spLocks noGrp="1"/>
+          </p:cNvSpPr>
+          <p:nvPr>
+            <p:ph type="sldNum" sz="quarter" idx="12"/>
+          </p:nvPr>
+        </p:nvSpPr>
+        <p:spPr/>
+        <p:txBody>
+          <a:bodyPr/>
+          <a:lstStyle/>
+          <a:p>
+            <a:fld id="{A428E537-E56B-49CA-B596-52598082FBE8}" type="slidenum">
+              <a:rPr lang="en-US" smtClean="0"/>
+              <a:t>11</a:t>
+            </a:fld>
+            <a:endParaRPr lang="en-US" dirty="0"/>
+          </a:p>
+        </p:txBody>
+      </p:sp>
+    </p:spTree>
+    <p:extLst>
+      <p:ext uri="{BB962C8B-B14F-4D97-AF65-F5344CB8AC3E}">
+        <p14:creationId xmlns:p14="http://schemas.microsoft.com/office/powerpoint/2010/main" val="2428088825"/>
+      </p:ext>
+    </p:extLst>
+  </p:cSld>
+  <p:clrMapOvr>
+    <a:masterClrMapping/>
+  </p:clrMapOvr>
+  <p:timing>
+    <p:tnLst>
+      <p:par>
+        <p:cTn id="1" dur="indefinite" restart="never" nodeType="tmRoot"/>
+      </p:par>
+    </p:tnLst>
+  </p:timing>
+</p:sld>
+</file>
+
+<file path=ppt/slides/slide12.xml><?xml version="1.0" encoding="utf-8"?>
+<p:sld xmlns:a="http://schemas.openxmlformats.org/drawingml/2006/main" xmlns:r="http://schemas.openxmlformats.org/officeDocument/2006/relationships" xmlns:p="http://schemas.openxmlformats.org/presentationml/2006/main">
+  <p:cSld>
+    <p:spTree>
+      <p:nvGrpSpPr>
+        <p:cNvPr id="1" name=""/>
+        <p:cNvGrpSpPr/>
+        <p:nvPr/>
+      </p:nvGrpSpPr>
+      <p:grpSpPr>
+        <a:xfrm>
+          <a:off x="0" y="0"/>
+          <a:ext cx="0" cy="0"/>
+          <a:chOff x="0" y="0"/>
+          <a:chExt cx="0" cy="0"/>
+        </a:xfrm>
+      </p:grpSpPr>
+      <p:sp>
+        <p:nvSpPr>
+          <p:cNvPr id="104" name="TextBox 103"/>
+          <p:cNvSpPr txBox="1"/>
+          <p:nvPr/>
+        </p:nvSpPr>
+        <p:spPr>
+          <a:xfrm>
+            <a:off x="11907454" y="6481180"/>
+            <a:ext cx="341760" cy="307777"/>
+          </a:xfrm>
+          <a:prstGeom prst="rect">
+            <a:avLst/>
+          </a:prstGeom>
+          <a:noFill/>
+        </p:spPr>
+        <p:txBody>
+          <a:bodyPr wrap="none" rtlCol="0">
+            <a:spAutoFit/>
+          </a:bodyPr>
+          <a:lstStyle/>
+          <a:p>
+            <a:r>
+              <a:rPr lang="en-US" sz="1400" b="1" dirty="0" smtClean="0">
+                <a:solidFill>
+                  <a:schemeClr val="bg1"/>
+                </a:solidFill>
+              </a:rPr>
+              <a:t>10</a:t>
+            </a:r>
+            <a:endParaRPr lang="en-US" sz="1400" b="1" dirty="0">
+              <a:solidFill>
+                <a:schemeClr val="bg1"/>
+              </a:solidFill>
+            </a:endParaRPr>
+          </a:p>
+        </p:txBody>
+      </p:sp>
+      <p:pic>
+        <p:nvPicPr>
+          <p:cNvPr id="49" name="Picture 48" descr="This is a logo that reads &quot;24Slides.&quot;">
+            <a:hlinkClick r:id="rId2"/>
+            <a:extLst>
+              <a:ext uri="{FF2B5EF4-FFF2-40B4-BE49-F238E27FC236}">
+                <a16:creationId xmlns:a16="http://schemas.microsoft.com/office/drawing/2014/main" id="{4252D655-5F2C-F447-B537-8C72930D0F51}"/>
+              </a:ext>
+            </a:extLst>
+          </p:cNvPr>
+          <p:cNvPicPr>
+            <a:picLocks noChangeAspect="1"/>
+          </p:cNvPicPr>
+          <p:nvPr/>
+        </p:nvPicPr>
+        <p:blipFill>
+          <a:blip r:embed="rId3"/>
+          <a:stretch>
+            <a:fillRect/>
+          </a:stretch>
+        </p:blipFill>
+        <p:spPr>
+          <a:xfrm>
+            <a:off x="463550" y="6209088"/>
+            <a:ext cx="1028700" cy="293902"/>
+          </a:xfrm>
+          <a:prstGeom prst="rect">
+            <a:avLst/>
+          </a:prstGeom>
+          <a:effectLst/>
+        </p:spPr>
+      </p:pic>
+      <p:sp>
+        <p:nvSpPr>
+          <p:cNvPr id="2" name="Title 1" hidden="1">
+            <a:extLst>
+              <a:ext uri="{FF2B5EF4-FFF2-40B4-BE49-F238E27FC236}">
+                <a16:creationId xmlns:a16="http://schemas.microsoft.com/office/drawing/2014/main" id="{9197F7D1-3F80-4C57-BE5E-6B2971CB1586}"/>
+              </a:ext>
+            </a:extLst>
+          </p:cNvPr>
+          <p:cNvSpPr>
+            <a:spLocks noGrp="1"/>
+          </p:cNvSpPr>
+          <p:nvPr>
+            <p:ph type="title"/>
+          </p:nvPr>
+        </p:nvSpPr>
+        <p:spPr/>
+        <p:txBody>
+          <a:bodyPr/>
+          <a:lstStyle/>
+          <a:p>
+            <a:r>
+              <a:rPr lang="en-US" dirty="0"/>
+              <a:t>Slide 12</a:t>
+            </a:r>
+          </a:p>
+        </p:txBody>
+      </p:sp>
+      <p:grpSp>
+        <p:nvGrpSpPr>
+          <p:cNvPr id="11" name="Group 10"/>
+          <p:cNvGrpSpPr/>
+          <p:nvPr/>
+        </p:nvGrpSpPr>
+        <p:grpSpPr>
+          <a:xfrm>
+            <a:off x="0" y="6026426"/>
+            <a:ext cx="3393881" cy="1008396"/>
+            <a:chOff x="9172284" y="5422460"/>
+            <a:chExt cx="3393881" cy="1008396"/>
+          </a:xfrm>
+        </p:grpSpPr>
+        <p:pic>
+          <p:nvPicPr>
+            <p:cNvPr id="12" name="Picture 11"/>
+            <p:cNvPicPr>
+              <a:picLocks noChangeAspect="1"/>
+            </p:cNvPicPr>
+            <p:nvPr/>
+          </p:nvPicPr>
+          <p:blipFill>
+            <a:blip r:embed="rId4" cstate="print">
+              <a:extLst>
+                <a:ext uri="{28A0092B-C50C-407E-A947-70E740481C1C}">
+                  <a14:useLocalDpi xmlns:a14="http://schemas.microsoft.com/office/drawing/2010/main" val="0"/>
+                </a:ext>
+              </a:extLst>
+            </a:blip>
+            <a:stretch>
+              <a:fillRect/>
+            </a:stretch>
+          </p:blipFill>
+          <p:spPr>
+            <a:xfrm>
+              <a:off x="9172284" y="5422460"/>
+              <a:ext cx="738894" cy="738894"/>
+            </a:xfrm>
+            <a:prstGeom prst="rect">
+              <a:avLst/>
+            </a:prstGeom>
+          </p:spPr>
+        </p:pic>
+        <p:sp>
+          <p:nvSpPr>
+            <p:cNvPr id="13" name="TextBox 12"/>
+            <p:cNvSpPr txBox="1"/>
+            <p:nvPr/>
+          </p:nvSpPr>
+          <p:spPr>
+            <a:xfrm>
+              <a:off x="9727715" y="5599859"/>
+              <a:ext cx="2838450" cy="830997"/>
+            </a:xfrm>
+            <a:prstGeom prst="rect">
+              <a:avLst/>
+            </a:prstGeom>
+            <a:noFill/>
+          </p:spPr>
+          <p:txBody>
+            <a:bodyPr wrap="square" rtlCol="0">
+              <a:spAutoFit/>
+            </a:bodyPr>
+            <a:lstStyle/>
+            <a:p>
+              <a:r>
+                <a:rPr lang="en-US" sz="4800" b="1" dirty="0" smtClean="0">
+                  <a:solidFill>
+                    <a:srgbClr val="005588"/>
+                  </a:solidFill>
+                  <a:latin typeface="Javanese Text" panose="02000000000000000000" pitchFamily="2" charset="0"/>
+                </a:rPr>
+                <a:t>Train</a:t>
+              </a:r>
+              <a:endParaRPr lang="en-US" sz="4800" b="1" dirty="0">
+                <a:solidFill>
+                  <a:srgbClr val="005588"/>
+                </a:solidFill>
+                <a:latin typeface="Javanese Text" panose="02000000000000000000" pitchFamily="2" charset="0"/>
+              </a:endParaRPr>
+            </a:p>
+          </p:txBody>
+        </p:sp>
+      </p:grpSp>
+      <p:sp>
+        <p:nvSpPr>
+          <p:cNvPr id="3" name="Rounded Rectangle 2"/>
+          <p:cNvSpPr/>
+          <p:nvPr/>
+        </p:nvSpPr>
+        <p:spPr>
+          <a:xfrm>
+            <a:off x="0" y="1"/>
+            <a:ext cx="12192000" cy="1333500"/>
+          </a:xfrm>
+          <a:prstGeom prst="roundRect">
+            <a:avLst/>
+          </a:prstGeom>
+        </p:spPr>
+        <p:style>
+          <a:lnRef idx="2">
+            <a:schemeClr val="accent1">
+              <a:shade val="50000"/>
+            </a:schemeClr>
+          </a:lnRef>
+          <a:fillRef idx="1">
+            <a:schemeClr val="accent1"/>
+          </a:fillRef>
+          <a:effectRef idx="0">
+            <a:schemeClr val="accent1"/>
+          </a:effectRef>
+          <a:fontRef idx="minor">
+            <a:schemeClr val="lt1"/>
+          </a:fontRef>
+        </p:style>
+        <p:txBody>
+          <a:bodyPr rtlCol="0" anchor="ctr"/>
+          <a:lstStyle/>
+          <a:p>
+            <a:pPr algn="ctr"/>
+            <a:r>
+              <a:rPr lang="en-US" sz="3600" b="1" dirty="0" err="1" smtClean="0"/>
+              <a:t>Navbar</a:t>
+            </a:r>
+            <a:endParaRPr lang="en-US" sz="3600" b="1" dirty="0" smtClean="0"/>
+          </a:p>
+        </p:txBody>
+      </p:sp>
+      <p:sp>
+        <p:nvSpPr>
+          <p:cNvPr id="20" name="TextBox 19">
+            <a:extLst>
+              <a:ext uri="{FF2B5EF4-FFF2-40B4-BE49-F238E27FC236}">
+                <a16:creationId xmlns:a16="http://schemas.microsoft.com/office/drawing/2014/main" id="{231E4B19-2C3A-884A-919A-326B2A2F1BA8}"/>
+              </a:ext>
+            </a:extLst>
+          </p:cNvPr>
+          <p:cNvSpPr txBox="1"/>
+          <p:nvPr/>
+        </p:nvSpPr>
+        <p:spPr>
+          <a:xfrm>
+            <a:off x="806012" y="1783860"/>
+            <a:ext cx="10579975" cy="2123658"/>
+          </a:xfrm>
+          <a:prstGeom prst="rect">
+            <a:avLst/>
+          </a:prstGeom>
+          <a:noFill/>
+          <a:ln>
+            <a:solidFill>
+              <a:schemeClr val="accent1"/>
+            </a:solidFill>
+          </a:ln>
+        </p:spPr>
+        <p:txBody>
+          <a:bodyPr wrap="square" lIns="0" tIns="0" rIns="0" bIns="0" rtlCol="0">
+            <a:spAutoFit/>
+          </a:bodyPr>
+          <a:lstStyle/>
+          <a:p>
+            <a:r>
+              <a:rPr lang="en-US" altLang="en-US" sz="2000" dirty="0" err="1" smtClean="0"/>
+              <a:t>navbar</a:t>
+            </a:r>
+            <a:r>
+              <a:rPr lang="en-US" altLang="en-US" sz="2000" dirty="0" smtClean="0"/>
+              <a:t> </a:t>
+            </a:r>
+            <a:r>
+              <a:rPr lang="en-US" altLang="en-US" sz="2000" b="1" dirty="0" err="1" smtClean="0"/>
+              <a:t>navbar</a:t>
+            </a:r>
+            <a:r>
+              <a:rPr lang="en-US" altLang="en-US" sz="2000" b="1" dirty="0" smtClean="0"/>
+              <a:t>-expand-</a:t>
+            </a:r>
+            <a:r>
+              <a:rPr lang="en-US" altLang="en-US" sz="2000" b="1" dirty="0" err="1" smtClean="0"/>
+              <a:t>sm</a:t>
+            </a:r>
+            <a:r>
+              <a:rPr lang="en-US" altLang="en-US" sz="2000" dirty="0" smtClean="0"/>
+              <a:t> &gt; </a:t>
+            </a:r>
+            <a:r>
+              <a:rPr lang="en-US" altLang="en-US" sz="2000" dirty="0" err="1" smtClean="0"/>
+              <a:t>navbar</a:t>
+            </a:r>
+            <a:r>
+              <a:rPr lang="en-US" altLang="en-US" sz="2000" dirty="0" smtClean="0"/>
+              <a:t>-brand &gt; </a:t>
+            </a:r>
+            <a:r>
+              <a:rPr lang="en-US" altLang="en-US" sz="2000" dirty="0" err="1" smtClean="0"/>
+              <a:t>navbar-nav</a:t>
+            </a:r>
+            <a:r>
+              <a:rPr lang="en-US" altLang="en-US" sz="2000" dirty="0" smtClean="0"/>
+              <a:t> &gt; </a:t>
+            </a:r>
+            <a:r>
+              <a:rPr lang="en-US" altLang="en-US" sz="2000" dirty="0" err="1" smtClean="0"/>
+              <a:t>navbar</a:t>
+            </a:r>
+            <a:r>
+              <a:rPr lang="en-US" altLang="en-US" sz="2000" dirty="0" smtClean="0"/>
+              <a:t>-item &gt;</a:t>
+            </a:r>
+            <a:r>
+              <a:rPr lang="en-US" altLang="en-US" sz="2000" dirty="0" err="1" smtClean="0"/>
+              <a:t>navbar</a:t>
+            </a:r>
+            <a:r>
+              <a:rPr lang="en-US" altLang="en-US" sz="2000" dirty="0" smtClean="0"/>
+              <a:t>-link</a:t>
+            </a:r>
+          </a:p>
+          <a:p>
+            <a:endParaRPr lang="en-US" altLang="en-US" sz="2000" dirty="0" smtClean="0"/>
+          </a:p>
+          <a:p>
+            <a:r>
+              <a:rPr lang="en-US" altLang="en-US" sz="2000" b="1" dirty="0" smtClean="0"/>
+              <a:t>dropdown-toggle</a:t>
+            </a:r>
+          </a:p>
+          <a:p>
+            <a:endParaRPr lang="en-US" altLang="en-US" sz="2000" b="1" dirty="0"/>
+          </a:p>
+          <a:p>
+            <a:r>
+              <a:rPr lang="en-US" dirty="0" err="1"/>
+              <a:t>nav</a:t>
+            </a:r>
+            <a:r>
+              <a:rPr lang="en-US" dirty="0"/>
+              <a:t>-pills</a:t>
+            </a:r>
+            <a:endParaRPr lang="en-US" altLang="en-US" sz="2000" b="1" dirty="0" smtClean="0"/>
+          </a:p>
+          <a:p>
+            <a:endParaRPr lang="en-US" altLang="en-US" sz="2000" dirty="0" smtClean="0"/>
+          </a:p>
+          <a:p>
+            <a:endParaRPr lang="en-US" altLang="en-US" sz="2000" dirty="0"/>
+          </a:p>
+        </p:txBody>
+      </p:sp>
+      <p:sp>
+        <p:nvSpPr>
+          <p:cNvPr id="4" name="Slide Number Placeholder 3"/>
+          <p:cNvSpPr>
+            <a:spLocks noGrp="1"/>
+          </p:cNvSpPr>
+          <p:nvPr>
+            <p:ph type="sldNum" sz="quarter" idx="12"/>
+          </p:nvPr>
+        </p:nvSpPr>
+        <p:spPr/>
+        <p:txBody>
+          <a:bodyPr/>
+          <a:lstStyle/>
+          <a:p>
+            <a:fld id="{A428E537-E56B-49CA-B596-52598082FBE8}" type="slidenum">
+              <a:rPr lang="en-US" smtClean="0"/>
+              <a:t>12</a:t>
+            </a:fld>
+            <a:endParaRPr lang="en-US" dirty="0"/>
+          </a:p>
+        </p:txBody>
+      </p:sp>
+    </p:spTree>
+    <p:extLst>
+      <p:ext uri="{BB962C8B-B14F-4D97-AF65-F5344CB8AC3E}">
+        <p14:creationId xmlns:p14="http://schemas.microsoft.com/office/powerpoint/2010/main" val="2693646818"/>
+      </p:ext>
+    </p:extLst>
+  </p:cSld>
+  <p:clrMapOvr>
+    <a:masterClrMapping/>
+  </p:clrMapOvr>
+  <p:timing>
+    <p:tnLst>
+      <p:par>
+        <p:cTn id="1" dur="indefinite" restart="never" nodeType="tmRoot"/>
+      </p:par>
+    </p:tnLst>
+  </p:timing>
+</p:sld>
+</file>
+
+<file path=ppt/slides/slide13.xml><?xml version="1.0" encoding="utf-8"?>
+<p:sld xmlns:a="http://schemas.openxmlformats.org/drawingml/2006/main" xmlns:r="http://schemas.openxmlformats.org/officeDocument/2006/relationships" xmlns:p="http://schemas.openxmlformats.org/presentationml/2006/main">
+  <p:cSld>
+    <p:spTree>
+      <p:nvGrpSpPr>
+        <p:cNvPr id="1" name=""/>
+        <p:cNvGrpSpPr/>
+        <p:nvPr/>
+      </p:nvGrpSpPr>
+      <p:grpSpPr>
+        <a:xfrm>
+          <a:off x="0" y="0"/>
+          <a:ext cx="0" cy="0"/>
+          <a:chOff x="0" y="0"/>
+          <a:chExt cx="0" cy="0"/>
+        </a:xfrm>
+      </p:grpSpPr>
+      <p:sp>
+        <p:nvSpPr>
+          <p:cNvPr id="104" name="TextBox 103"/>
+          <p:cNvSpPr txBox="1"/>
+          <p:nvPr/>
+        </p:nvSpPr>
+        <p:spPr>
+          <a:xfrm>
+            <a:off x="11907454" y="6481180"/>
+            <a:ext cx="341760" cy="307777"/>
+          </a:xfrm>
+          <a:prstGeom prst="rect">
+            <a:avLst/>
+          </a:prstGeom>
+          <a:noFill/>
+        </p:spPr>
+        <p:txBody>
+          <a:bodyPr wrap="none" rtlCol="0">
+            <a:spAutoFit/>
+          </a:bodyPr>
+          <a:lstStyle/>
+          <a:p>
+            <a:r>
+              <a:rPr lang="en-US" sz="1400" b="1" dirty="0" smtClean="0">
+                <a:solidFill>
+                  <a:schemeClr val="bg1"/>
+                </a:solidFill>
+              </a:rPr>
+              <a:t>10</a:t>
+            </a:r>
+            <a:endParaRPr lang="en-US" sz="1400" b="1" dirty="0">
+              <a:solidFill>
+                <a:schemeClr val="bg1"/>
+              </a:solidFill>
+            </a:endParaRPr>
+          </a:p>
+        </p:txBody>
+      </p:sp>
+      <p:pic>
+        <p:nvPicPr>
+          <p:cNvPr id="49" name="Picture 48" descr="This is a logo that reads &quot;24Slides.&quot;">
+            <a:hlinkClick r:id="rId2"/>
+            <a:extLst>
+              <a:ext uri="{FF2B5EF4-FFF2-40B4-BE49-F238E27FC236}">
+                <a16:creationId xmlns:a16="http://schemas.microsoft.com/office/drawing/2014/main" id="{4252D655-5F2C-F447-B537-8C72930D0F51}"/>
+              </a:ext>
+            </a:extLst>
+          </p:cNvPr>
+          <p:cNvPicPr>
+            <a:picLocks noChangeAspect="1"/>
+          </p:cNvPicPr>
+          <p:nvPr/>
+        </p:nvPicPr>
+        <p:blipFill>
+          <a:blip r:embed="rId3"/>
+          <a:stretch>
+            <a:fillRect/>
+          </a:stretch>
+        </p:blipFill>
+        <p:spPr>
+          <a:xfrm>
+            <a:off x="463550" y="6209088"/>
+            <a:ext cx="1028700" cy="293902"/>
+          </a:xfrm>
+          <a:prstGeom prst="rect">
+            <a:avLst/>
+          </a:prstGeom>
+          <a:effectLst/>
+        </p:spPr>
+      </p:pic>
+      <p:sp>
+        <p:nvSpPr>
+          <p:cNvPr id="2" name="Title 1" hidden="1">
+            <a:extLst>
+              <a:ext uri="{FF2B5EF4-FFF2-40B4-BE49-F238E27FC236}">
+                <a16:creationId xmlns:a16="http://schemas.microsoft.com/office/drawing/2014/main" id="{9197F7D1-3F80-4C57-BE5E-6B2971CB1586}"/>
+              </a:ext>
+            </a:extLst>
+          </p:cNvPr>
+          <p:cNvSpPr>
+            <a:spLocks noGrp="1"/>
+          </p:cNvSpPr>
+          <p:nvPr>
+            <p:ph type="title"/>
+          </p:nvPr>
+        </p:nvSpPr>
+        <p:spPr/>
+        <p:txBody>
+          <a:bodyPr/>
+          <a:lstStyle/>
+          <a:p>
+            <a:r>
+              <a:rPr lang="en-US" dirty="0"/>
+              <a:t>Slide 12</a:t>
+            </a:r>
+          </a:p>
+        </p:txBody>
+      </p:sp>
+      <p:grpSp>
+        <p:nvGrpSpPr>
+          <p:cNvPr id="11" name="Group 10"/>
+          <p:cNvGrpSpPr/>
+          <p:nvPr/>
+        </p:nvGrpSpPr>
+        <p:grpSpPr>
+          <a:xfrm>
+            <a:off x="0" y="6026426"/>
+            <a:ext cx="3393881" cy="1008396"/>
+            <a:chOff x="9172284" y="5422460"/>
+            <a:chExt cx="3393881" cy="1008396"/>
+          </a:xfrm>
+        </p:grpSpPr>
+        <p:pic>
+          <p:nvPicPr>
+            <p:cNvPr id="12" name="Picture 11"/>
+            <p:cNvPicPr>
+              <a:picLocks noChangeAspect="1"/>
+            </p:cNvPicPr>
+            <p:nvPr/>
+          </p:nvPicPr>
+          <p:blipFill>
+            <a:blip r:embed="rId4" cstate="print">
+              <a:extLst>
+                <a:ext uri="{28A0092B-C50C-407E-A947-70E740481C1C}">
+                  <a14:useLocalDpi xmlns:a14="http://schemas.microsoft.com/office/drawing/2010/main" val="0"/>
+                </a:ext>
+              </a:extLst>
+            </a:blip>
+            <a:stretch>
+              <a:fillRect/>
+            </a:stretch>
+          </p:blipFill>
+          <p:spPr>
+            <a:xfrm>
+              <a:off x="9172284" y="5422460"/>
+              <a:ext cx="738894" cy="738894"/>
+            </a:xfrm>
+            <a:prstGeom prst="rect">
+              <a:avLst/>
+            </a:prstGeom>
+          </p:spPr>
+        </p:pic>
+        <p:sp>
+          <p:nvSpPr>
+            <p:cNvPr id="13" name="TextBox 12"/>
+            <p:cNvSpPr txBox="1"/>
+            <p:nvPr/>
+          </p:nvSpPr>
+          <p:spPr>
+            <a:xfrm>
+              <a:off x="9727715" y="5599859"/>
+              <a:ext cx="2838450" cy="830997"/>
+            </a:xfrm>
+            <a:prstGeom prst="rect">
+              <a:avLst/>
+            </a:prstGeom>
+            <a:noFill/>
+          </p:spPr>
+          <p:txBody>
+            <a:bodyPr wrap="square" rtlCol="0">
+              <a:spAutoFit/>
+            </a:bodyPr>
+            <a:lstStyle/>
+            <a:p>
+              <a:r>
+                <a:rPr lang="en-US" sz="4800" b="1" dirty="0" smtClean="0">
+                  <a:solidFill>
+                    <a:srgbClr val="005588"/>
+                  </a:solidFill>
+                  <a:latin typeface="Javanese Text" panose="02000000000000000000" pitchFamily="2" charset="0"/>
+                </a:rPr>
+                <a:t>Train</a:t>
+              </a:r>
+              <a:endParaRPr lang="en-US" sz="4800" b="1" dirty="0">
+                <a:solidFill>
+                  <a:srgbClr val="005588"/>
+                </a:solidFill>
+                <a:latin typeface="Javanese Text" panose="02000000000000000000" pitchFamily="2" charset="0"/>
+              </a:endParaRPr>
+            </a:p>
+          </p:txBody>
+        </p:sp>
+      </p:grpSp>
+      <p:sp>
+        <p:nvSpPr>
+          <p:cNvPr id="3" name="Rounded Rectangle 2"/>
+          <p:cNvSpPr/>
+          <p:nvPr/>
+        </p:nvSpPr>
+        <p:spPr>
+          <a:xfrm>
+            <a:off x="0" y="1"/>
+            <a:ext cx="12192000" cy="1333500"/>
+          </a:xfrm>
+          <a:prstGeom prst="roundRect">
+            <a:avLst/>
+          </a:prstGeom>
+        </p:spPr>
+        <p:style>
+          <a:lnRef idx="2">
+            <a:schemeClr val="accent1">
+              <a:shade val="50000"/>
+            </a:schemeClr>
+          </a:lnRef>
+          <a:fillRef idx="1">
+            <a:schemeClr val="accent1"/>
+          </a:fillRef>
+          <a:effectRef idx="0">
+            <a:schemeClr val="accent1"/>
+          </a:effectRef>
+          <a:fontRef idx="minor">
+            <a:schemeClr val="lt1"/>
+          </a:fontRef>
+        </p:style>
+        <p:txBody>
+          <a:bodyPr rtlCol="0" anchor="ctr"/>
+          <a:lstStyle/>
+          <a:p>
+            <a:pPr algn="ctr"/>
+            <a:r>
+              <a:rPr lang="en-US" sz="3600" b="1" dirty="0" smtClean="0"/>
+              <a:t>List Groups</a:t>
+            </a:r>
+          </a:p>
+        </p:txBody>
+      </p:sp>
+      <p:sp>
+        <p:nvSpPr>
+          <p:cNvPr id="20" name="TextBox 19">
+            <a:extLst>
+              <a:ext uri="{FF2B5EF4-FFF2-40B4-BE49-F238E27FC236}">
+                <a16:creationId xmlns:a16="http://schemas.microsoft.com/office/drawing/2014/main" id="{231E4B19-2C3A-884A-919A-326B2A2F1BA8}"/>
+              </a:ext>
+            </a:extLst>
+          </p:cNvPr>
+          <p:cNvSpPr txBox="1"/>
+          <p:nvPr/>
+        </p:nvSpPr>
+        <p:spPr>
+          <a:xfrm>
+            <a:off x="806012" y="1783860"/>
+            <a:ext cx="10579975" cy="3908762"/>
+          </a:xfrm>
+          <a:prstGeom prst="rect">
+            <a:avLst/>
+          </a:prstGeom>
+          <a:noFill/>
+          <a:ln>
+            <a:solidFill>
+              <a:schemeClr val="accent1"/>
+            </a:solidFill>
+          </a:ln>
+        </p:spPr>
+        <p:txBody>
+          <a:bodyPr wrap="square" lIns="0" tIns="0" rIns="0" bIns="0" rtlCol="0">
+            <a:spAutoFit/>
+          </a:bodyPr>
+          <a:lstStyle/>
+          <a:p>
+            <a:r>
+              <a:rPr lang="en-US" b="1" dirty="0" smtClean="0"/>
+              <a:t>List Group</a:t>
+            </a:r>
+          </a:p>
+          <a:p>
+            <a:endParaRPr lang="en-US" b="1" dirty="0" smtClean="0"/>
+          </a:p>
+          <a:p>
+            <a:r>
+              <a:rPr lang="en-US" dirty="0" smtClean="0"/>
+              <a:t>list-group &gt; list-group-item</a:t>
+            </a:r>
+          </a:p>
+          <a:p>
+            <a:endParaRPr lang="en-US" dirty="0"/>
+          </a:p>
+          <a:p>
+            <a:r>
+              <a:rPr lang="en-US" b="1" dirty="0" smtClean="0"/>
+              <a:t>List Group with Links</a:t>
+            </a:r>
+          </a:p>
+          <a:p>
+            <a:endParaRPr lang="en-US" dirty="0"/>
+          </a:p>
+          <a:p>
+            <a:r>
+              <a:rPr lang="en-US" dirty="0" smtClean="0"/>
+              <a:t>List-group &gt; list-group-item list-group-item-action</a:t>
+            </a:r>
+          </a:p>
+          <a:p>
+            <a:endParaRPr lang="en-US" dirty="0"/>
+          </a:p>
+          <a:p>
+            <a:r>
+              <a:rPr lang="en-US" b="1" dirty="0" smtClean="0"/>
+              <a:t>Contextual Classes:</a:t>
+            </a:r>
+            <a:r>
+              <a:rPr lang="en-US" dirty="0" smtClean="0"/>
+              <a:t> list-group-item-primary, list-group-item-secondary, </a:t>
+            </a:r>
+            <a:r>
+              <a:rPr lang="en-US" dirty="0" err="1" smtClean="0"/>
+              <a:t>etc</a:t>
+            </a:r>
+            <a:endParaRPr lang="en-US" dirty="0" smtClean="0"/>
+          </a:p>
+          <a:p>
+            <a:endParaRPr lang="en-US" dirty="0" smtClean="0"/>
+          </a:p>
+          <a:p>
+            <a:r>
+              <a:rPr lang="en-US" b="1" dirty="0"/>
+              <a:t>badge </a:t>
+            </a:r>
+            <a:r>
+              <a:rPr lang="en-US" b="1" dirty="0" smtClean="0"/>
+              <a:t>badge-primary</a:t>
+            </a:r>
+          </a:p>
+          <a:p>
+            <a:endParaRPr lang="en-US" b="1" dirty="0"/>
+          </a:p>
+          <a:p>
+            <a:r>
+              <a:rPr lang="en-US" b="1" dirty="0" smtClean="0"/>
+              <a:t>Breadcrumb breadcrumb-item</a:t>
+            </a:r>
+            <a:endParaRPr lang="en-US" dirty="0" smtClean="0"/>
+          </a:p>
+          <a:p>
+            <a:endParaRPr lang="en-US" altLang="en-US" sz="2000" dirty="0"/>
+          </a:p>
+        </p:txBody>
+      </p:sp>
+      <p:sp>
+        <p:nvSpPr>
+          <p:cNvPr id="4" name="Slide Number Placeholder 3"/>
+          <p:cNvSpPr>
+            <a:spLocks noGrp="1"/>
+          </p:cNvSpPr>
+          <p:nvPr>
+            <p:ph type="sldNum" sz="quarter" idx="12"/>
+          </p:nvPr>
+        </p:nvSpPr>
+        <p:spPr/>
+        <p:txBody>
+          <a:bodyPr/>
+          <a:lstStyle/>
+          <a:p>
+            <a:fld id="{A428E537-E56B-49CA-B596-52598082FBE8}" type="slidenum">
+              <a:rPr lang="en-US" smtClean="0"/>
+              <a:t>13</a:t>
+            </a:fld>
+            <a:endParaRPr lang="en-US" dirty="0"/>
+          </a:p>
+        </p:txBody>
+      </p:sp>
+    </p:spTree>
+    <p:extLst>
+      <p:ext uri="{BB962C8B-B14F-4D97-AF65-F5344CB8AC3E}">
+        <p14:creationId xmlns:p14="http://schemas.microsoft.com/office/powerpoint/2010/main" val="3383079612"/>
+      </p:ext>
+    </p:extLst>
+  </p:cSld>
+  <p:clrMapOvr>
+    <a:masterClrMapping/>
+  </p:clrMapOvr>
+  <p:timing>
+    <p:tnLst>
+      <p:par>
+        <p:cTn id="1" dur="indefinite" restart="never" nodeType="tmRoot"/>
+      </p:par>
+    </p:tnLst>
+  </p:timing>
+</p:sld>
+</file>
+
+<file path=ppt/slides/slide14.xml><?xml version="1.0" encoding="utf-8"?>
+<p:sld xmlns:a="http://schemas.openxmlformats.org/drawingml/2006/main" xmlns:r="http://schemas.openxmlformats.org/officeDocument/2006/relationships" xmlns:p="http://schemas.openxmlformats.org/presentationml/2006/main">
+  <p:cSld>
+    <p:spTree>
+      <p:nvGrpSpPr>
+        <p:cNvPr id="1" name=""/>
+        <p:cNvGrpSpPr/>
+        <p:nvPr/>
+      </p:nvGrpSpPr>
+      <p:grpSpPr>
+        <a:xfrm>
+          <a:off x="0" y="0"/>
+          <a:ext cx="0" cy="0"/>
+          <a:chOff x="0" y="0"/>
+          <a:chExt cx="0" cy="0"/>
+        </a:xfrm>
+      </p:grpSpPr>
+      <p:sp>
+        <p:nvSpPr>
+          <p:cNvPr id="104" name="TextBox 103"/>
+          <p:cNvSpPr txBox="1"/>
+          <p:nvPr/>
+        </p:nvSpPr>
+        <p:spPr>
+          <a:xfrm>
+            <a:off x="11907454" y="6481180"/>
+            <a:ext cx="341760" cy="307777"/>
+          </a:xfrm>
+          <a:prstGeom prst="rect">
+            <a:avLst/>
+          </a:prstGeom>
+          <a:noFill/>
+        </p:spPr>
+        <p:txBody>
+          <a:bodyPr wrap="none" rtlCol="0">
+            <a:spAutoFit/>
+          </a:bodyPr>
+          <a:lstStyle/>
+          <a:p>
+            <a:r>
+              <a:rPr lang="en-US" sz="1400" b="1" dirty="0" smtClean="0">
+                <a:solidFill>
+                  <a:schemeClr val="bg1"/>
+                </a:solidFill>
+              </a:rPr>
+              <a:t>10</a:t>
+            </a:r>
+            <a:endParaRPr lang="en-US" sz="1400" b="1" dirty="0">
+              <a:solidFill>
+                <a:schemeClr val="bg1"/>
+              </a:solidFill>
+            </a:endParaRPr>
+          </a:p>
+        </p:txBody>
+      </p:sp>
+      <p:pic>
+        <p:nvPicPr>
+          <p:cNvPr id="49" name="Picture 48" descr="This is a logo that reads &quot;24Slides.&quot;">
+            <a:hlinkClick r:id="rId2"/>
+            <a:extLst>
+              <a:ext uri="{FF2B5EF4-FFF2-40B4-BE49-F238E27FC236}">
+                <a16:creationId xmlns:a16="http://schemas.microsoft.com/office/drawing/2014/main" id="{4252D655-5F2C-F447-B537-8C72930D0F51}"/>
+              </a:ext>
+            </a:extLst>
+          </p:cNvPr>
+          <p:cNvPicPr>
+            <a:picLocks noChangeAspect="1"/>
+          </p:cNvPicPr>
+          <p:nvPr/>
+        </p:nvPicPr>
+        <p:blipFill>
+          <a:blip r:embed="rId3"/>
+          <a:stretch>
+            <a:fillRect/>
+          </a:stretch>
+        </p:blipFill>
+        <p:spPr>
+          <a:xfrm>
+            <a:off x="463550" y="6209088"/>
+            <a:ext cx="1028700" cy="293902"/>
+          </a:xfrm>
+          <a:prstGeom prst="rect">
+            <a:avLst/>
+          </a:prstGeom>
+          <a:effectLst/>
+        </p:spPr>
+      </p:pic>
+      <p:sp>
+        <p:nvSpPr>
+          <p:cNvPr id="2" name="Title 1" hidden="1">
+            <a:extLst>
+              <a:ext uri="{FF2B5EF4-FFF2-40B4-BE49-F238E27FC236}">
+                <a16:creationId xmlns:a16="http://schemas.microsoft.com/office/drawing/2014/main" id="{9197F7D1-3F80-4C57-BE5E-6B2971CB1586}"/>
+              </a:ext>
+            </a:extLst>
+          </p:cNvPr>
+          <p:cNvSpPr>
+            <a:spLocks noGrp="1"/>
+          </p:cNvSpPr>
+          <p:nvPr>
+            <p:ph type="title"/>
+          </p:nvPr>
+        </p:nvSpPr>
+        <p:spPr/>
+        <p:txBody>
+          <a:bodyPr/>
+          <a:lstStyle/>
+          <a:p>
+            <a:r>
+              <a:rPr lang="en-US" dirty="0"/>
+              <a:t>Slide 12</a:t>
+            </a:r>
+          </a:p>
+        </p:txBody>
+      </p:sp>
+      <p:grpSp>
+        <p:nvGrpSpPr>
+          <p:cNvPr id="11" name="Group 10"/>
+          <p:cNvGrpSpPr/>
+          <p:nvPr/>
+        </p:nvGrpSpPr>
+        <p:grpSpPr>
+          <a:xfrm>
+            <a:off x="0" y="6026426"/>
+            <a:ext cx="3393881" cy="1008396"/>
+            <a:chOff x="9172284" y="5422460"/>
+            <a:chExt cx="3393881" cy="1008396"/>
+          </a:xfrm>
+        </p:grpSpPr>
+        <p:pic>
+          <p:nvPicPr>
+            <p:cNvPr id="12" name="Picture 11"/>
+            <p:cNvPicPr>
+              <a:picLocks noChangeAspect="1"/>
+            </p:cNvPicPr>
+            <p:nvPr/>
+          </p:nvPicPr>
+          <p:blipFill>
+            <a:blip r:embed="rId4" cstate="print">
+              <a:extLst>
+                <a:ext uri="{28A0092B-C50C-407E-A947-70E740481C1C}">
+                  <a14:useLocalDpi xmlns:a14="http://schemas.microsoft.com/office/drawing/2010/main" val="0"/>
+                </a:ext>
+              </a:extLst>
+            </a:blip>
+            <a:stretch>
+              <a:fillRect/>
+            </a:stretch>
+          </p:blipFill>
+          <p:spPr>
+            <a:xfrm>
+              <a:off x="9172284" y="5422460"/>
+              <a:ext cx="738894" cy="738894"/>
+            </a:xfrm>
+            <a:prstGeom prst="rect">
+              <a:avLst/>
+            </a:prstGeom>
+          </p:spPr>
+        </p:pic>
+        <p:sp>
+          <p:nvSpPr>
+            <p:cNvPr id="13" name="TextBox 12"/>
+            <p:cNvSpPr txBox="1"/>
+            <p:nvPr/>
+          </p:nvSpPr>
+          <p:spPr>
+            <a:xfrm>
+              <a:off x="9727715" y="5599859"/>
+              <a:ext cx="2838450" cy="830997"/>
+            </a:xfrm>
+            <a:prstGeom prst="rect">
+              <a:avLst/>
+            </a:prstGeom>
+            <a:noFill/>
+          </p:spPr>
+          <p:txBody>
+            <a:bodyPr wrap="square" rtlCol="0">
+              <a:spAutoFit/>
+            </a:bodyPr>
+            <a:lstStyle/>
+            <a:p>
+              <a:r>
+                <a:rPr lang="en-US" sz="4800" b="1" dirty="0" smtClean="0">
+                  <a:solidFill>
+                    <a:srgbClr val="005588"/>
+                  </a:solidFill>
+                  <a:latin typeface="Javanese Text" panose="02000000000000000000" pitchFamily="2" charset="0"/>
+                </a:rPr>
+                <a:t>Train</a:t>
+              </a:r>
+              <a:endParaRPr lang="en-US" sz="4800" b="1" dirty="0">
+                <a:solidFill>
+                  <a:srgbClr val="005588"/>
+                </a:solidFill>
+                <a:latin typeface="Javanese Text" panose="02000000000000000000" pitchFamily="2" charset="0"/>
+              </a:endParaRPr>
+            </a:p>
+          </p:txBody>
+        </p:sp>
+      </p:grpSp>
+      <p:sp>
+        <p:nvSpPr>
+          <p:cNvPr id="3" name="Rounded Rectangle 2"/>
+          <p:cNvSpPr/>
+          <p:nvPr/>
+        </p:nvSpPr>
+        <p:spPr>
+          <a:xfrm>
+            <a:off x="0" y="1"/>
+            <a:ext cx="12192000" cy="1333500"/>
+          </a:xfrm>
+          <a:prstGeom prst="roundRect">
+            <a:avLst/>
+          </a:prstGeom>
+        </p:spPr>
+        <p:style>
+          <a:lnRef idx="2">
+            <a:schemeClr val="accent1">
+              <a:shade val="50000"/>
+            </a:schemeClr>
+          </a:lnRef>
+          <a:fillRef idx="1">
+            <a:schemeClr val="accent1"/>
+          </a:fillRef>
+          <a:effectRef idx="0">
+            <a:schemeClr val="accent1"/>
+          </a:effectRef>
+          <a:fontRef idx="minor">
+            <a:schemeClr val="lt1"/>
+          </a:fontRef>
+        </p:style>
+        <p:txBody>
+          <a:bodyPr rtlCol="0" anchor="ctr"/>
+          <a:lstStyle/>
+          <a:p>
+            <a:pPr algn="ctr"/>
+            <a:r>
+              <a:rPr lang="en-US" sz="3600" b="1" dirty="0" smtClean="0"/>
+              <a:t>Form Groups</a:t>
+            </a:r>
+          </a:p>
+        </p:txBody>
+      </p:sp>
+      <p:sp>
+        <p:nvSpPr>
+          <p:cNvPr id="20" name="TextBox 19">
+            <a:extLst>
+              <a:ext uri="{FF2B5EF4-FFF2-40B4-BE49-F238E27FC236}">
+                <a16:creationId xmlns:a16="http://schemas.microsoft.com/office/drawing/2014/main" id="{231E4B19-2C3A-884A-919A-326B2A2F1BA8}"/>
+              </a:ext>
+            </a:extLst>
+          </p:cNvPr>
+          <p:cNvSpPr txBox="1"/>
+          <p:nvPr/>
+        </p:nvSpPr>
+        <p:spPr>
+          <a:xfrm>
+            <a:off x="806012" y="1783860"/>
+            <a:ext cx="10579975" cy="2400657"/>
+          </a:xfrm>
+          <a:prstGeom prst="rect">
+            <a:avLst/>
+          </a:prstGeom>
+          <a:noFill/>
+          <a:ln>
+            <a:solidFill>
+              <a:schemeClr val="accent1"/>
+            </a:solidFill>
+          </a:ln>
+        </p:spPr>
+        <p:txBody>
+          <a:bodyPr wrap="square" lIns="0" tIns="0" rIns="0" bIns="0" rtlCol="0">
+            <a:spAutoFit/>
+          </a:bodyPr>
+          <a:lstStyle/>
+          <a:p>
+            <a:r>
+              <a:rPr lang="en-US" b="1" dirty="0" smtClean="0"/>
+              <a:t>form-group &gt; </a:t>
+            </a:r>
+            <a:r>
+              <a:rPr lang="en-US" dirty="0" smtClean="0"/>
+              <a:t>form-control</a:t>
+            </a:r>
+          </a:p>
+          <a:p>
+            <a:endParaRPr lang="en-US" altLang="en-US" sz="2000" dirty="0"/>
+          </a:p>
+          <a:p>
+            <a:endParaRPr lang="en-US" altLang="en-US" sz="2000" dirty="0" smtClean="0"/>
+          </a:p>
+          <a:p>
+            <a:r>
+              <a:rPr lang="en-US" dirty="0" smtClean="0"/>
+              <a:t>form-group &gt; form-check &gt; form-check-</a:t>
+            </a:r>
+            <a:r>
+              <a:rPr lang="en-US" dirty="0" err="1" smtClean="0"/>
+              <a:t>label,form</a:t>
+            </a:r>
+            <a:r>
+              <a:rPr lang="en-US" dirty="0" smtClean="0"/>
+              <a:t>-check-input</a:t>
+            </a:r>
+          </a:p>
+          <a:p>
+            <a:endParaRPr lang="en-US" altLang="en-US" sz="2000" dirty="0"/>
+          </a:p>
+          <a:p>
+            <a:r>
+              <a:rPr lang="en-US" altLang="en-US" sz="2000" dirty="0" smtClean="0"/>
+              <a:t>is-valid</a:t>
+            </a:r>
+          </a:p>
+          <a:p>
+            <a:endParaRPr lang="en-US" altLang="en-US" sz="2000" dirty="0"/>
+          </a:p>
+          <a:p>
+            <a:r>
+              <a:rPr lang="en-US" altLang="en-US" sz="2000" dirty="0"/>
+              <a:t>i</a:t>
+            </a:r>
+            <a:r>
+              <a:rPr lang="en-US" altLang="en-US" sz="2000" dirty="0" smtClean="0"/>
+              <a:t>s-invalid</a:t>
+            </a:r>
+            <a:endParaRPr lang="en-US" altLang="en-US" sz="2000" dirty="0"/>
+          </a:p>
+        </p:txBody>
+      </p:sp>
+      <p:sp>
+        <p:nvSpPr>
+          <p:cNvPr id="4" name="Slide Number Placeholder 3"/>
+          <p:cNvSpPr>
+            <a:spLocks noGrp="1"/>
+          </p:cNvSpPr>
+          <p:nvPr>
+            <p:ph type="sldNum" sz="quarter" idx="12"/>
+          </p:nvPr>
+        </p:nvSpPr>
+        <p:spPr/>
+        <p:txBody>
+          <a:bodyPr/>
+          <a:lstStyle/>
+          <a:p>
+            <a:fld id="{A428E537-E56B-49CA-B596-52598082FBE8}" type="slidenum">
+              <a:rPr lang="en-US" smtClean="0"/>
+              <a:t>14</a:t>
+            </a:fld>
+            <a:endParaRPr lang="en-US" dirty="0"/>
+          </a:p>
+        </p:txBody>
+      </p:sp>
+    </p:spTree>
+    <p:extLst>
+      <p:ext uri="{BB962C8B-B14F-4D97-AF65-F5344CB8AC3E}">
+        <p14:creationId xmlns:p14="http://schemas.microsoft.com/office/powerpoint/2010/main" val="1027078082"/>
+      </p:ext>
+    </p:extLst>
+  </p:cSld>
+  <p:clrMapOvr>
+    <a:masterClrMapping/>
+  </p:clrMapOvr>
+  <p:timing>
+    <p:tnLst>
+      <p:par>
+        <p:cTn id="1" dur="indefinite" restart="never" nodeType="tmRoot"/>
+      </p:par>
+    </p:tnLst>
+  </p:timing>
+</p:sld>
+</file>
+
+<file path=ppt/slides/slide15.xml><?xml version="1.0" encoding="utf-8"?>
+<p:sld xmlns:a="http://schemas.openxmlformats.org/drawingml/2006/main" xmlns:r="http://schemas.openxmlformats.org/officeDocument/2006/relationships" xmlns:p="http://schemas.openxmlformats.org/presentationml/2006/main">
+  <p:cSld>
+    <p:spTree>
+      <p:nvGrpSpPr>
+        <p:cNvPr id="1" name=""/>
+        <p:cNvGrpSpPr/>
+        <p:nvPr/>
+      </p:nvGrpSpPr>
+      <p:grpSpPr>
+        <a:xfrm>
+          <a:off x="0" y="0"/>
+          <a:ext cx="0" cy="0"/>
+          <a:chOff x="0" y="0"/>
+          <a:chExt cx="0" cy="0"/>
+        </a:xfrm>
+      </p:grpSpPr>
+      <p:sp>
+        <p:nvSpPr>
+          <p:cNvPr id="104" name="TextBox 103"/>
+          <p:cNvSpPr txBox="1"/>
+          <p:nvPr/>
+        </p:nvSpPr>
+        <p:spPr>
+          <a:xfrm>
+            <a:off x="11907454" y="6481180"/>
+            <a:ext cx="341760" cy="307777"/>
+          </a:xfrm>
+          <a:prstGeom prst="rect">
+            <a:avLst/>
+          </a:prstGeom>
+          <a:noFill/>
+        </p:spPr>
+        <p:txBody>
+          <a:bodyPr wrap="none" rtlCol="0">
+            <a:spAutoFit/>
+          </a:bodyPr>
+          <a:lstStyle/>
+          <a:p>
+            <a:r>
+              <a:rPr lang="en-US" sz="1400" b="1" dirty="0" smtClean="0">
+                <a:solidFill>
+                  <a:schemeClr val="bg1"/>
+                </a:solidFill>
+              </a:rPr>
+              <a:t>10</a:t>
+            </a:r>
+            <a:endParaRPr lang="en-US" sz="1400" b="1" dirty="0">
+              <a:solidFill>
+                <a:schemeClr val="bg1"/>
+              </a:solidFill>
+            </a:endParaRPr>
+          </a:p>
+        </p:txBody>
+      </p:sp>
+      <p:pic>
+        <p:nvPicPr>
+          <p:cNvPr id="49" name="Picture 48" descr="This is a logo that reads &quot;24Slides.&quot;">
+            <a:hlinkClick r:id="rId2"/>
+            <a:extLst>
+              <a:ext uri="{FF2B5EF4-FFF2-40B4-BE49-F238E27FC236}">
+                <a16:creationId xmlns:a16="http://schemas.microsoft.com/office/drawing/2014/main" id="{4252D655-5F2C-F447-B537-8C72930D0F51}"/>
+              </a:ext>
+            </a:extLst>
+          </p:cNvPr>
+          <p:cNvPicPr>
+            <a:picLocks noChangeAspect="1"/>
+          </p:cNvPicPr>
+          <p:nvPr/>
+        </p:nvPicPr>
+        <p:blipFill>
+          <a:blip r:embed="rId3"/>
+          <a:stretch>
+            <a:fillRect/>
+          </a:stretch>
+        </p:blipFill>
+        <p:spPr>
+          <a:xfrm>
+            <a:off x="463550" y="6209088"/>
+            <a:ext cx="1028700" cy="293902"/>
+          </a:xfrm>
+          <a:prstGeom prst="rect">
+            <a:avLst/>
+          </a:prstGeom>
+          <a:effectLst/>
+        </p:spPr>
+      </p:pic>
+      <p:sp>
+        <p:nvSpPr>
+          <p:cNvPr id="2" name="Title 1" hidden="1">
+            <a:extLst>
+              <a:ext uri="{FF2B5EF4-FFF2-40B4-BE49-F238E27FC236}">
+                <a16:creationId xmlns:a16="http://schemas.microsoft.com/office/drawing/2014/main" id="{9197F7D1-3F80-4C57-BE5E-6B2971CB1586}"/>
+              </a:ext>
+            </a:extLst>
+          </p:cNvPr>
+          <p:cNvSpPr>
+            <a:spLocks noGrp="1"/>
+          </p:cNvSpPr>
+          <p:nvPr>
+            <p:ph type="title"/>
+          </p:nvPr>
+        </p:nvSpPr>
+        <p:spPr/>
+        <p:txBody>
+          <a:bodyPr/>
+          <a:lstStyle/>
+          <a:p>
+            <a:r>
+              <a:rPr lang="en-US" dirty="0"/>
+              <a:t>Slide 12</a:t>
+            </a:r>
+          </a:p>
+        </p:txBody>
+      </p:sp>
+      <p:grpSp>
+        <p:nvGrpSpPr>
+          <p:cNvPr id="11" name="Group 10"/>
+          <p:cNvGrpSpPr/>
+          <p:nvPr/>
+        </p:nvGrpSpPr>
+        <p:grpSpPr>
+          <a:xfrm>
+            <a:off x="0" y="6026426"/>
+            <a:ext cx="3393881" cy="1008396"/>
+            <a:chOff x="9172284" y="5422460"/>
+            <a:chExt cx="3393881" cy="1008396"/>
+          </a:xfrm>
+        </p:grpSpPr>
+        <p:pic>
+          <p:nvPicPr>
+            <p:cNvPr id="12" name="Picture 11"/>
+            <p:cNvPicPr>
+              <a:picLocks noChangeAspect="1"/>
+            </p:cNvPicPr>
+            <p:nvPr/>
+          </p:nvPicPr>
+          <p:blipFill>
+            <a:blip r:embed="rId4" cstate="print">
+              <a:extLst>
+                <a:ext uri="{28A0092B-C50C-407E-A947-70E740481C1C}">
+                  <a14:useLocalDpi xmlns:a14="http://schemas.microsoft.com/office/drawing/2010/main" val="0"/>
+                </a:ext>
+              </a:extLst>
+            </a:blip>
+            <a:stretch>
+              <a:fillRect/>
+            </a:stretch>
+          </p:blipFill>
+          <p:spPr>
+            <a:xfrm>
+              <a:off x="9172284" y="5422460"/>
+              <a:ext cx="738894" cy="738894"/>
+            </a:xfrm>
+            <a:prstGeom prst="rect">
+              <a:avLst/>
+            </a:prstGeom>
+          </p:spPr>
+        </p:pic>
+        <p:sp>
+          <p:nvSpPr>
+            <p:cNvPr id="13" name="TextBox 12"/>
+            <p:cNvSpPr txBox="1"/>
+            <p:nvPr/>
+          </p:nvSpPr>
+          <p:spPr>
+            <a:xfrm>
+              <a:off x="9727715" y="5599859"/>
+              <a:ext cx="2838450" cy="830997"/>
+            </a:xfrm>
+            <a:prstGeom prst="rect">
+              <a:avLst/>
+            </a:prstGeom>
+            <a:noFill/>
+          </p:spPr>
+          <p:txBody>
+            <a:bodyPr wrap="square" rtlCol="0">
+              <a:spAutoFit/>
+            </a:bodyPr>
+            <a:lstStyle/>
+            <a:p>
+              <a:r>
+                <a:rPr lang="en-US" sz="4800" b="1" dirty="0" smtClean="0">
+                  <a:solidFill>
+                    <a:srgbClr val="005588"/>
+                  </a:solidFill>
+                  <a:latin typeface="Javanese Text" panose="02000000000000000000" pitchFamily="2" charset="0"/>
+                </a:rPr>
+                <a:t>Train</a:t>
+              </a:r>
+              <a:endParaRPr lang="en-US" sz="4800" b="1" dirty="0">
+                <a:solidFill>
+                  <a:srgbClr val="005588"/>
+                </a:solidFill>
+                <a:latin typeface="Javanese Text" panose="02000000000000000000" pitchFamily="2" charset="0"/>
+              </a:endParaRPr>
+            </a:p>
+          </p:txBody>
+        </p:sp>
+      </p:grpSp>
+      <p:sp>
+        <p:nvSpPr>
+          <p:cNvPr id="3" name="Rounded Rectangle 2"/>
+          <p:cNvSpPr/>
+          <p:nvPr/>
+        </p:nvSpPr>
+        <p:spPr>
+          <a:xfrm>
+            <a:off x="0" y="1"/>
+            <a:ext cx="12192000" cy="1333500"/>
+          </a:xfrm>
+          <a:prstGeom prst="roundRect">
+            <a:avLst/>
+          </a:prstGeom>
+        </p:spPr>
+        <p:style>
+          <a:lnRef idx="2">
+            <a:schemeClr val="accent1">
+              <a:shade val="50000"/>
+            </a:schemeClr>
+          </a:lnRef>
+          <a:fillRef idx="1">
+            <a:schemeClr val="accent1"/>
+          </a:fillRef>
+          <a:effectRef idx="0">
+            <a:schemeClr val="accent1"/>
+          </a:effectRef>
+          <a:fontRef idx="minor">
+            <a:schemeClr val="lt1"/>
+          </a:fontRef>
+        </p:style>
+        <p:txBody>
+          <a:bodyPr rtlCol="0" anchor="ctr"/>
+          <a:lstStyle/>
+          <a:p>
+            <a:pPr algn="ctr"/>
+            <a:r>
+              <a:rPr lang="en-US" sz="3600" b="1" dirty="0" smtClean="0"/>
+              <a:t>Input Groups</a:t>
+            </a:r>
+          </a:p>
+        </p:txBody>
+      </p:sp>
+      <p:sp>
+        <p:nvSpPr>
+          <p:cNvPr id="20" name="TextBox 19">
+            <a:extLst>
+              <a:ext uri="{FF2B5EF4-FFF2-40B4-BE49-F238E27FC236}">
+                <a16:creationId xmlns:a16="http://schemas.microsoft.com/office/drawing/2014/main" id="{231E4B19-2C3A-884A-919A-326B2A2F1BA8}"/>
+              </a:ext>
+            </a:extLst>
+          </p:cNvPr>
+          <p:cNvSpPr txBox="1"/>
+          <p:nvPr/>
+        </p:nvSpPr>
+        <p:spPr>
+          <a:xfrm>
+            <a:off x="806012" y="1783860"/>
+            <a:ext cx="10579975" cy="1785104"/>
+          </a:xfrm>
+          <a:prstGeom prst="rect">
+            <a:avLst/>
+          </a:prstGeom>
+          <a:noFill/>
+          <a:ln>
+            <a:solidFill>
+              <a:schemeClr val="accent1"/>
+            </a:solidFill>
+          </a:ln>
+        </p:spPr>
+        <p:txBody>
+          <a:bodyPr wrap="square" lIns="0" tIns="0" rIns="0" bIns="0" rtlCol="0">
+            <a:spAutoFit/>
+          </a:bodyPr>
+          <a:lstStyle/>
+          <a:p>
+            <a:r>
+              <a:rPr lang="en-US" b="1" dirty="0" smtClean="0"/>
+              <a:t>input-group &gt; </a:t>
+            </a:r>
+            <a:r>
+              <a:rPr lang="en-US" dirty="0" smtClean="0"/>
+              <a:t>input-group-</a:t>
+            </a:r>
+            <a:r>
+              <a:rPr lang="en-US" dirty="0" err="1" smtClean="0"/>
+              <a:t>addon</a:t>
+            </a:r>
+            <a:r>
+              <a:rPr lang="en-US" dirty="0" smtClean="0"/>
+              <a:t> </a:t>
+            </a:r>
+          </a:p>
+          <a:p>
+            <a:endParaRPr lang="en-US" altLang="en-US" sz="2000" dirty="0"/>
+          </a:p>
+          <a:p>
+            <a:endParaRPr lang="en-US" altLang="en-US" sz="2000" dirty="0" smtClean="0"/>
+          </a:p>
+          <a:p>
+            <a:r>
+              <a:rPr lang="en-US" dirty="0" smtClean="0"/>
+              <a:t>Input-group &gt; input-group-</a:t>
+            </a:r>
+            <a:r>
+              <a:rPr lang="en-US" dirty="0" err="1" smtClean="0"/>
+              <a:t>btn</a:t>
+            </a:r>
+            <a:endParaRPr lang="en-US" dirty="0" smtClean="0"/>
+          </a:p>
+          <a:p>
+            <a:endParaRPr lang="en-US" altLang="en-US" sz="2000" dirty="0"/>
+          </a:p>
+          <a:p>
+            <a:endParaRPr lang="en-US" altLang="en-US" sz="2000" dirty="0"/>
+          </a:p>
+        </p:txBody>
+      </p:sp>
+      <p:sp>
+        <p:nvSpPr>
+          <p:cNvPr id="5" name="Slide Number Placeholder 4"/>
+          <p:cNvSpPr>
+            <a:spLocks noGrp="1"/>
+          </p:cNvSpPr>
+          <p:nvPr>
+            <p:ph type="sldNum" sz="quarter" idx="12"/>
+          </p:nvPr>
+        </p:nvSpPr>
+        <p:spPr/>
+        <p:txBody>
+          <a:bodyPr/>
+          <a:lstStyle/>
+          <a:p>
+            <a:fld id="{A428E537-E56B-49CA-B596-52598082FBE8}" type="slidenum">
+              <a:rPr lang="en-US" smtClean="0"/>
+              <a:t>15</a:t>
+            </a:fld>
+            <a:endParaRPr lang="en-US" dirty="0"/>
+          </a:p>
+        </p:txBody>
+      </p:sp>
+    </p:spTree>
+    <p:extLst>
+      <p:ext uri="{BB962C8B-B14F-4D97-AF65-F5344CB8AC3E}">
+        <p14:creationId xmlns:p14="http://schemas.microsoft.com/office/powerpoint/2010/main" val="588644034"/>
+      </p:ext>
+    </p:extLst>
+  </p:cSld>
+  <p:clrMapOvr>
+    <a:masterClrMapping/>
+  </p:clrMapOvr>
+  <p:timing>
+    <p:tnLst>
+      <p:par>
+        <p:cTn id="1" dur="indefinite" restart="never" nodeType="tmRoot"/>
+      </p:par>
+    </p:tnLst>
+  </p:timing>
+</p:sld>
+</file>
+
+<file path=ppt/slides/slide16.xml><?xml version="1.0" encoding="utf-8"?>
+<p:sld xmlns:a="http://schemas.openxmlformats.org/drawingml/2006/main" xmlns:r="http://schemas.openxmlformats.org/officeDocument/2006/relationships" xmlns:p="http://schemas.openxmlformats.org/presentationml/2006/main">
+  <p:cSld>
+    <p:spTree>
+      <p:nvGrpSpPr>
+        <p:cNvPr id="1" name=""/>
+        <p:cNvGrpSpPr/>
+        <p:nvPr/>
+      </p:nvGrpSpPr>
+      <p:grpSpPr>
+        <a:xfrm>
+          <a:off x="0" y="0"/>
+          <a:ext cx="0" cy="0"/>
+          <a:chOff x="0" y="0"/>
+          <a:chExt cx="0" cy="0"/>
+        </a:xfrm>
+      </p:grpSpPr>
+      <p:sp>
+        <p:nvSpPr>
           <p:cNvPr id="103" name="Freeform 102">
             <a:extLst>
               <a:ext uri="{C183D7F6-B498-43B3-948B-1728B52AA6E4}">
-                <adec:decorative xmlns="" xmlns:adec="http://schemas.microsoft.com/office/drawing/2017/decorative" val="1"/>
+                <adec:decorative xmlns:adec="http://schemas.microsoft.com/office/drawing/2017/decorative" xmlns="" val="1"/>
               </a:ext>
             </a:extLst>
           </p:cNvPr>
@@ -4849,9 +7494,8 @@
             <a:pPr algn="ctr"/>
             <a:r>
               <a:rPr lang="en-US" sz="3600" b="1" dirty="0" smtClean="0"/>
-              <a:t>Buttons</a:t>
-            </a:r>
-            <a:endParaRPr lang="en-US" sz="3600" b="1" dirty="0"/>
+              <a:t>Alerts and Progress Bars</a:t>
+            </a:r>
           </a:p>
         </p:txBody>
       </p:sp>
@@ -4888,238 +7532,13 @@
           </a:bodyPr>
           <a:lstStyle/>
           <a:p>
-            <a:pPr marL="342900" indent="-342900">
-              <a:buFont typeface="Arial" panose="020B0604020202020204" pitchFamily="34" charset="0"/>
-              <a:buChar char="•"/>
-            </a:pPr>
-            <a:r>
-              <a:rPr lang="en-US" altLang="en-US" dirty="0" err="1"/>
-              <a:t>btn</a:t>
-            </a:r>
-            <a:r>
-              <a:rPr lang="en-US" altLang="en-US" dirty="0"/>
-              <a:t>-primary</a:t>
-            </a:r>
-          </a:p>
-          <a:p>
-            <a:pPr marL="342900" indent="-342900">
-              <a:buFont typeface="Arial" panose="020B0604020202020204" pitchFamily="34" charset="0"/>
-              <a:buChar char="•"/>
-            </a:pPr>
-            <a:r>
-              <a:rPr lang="en-US" altLang="en-US" dirty="0" err="1"/>
-              <a:t>btn</a:t>
-            </a:r>
-            <a:r>
-              <a:rPr lang="en-US" altLang="en-US" dirty="0"/>
-              <a:t>-secondary</a:t>
-            </a:r>
-          </a:p>
-          <a:p>
-            <a:pPr marL="342900" indent="-342900">
-              <a:buFont typeface="Arial" panose="020B0604020202020204" pitchFamily="34" charset="0"/>
-              <a:buChar char="•"/>
-            </a:pPr>
-            <a:r>
-              <a:rPr lang="en-US" altLang="en-US" dirty="0" err="1"/>
-              <a:t>btn</a:t>
-            </a:r>
-            <a:r>
-              <a:rPr lang="en-US" altLang="en-US" dirty="0"/>
-              <a:t>-success</a:t>
-            </a:r>
-          </a:p>
-          <a:p>
-            <a:pPr marL="342900" indent="-342900">
-              <a:buFont typeface="Arial" panose="020B0604020202020204" pitchFamily="34" charset="0"/>
-              <a:buChar char="•"/>
-            </a:pPr>
-            <a:r>
-              <a:rPr lang="en-US" altLang="en-US" dirty="0" err="1"/>
-              <a:t>btn</a:t>
-            </a:r>
-            <a:r>
-              <a:rPr lang="en-US" altLang="en-US" dirty="0"/>
-              <a:t>-info</a:t>
-            </a:r>
-          </a:p>
-          <a:p>
-            <a:pPr marL="342900" indent="-342900">
-              <a:buFont typeface="Arial" panose="020B0604020202020204" pitchFamily="34" charset="0"/>
-              <a:buChar char="•"/>
-            </a:pPr>
-            <a:r>
-              <a:rPr lang="en-US" altLang="en-US" dirty="0" err="1"/>
-              <a:t>btn</a:t>
-            </a:r>
-            <a:r>
-              <a:rPr lang="en-US" altLang="en-US" dirty="0"/>
-              <a:t>-warning</a:t>
-            </a:r>
-          </a:p>
-          <a:p>
-            <a:pPr marL="342900" indent="-342900">
-              <a:buFont typeface="Arial" panose="020B0604020202020204" pitchFamily="34" charset="0"/>
-              <a:buChar char="•"/>
-            </a:pPr>
-            <a:r>
-              <a:rPr lang="en-US" altLang="en-US" dirty="0" err="1"/>
-              <a:t>btn</a:t>
-            </a:r>
-            <a:r>
-              <a:rPr lang="en-US" altLang="en-US" dirty="0"/>
-              <a:t>-danger</a:t>
-            </a:r>
-          </a:p>
-          <a:p>
-            <a:pPr marL="342900" indent="-342900">
-              <a:buFont typeface="Arial" panose="020B0604020202020204" pitchFamily="34" charset="0"/>
-              <a:buChar char="•"/>
-            </a:pPr>
-            <a:r>
-              <a:rPr lang="en-US" altLang="en-US" dirty="0" err="1"/>
-              <a:t>btn</a:t>
-            </a:r>
-            <a:r>
-              <a:rPr lang="en-US" altLang="en-US" dirty="0"/>
-              <a:t>-light</a:t>
-            </a:r>
-          </a:p>
-          <a:p>
-            <a:pPr marL="342900" indent="-342900">
-              <a:buFont typeface="Arial" panose="020B0604020202020204" pitchFamily="34" charset="0"/>
-              <a:buChar char="•"/>
-            </a:pPr>
-            <a:r>
-              <a:rPr lang="en-US" altLang="en-US" dirty="0" err="1"/>
-              <a:t>btn</a:t>
-            </a:r>
-            <a:r>
-              <a:rPr lang="en-US" altLang="en-US" dirty="0"/>
-              <a:t>-dark</a:t>
-            </a:r>
-          </a:p>
-          <a:p>
-            <a:pPr marL="342900" indent="-342900">
-              <a:buFont typeface="Arial" panose="020B0604020202020204" pitchFamily="34" charset="0"/>
-              <a:buChar char="•"/>
-            </a:pPr>
-            <a:r>
-              <a:rPr lang="en-US" altLang="en-US" dirty="0" err="1"/>
-              <a:t>btn</a:t>
-            </a:r>
-            <a:r>
-              <a:rPr lang="en-US" altLang="en-US" dirty="0"/>
-              <a:t>-white</a:t>
-            </a:r>
-          </a:p>
-          <a:p>
-            <a:pPr marL="342900" indent="-342900">
-              <a:buFont typeface="Arial" panose="020B0604020202020204" pitchFamily="34" charset="0"/>
-              <a:buChar char="•"/>
-            </a:pPr>
-            <a:r>
-              <a:rPr lang="en-US" altLang="en-US" dirty="0" err="1"/>
-              <a:t>b</a:t>
-            </a:r>
-            <a:r>
-              <a:rPr lang="en-US" altLang="en-US" dirty="0" err="1" smtClean="0"/>
-              <a:t>tn-lg</a:t>
-            </a:r>
-            <a:endParaRPr lang="en-US" altLang="en-US" dirty="0" smtClean="0"/>
-          </a:p>
-          <a:p>
-            <a:pPr marL="342900" indent="-342900">
-              <a:buFont typeface="Arial" panose="020B0604020202020204" pitchFamily="34" charset="0"/>
-              <a:buChar char="•"/>
-            </a:pPr>
-            <a:r>
-              <a:rPr lang="en-US" altLang="en-US" dirty="0" err="1" smtClean="0"/>
-              <a:t>btn-sm</a:t>
-            </a:r>
-            <a:endParaRPr lang="en-US" altLang="en-US" dirty="0" smtClean="0"/>
-          </a:p>
-          <a:p>
-            <a:pPr marL="342900" indent="-342900">
-              <a:buFont typeface="Arial" panose="020B0604020202020204" pitchFamily="34" charset="0"/>
-              <a:buChar char="•"/>
-            </a:pPr>
-            <a:r>
-              <a:rPr lang="en-US" altLang="en-US" dirty="0" err="1" smtClean="0"/>
-              <a:t>btn</a:t>
-            </a:r>
-            <a:r>
-              <a:rPr lang="en-US" altLang="en-US" dirty="0" smtClean="0"/>
-              <a:t>-block</a:t>
-            </a:r>
-            <a:endParaRPr lang="en-US" altLang="en-US" dirty="0"/>
-          </a:p>
-        </p:txBody>
-      </p:sp>
-      <p:sp>
-        <p:nvSpPr>
-          <p:cNvPr id="4" name="Rectangle 3"/>
-          <p:cNvSpPr/>
-          <p:nvPr/>
-        </p:nvSpPr>
-        <p:spPr>
-          <a:xfrm>
-            <a:off x="4104372" y="6296514"/>
-            <a:ext cx="5131598" cy="369332"/>
-          </a:xfrm>
-          <a:prstGeom prst="rect">
-            <a:avLst/>
-          </a:prstGeom>
-        </p:spPr>
-        <p:txBody>
-          <a:bodyPr wrap="none">
-            <a:spAutoFit/>
-          </a:bodyPr>
-          <a:lstStyle/>
-          <a:p>
-            <a:r>
-              <a:rPr lang="en-US" dirty="0">
-                <a:hlinkClick r:id="rId5"/>
-              </a:rPr>
-              <a:t>https://www.w3schools.com/css/css_positioning.asp</a:t>
-            </a:r>
-            <a:endParaRPr lang="en-US" dirty="0"/>
-          </a:p>
-        </p:txBody>
-      </p:sp>
-      <p:sp>
-        <p:nvSpPr>
-          <p:cNvPr id="5" name="TextBox 4"/>
-          <p:cNvSpPr txBox="1"/>
-          <p:nvPr/>
-        </p:nvSpPr>
-        <p:spPr>
-          <a:xfrm>
-            <a:off x="6252755" y="1783860"/>
-            <a:ext cx="3622765" cy="3139321"/>
-          </a:xfrm>
-          <a:prstGeom prst="rect">
-            <a:avLst/>
-          </a:prstGeom>
-          <a:noFill/>
-        </p:spPr>
-        <p:txBody>
-          <a:bodyPr wrap="square" rtlCol="0">
-            <a:spAutoFit/>
-          </a:bodyPr>
-          <a:lstStyle/>
-          <a:p>
             <a:pPr marL="285750" indent="-285750">
               <a:buFont typeface="Arial" panose="020B0604020202020204" pitchFamily="34" charset="0"/>
               <a:buChar char="•"/>
             </a:pPr>
             <a:r>
-              <a:rPr lang="en-US" dirty="0" err="1"/>
-              <a:t>btn</a:t>
-            </a:r>
-            <a:r>
               <a:rPr lang="en-US" dirty="0"/>
-              <a:t>-outline-primary</a:t>
+              <a:t>alert-primary</a:t>
             </a:r>
           </a:p>
           <a:p>
@@ -5128,12 +7547,8 @@
               <a:buChar char="•"/>
             </a:pPr>
             <a:r>
-              <a:rPr lang="en-US" dirty="0" err="1"/>
-              <a:t>btn</a:t>
-            </a:r>
-            <a:r>
               <a:rPr lang="en-US" dirty="0"/>
-              <a:t>-outline-secondary</a:t>
+              <a:t>alert-secondary</a:t>
             </a:r>
           </a:p>
           <a:p>
@@ -5142,12 +7557,8 @@
               <a:buChar char="•"/>
             </a:pPr>
             <a:r>
-              <a:rPr lang="en-US" dirty="0" err="1"/>
-              <a:t>btn</a:t>
-            </a:r>
-            <a:r>
               <a:rPr lang="en-US" dirty="0"/>
-              <a:t>-outline-success</a:t>
+              <a:t>alert-success</a:t>
             </a:r>
           </a:p>
           <a:p>
@@ -5156,12 +7567,8 @@
               <a:buChar char="•"/>
             </a:pPr>
             <a:r>
-              <a:rPr lang="en-US" dirty="0" err="1"/>
-              <a:t>btn</a:t>
-            </a:r>
-            <a:r>
               <a:rPr lang="en-US" dirty="0"/>
-              <a:t>-outline-info</a:t>
+              <a:t>alert-info</a:t>
             </a:r>
           </a:p>
           <a:p>
@@ -5170,12 +7577,8 @@
               <a:buChar char="•"/>
             </a:pPr>
             <a:r>
-              <a:rPr lang="en-US" dirty="0" err="1"/>
-              <a:t>btn</a:t>
-            </a:r>
-            <a:r>
               <a:rPr lang="en-US" dirty="0"/>
-              <a:t>-outline-warning</a:t>
+              <a:t>alert-warning</a:t>
             </a:r>
           </a:p>
           <a:p>
@@ -5184,12 +7587,8 @@
               <a:buChar char="•"/>
             </a:pPr>
             <a:r>
-              <a:rPr lang="en-US" dirty="0" err="1"/>
-              <a:t>btn</a:t>
-            </a:r>
-            <a:r>
               <a:rPr lang="en-US" dirty="0"/>
-              <a:t>-outline-danger</a:t>
+              <a:t>alert-danger</a:t>
             </a:r>
           </a:p>
           <a:p>
@@ -5198,12 +7597,8 @@
               <a:buChar char="•"/>
             </a:pPr>
             <a:r>
-              <a:rPr lang="en-US" dirty="0" err="1"/>
-              <a:t>btn</a:t>
-            </a:r>
-            <a:r>
               <a:rPr lang="en-US" dirty="0"/>
-              <a:t>-outline-light</a:t>
+              <a:t>alert-light</a:t>
             </a:r>
           </a:p>
           <a:p>
@@ -5212,12 +7607,8 @@
               <a:buChar char="•"/>
             </a:pPr>
             <a:r>
-              <a:rPr lang="en-US" dirty="0" err="1"/>
-              <a:t>btn</a:t>
-            </a:r>
-            <a:r>
               <a:rPr lang="en-US" dirty="0"/>
-              <a:t>-outline-dark</a:t>
+              <a:t>alert-dark</a:t>
             </a:r>
           </a:p>
           <a:p>
@@ -5226,12 +7617,8 @@
               <a:buChar char="•"/>
             </a:pPr>
             <a:r>
-              <a:rPr lang="en-US" dirty="0" err="1"/>
-              <a:t>btn</a:t>
-            </a:r>
-            <a:r>
-              <a:rPr lang="en-US" dirty="0"/>
-              <a:t>-outline-white</a:t>
+              <a:rPr lang="en-US" dirty="0" smtClean="0"/>
+              <a:t>alert-white</a:t>
             </a:r>
           </a:p>
           <a:p>
@@ -5246,6 +7633,40 @@
               <a:buFont typeface="Arial" panose="020B0604020202020204" pitchFamily="34" charset="0"/>
               <a:buChar char="•"/>
             </a:pPr>
+            <a:r>
+              <a:rPr lang="en-US" dirty="0" smtClean="0"/>
+              <a:t>Progress &gt; progress-bar &gt; progress-bar-striped</a:t>
+            </a:r>
+            <a:endParaRPr lang="en-US" dirty="0"/>
+          </a:p>
+          <a:p>
+            <a:pPr marL="285750" indent="-285750">
+              <a:buFont typeface="Arial" panose="020B0604020202020204" pitchFamily="34" charset="0"/>
+              <a:buChar char="•"/>
+            </a:pPr>
+            <a:endParaRPr lang="en-US" dirty="0"/>
+          </a:p>
+        </p:txBody>
+      </p:sp>
+      <p:sp>
+        <p:nvSpPr>
+          <p:cNvPr id="5" name="Slide Number Placeholder 4"/>
+          <p:cNvSpPr>
+            <a:spLocks noGrp="1"/>
+          </p:cNvSpPr>
+          <p:nvPr>
+            <p:ph type="sldNum" sz="quarter" idx="12"/>
+          </p:nvPr>
+        </p:nvSpPr>
+        <p:spPr/>
+        <p:txBody>
+          <a:bodyPr/>
+          <a:lstStyle/>
+          <a:p>
+            <a:fld id="{A428E537-E56B-49CA-B596-52598082FBE8}" type="slidenum">
+              <a:rPr lang="en-US" smtClean="0"/>
+              <a:t>16</a:t>
+            </a:fld>
             <a:endParaRPr lang="en-US" dirty="0"/>
           </a:p>
         </p:txBody>
@@ -5253,7 +7674,7 @@
     </p:spTree>
     <p:extLst>
       <p:ext uri="{BB962C8B-B14F-4D97-AF65-F5344CB8AC3E}">
-        <p14:creationId xmlns:p14="http://schemas.microsoft.com/office/powerpoint/2010/main" val="3864332889"/>
+        <p14:creationId xmlns:p14="http://schemas.microsoft.com/office/powerpoint/2010/main" val="1288602818"/>
       </p:ext>
     </p:extLst>
   </p:cSld>
@@ -5270,7 +7691,7 @@
 </p:sld>
 </file>
 
-<file path=ppt/slides/slide11.xml><?xml version="1.0" encoding="utf-8"?>
+<file path=ppt/slides/slide17.xml><?xml version="1.0" encoding="utf-8"?>
 <p:sld xmlns:a="http://schemas.openxmlformats.org/drawingml/2006/main" xmlns:r="http://schemas.openxmlformats.org/officeDocument/2006/relationships" xmlns:p="http://schemas.openxmlformats.org/presentationml/2006/main">
   <p:cSld>
     <p:spTree>
@@ -5287,156 +7708,6 @@
           <a:chExt cx="0" cy="0"/>
         </a:xfrm>
       </p:grpSpPr>
-      <p:sp>
-        <p:nvSpPr>
-          <p:cNvPr id="103" name="Freeform 102">
-            <a:extLst>
-              <a:ext uri="{C183D7F6-B498-43B3-948B-1728B52AA6E4}">
-                <adec:decorative xmlns="" xmlns:adec="http://schemas.microsoft.com/office/drawing/2017/decorative" val="1"/>
-              </a:ext>
-            </a:extLst>
-          </p:cNvPr>
-          <p:cNvSpPr/>
-          <p:nvPr/>
-        </p:nvSpPr>
-        <p:spPr>
-          <a:xfrm rot="2700000">
-            <a:off x="11788943" y="6333474"/>
-            <a:ext cx="527486" cy="603188"/>
-          </a:xfrm>
-          <a:custGeom>
-            <a:avLst/>
-            <a:gdLst>
-              <a:gd name="connsiteX0" fmla="*/ 110516 w 889463"/>
-              <a:gd name="connsiteY0" fmla="*/ 95275 h 1017114"/>
-              <a:gd name="connsiteX1" fmla="*/ 230452 w 889463"/>
-              <a:gd name="connsiteY1" fmla="*/ 14411 h 1017114"/>
-              <a:gd name="connsiteX2" fmla="*/ 276877 w 889463"/>
-              <a:gd name="connsiteY2" fmla="*/ 0 h 1017114"/>
-              <a:gd name="connsiteX3" fmla="*/ 889463 w 889463"/>
-              <a:gd name="connsiteY3" fmla="*/ 612585 h 1017114"/>
-              <a:gd name="connsiteX4" fmla="*/ 484934 w 889463"/>
-              <a:gd name="connsiteY4" fmla="*/ 1017114 h 1017114"/>
-              <a:gd name="connsiteX5" fmla="*/ 377324 w 889463"/>
-              <a:gd name="connsiteY5" fmla="*/ 1017114 h 1017114"/>
-              <a:gd name="connsiteX6" fmla="*/ 0 w 889463"/>
-              <a:gd name="connsiteY6" fmla="*/ 639790 h 1017114"/>
-              <a:gd name="connsiteX7" fmla="*/ 0 w 889463"/>
-              <a:gd name="connsiteY7" fmla="*/ 362083 h 1017114"/>
-              <a:gd name="connsiteX8" fmla="*/ 110516 w 889463"/>
-              <a:gd name="connsiteY8" fmla="*/ 95275 h 1017114"/>
-            </a:gdLst>
-            <a:ahLst/>
-            <a:cxnLst>
-              <a:cxn ang="0">
-                <a:pos x="connsiteX0" y="connsiteY0"/>
-              </a:cxn>
-              <a:cxn ang="0">
-                <a:pos x="connsiteX1" y="connsiteY1"/>
-              </a:cxn>
-              <a:cxn ang="0">
-                <a:pos x="connsiteX2" y="connsiteY2"/>
-              </a:cxn>
-              <a:cxn ang="0">
-                <a:pos x="connsiteX3" y="connsiteY3"/>
-              </a:cxn>
-              <a:cxn ang="0">
-                <a:pos x="connsiteX4" y="connsiteY4"/>
-              </a:cxn>
-              <a:cxn ang="0">
-                <a:pos x="connsiteX5" y="connsiteY5"/>
-              </a:cxn>
-              <a:cxn ang="0">
-                <a:pos x="connsiteX6" y="connsiteY6"/>
-              </a:cxn>
-              <a:cxn ang="0">
-                <a:pos x="connsiteX7" y="connsiteY7"/>
-              </a:cxn>
-              <a:cxn ang="0">
-                <a:pos x="connsiteX8" y="connsiteY8"/>
-              </a:cxn>
-            </a:cxnLst>
-            <a:rect l="l" t="t" r="r" b="b"/>
-            <a:pathLst>
-              <a:path w="889463" h="1017114">
-                <a:moveTo>
-                  <a:pt x="110516" y="95275"/>
-                </a:moveTo>
-                <a:cubicBezTo>
-                  <a:pt x="144657" y="61133"/>
-                  <a:pt x="185310" y="33504"/>
-                  <a:pt x="230452" y="14411"/>
-                </a:cubicBezTo>
-                <a:lnTo>
-                  <a:pt x="276877" y="0"/>
-                </a:lnTo>
-                <a:lnTo>
-                  <a:pt x="889463" y="612585"/>
-                </a:lnTo>
-                <a:lnTo>
-                  <a:pt x="484934" y="1017114"/>
-                </a:lnTo>
-                <a:lnTo>
-                  <a:pt x="377324" y="1017114"/>
-                </a:lnTo>
-                <a:cubicBezTo>
-                  <a:pt x="168934" y="1017114"/>
-                  <a:pt x="0" y="848180"/>
-                  <a:pt x="0" y="639790"/>
-                </a:cubicBezTo>
-                <a:lnTo>
-                  <a:pt x="0" y="362083"/>
-                </a:lnTo>
-                <a:cubicBezTo>
-                  <a:pt x="0" y="257888"/>
-                  <a:pt x="42234" y="163556"/>
-                  <a:pt x="110516" y="95275"/>
-                </a:cubicBezTo>
-                <a:close/>
-              </a:path>
-            </a:pathLst>
-          </a:custGeom>
-          <a:solidFill>
-            <a:schemeClr val="tx1">
-              <a:lumMod val="50000"/>
-              <a:lumOff val="50000"/>
-            </a:schemeClr>
-          </a:solidFill>
-          <a:ln>
-            <a:noFill/>
-          </a:ln>
-        </p:spPr>
-        <p:style>
-          <a:lnRef idx="2">
-            <a:schemeClr val="accent1">
-              <a:shade val="50000"/>
-            </a:schemeClr>
-          </a:lnRef>
-          <a:fillRef idx="1">
-            <a:schemeClr val="accent1"/>
-          </a:fillRef>
-          <a:effectRef idx="0">
-            <a:schemeClr val="accent1"/>
-          </a:effectRef>
-          <a:fontRef idx="minor">
-            <a:schemeClr val="lt1"/>
-          </a:fontRef>
-        </p:style>
-        <p:txBody>
-          <a:bodyPr wrap="square" rtlCol="0" anchor="ctr">
-            <a:noAutofit/>
-          </a:bodyPr>
-          <a:lstStyle/>
-          <a:p>
-            <a:pPr algn="ctr"/>
-            <a:endParaRPr lang="en-US" dirty="0">
-              <a:solidFill>
-                <a:srgbClr val="98A3AD"/>
-              </a:solidFill>
-            </a:endParaRPr>
-          </a:p>
-        </p:txBody>
-      </p:sp>
       <p:sp>
         <p:nvSpPr>
           <p:cNvPr id="104" name="TextBox 103"/>
@@ -5658,7 +7929,7 @@
             <a:pPr algn="ctr"/>
             <a:r>
               <a:rPr lang="en-US" sz="3600" b="1" dirty="0" smtClean="0"/>
-              <a:t>Button Groups</a:t>
+              <a:t>Tables &amp; Cards</a:t>
             </a:r>
             <a:endParaRPr lang="en-US" sz="3600" b="1" dirty="0" smtClean="0"/>
           </a:p>
@@ -5679,7 +7950,7 @@
         <p:spPr>
           <a:xfrm>
             <a:off x="806012" y="1783860"/>
-            <a:ext cx="10579975" cy="2769989"/>
+            <a:ext cx="10579975" cy="2246769"/>
           </a:xfrm>
           <a:prstGeom prst="rect">
             <a:avLst/>
@@ -5697,90 +7968,105 @@
           </a:bodyPr>
           <a:lstStyle/>
           <a:p>
+            <a:pPr marL="285750" indent="-285750">
+              <a:buFont typeface="Arial" panose="020B0604020202020204" pitchFamily="34" charset="0"/>
+              <a:buChar char="•"/>
+            </a:pPr>
+            <a:r>
+              <a:rPr lang="en-US" dirty="0" smtClean="0"/>
+              <a:t>table</a:t>
+            </a:r>
+          </a:p>
+          <a:p>
+            <a:pPr marL="285750" indent="-285750">
+              <a:buFont typeface="Arial" panose="020B0604020202020204" pitchFamily="34" charset="0"/>
+              <a:buChar char="•"/>
+            </a:pPr>
+            <a:r>
+              <a:rPr lang="en-US" dirty="0" smtClean="0"/>
+              <a:t>table-striped</a:t>
+            </a:r>
+          </a:p>
+          <a:p>
+            <a:pPr marL="285750" indent="-285750">
+              <a:buFont typeface="Arial" panose="020B0604020202020204" pitchFamily="34" charset="0"/>
+              <a:buChar char="•"/>
+            </a:pPr>
+            <a:r>
+              <a:rPr lang="en-US" dirty="0" smtClean="0"/>
+              <a:t>table-bordered</a:t>
+            </a:r>
+          </a:p>
+          <a:p>
+            <a:pPr marL="285750" indent="-285750">
+              <a:buFont typeface="Arial" panose="020B0604020202020204" pitchFamily="34" charset="0"/>
+              <a:buChar char="•"/>
+            </a:pPr>
+            <a:r>
+              <a:rPr lang="en-US" dirty="0" smtClean="0"/>
+              <a:t>table-hover</a:t>
+            </a:r>
+          </a:p>
+          <a:p>
+            <a:pPr marL="285750" indent="-285750">
+              <a:buFont typeface="Arial" panose="020B0604020202020204" pitchFamily="34" charset="0"/>
+              <a:buChar char="•"/>
+            </a:pPr>
+            <a:endParaRPr lang="en-US" dirty="0"/>
+          </a:p>
+          <a:p>
+            <a:pPr marL="285750" indent="-285750">
+              <a:buFont typeface="Arial" panose="020B0604020202020204" pitchFamily="34" charset="0"/>
+              <a:buChar char="•"/>
+            </a:pPr>
+            <a:endParaRPr lang="en-US" dirty="0" smtClean="0"/>
+          </a:p>
+          <a:p>
+            <a:pPr marL="285750" indent="-285750">
+              <a:buFont typeface="Arial" panose="020B0604020202020204" pitchFamily="34" charset="0"/>
+              <a:buChar char="•"/>
+            </a:pPr>
+            <a:r>
+              <a:rPr lang="en-US" dirty="0" smtClean="0"/>
+              <a:t>Card &gt; card-header, card-body &gt; card-title, card-text, card-footer</a:t>
+            </a:r>
+          </a:p>
+          <a:p>
             <a:pPr marL="342900" indent="-342900">
               <a:buFont typeface="Arial" panose="020B0604020202020204" pitchFamily="34" charset="0"/>
               <a:buChar char="•"/>
             </a:pPr>
-            <a:r>
-              <a:rPr lang="en-US" altLang="en-US" sz="2000" b="1" dirty="0" smtClean="0"/>
-              <a:t>Button Dropdowns</a:t>
-            </a:r>
-          </a:p>
-          <a:p>
-            <a:pPr marL="342900" indent="-342900">
-              <a:buFont typeface="Arial" panose="020B0604020202020204" pitchFamily="34" charset="0"/>
-              <a:buChar char="•"/>
-            </a:pPr>
-            <a:endParaRPr lang="en-US" altLang="en-US" sz="2000" b="1" dirty="0" smtClean="0"/>
-          </a:p>
-          <a:p>
-            <a:pPr marL="342900" indent="-342900">
-              <a:buFont typeface="Arial" panose="020B0604020202020204" pitchFamily="34" charset="0"/>
-              <a:buChar char="•"/>
-            </a:pPr>
-            <a:r>
-              <a:rPr lang="en-US" altLang="en-US" sz="2000" b="1" dirty="0" smtClean="0"/>
-              <a:t>Button Groups</a:t>
-            </a:r>
-          </a:p>
-          <a:p>
-            <a:pPr marL="342900" indent="-342900">
-              <a:buFont typeface="Arial" panose="020B0604020202020204" pitchFamily="34" charset="0"/>
-              <a:buChar char="•"/>
-            </a:pPr>
-            <a:endParaRPr lang="en-US" altLang="en-US" sz="2000" b="1" dirty="0" smtClean="0"/>
-          </a:p>
-          <a:p>
-            <a:pPr marL="342900" indent="-342900">
-              <a:buFont typeface="Arial" panose="020B0604020202020204" pitchFamily="34" charset="0"/>
-              <a:buChar char="•"/>
-            </a:pPr>
-            <a:r>
-              <a:rPr lang="en-US" altLang="en-US" sz="2000" b="1" dirty="0" smtClean="0"/>
-              <a:t>Split Dropdowns</a:t>
-            </a:r>
-          </a:p>
-          <a:p>
-            <a:pPr marL="342900" indent="-342900">
-              <a:buFont typeface="Arial" panose="020B0604020202020204" pitchFamily="34" charset="0"/>
-              <a:buChar char="•"/>
-            </a:pPr>
-            <a:endParaRPr lang="en-US" altLang="en-US" sz="2000" b="1" dirty="0" smtClean="0"/>
-          </a:p>
-          <a:p>
-            <a:pPr marL="342900" indent="-342900">
-              <a:buFont typeface="Arial" panose="020B0604020202020204" pitchFamily="34" charset="0"/>
-              <a:buChar char="•"/>
-            </a:pPr>
-            <a:r>
-              <a:rPr lang="en-US" altLang="en-US" sz="2000" b="1" dirty="0" smtClean="0"/>
-              <a:t>Button Toolbar</a:t>
-            </a:r>
-          </a:p>
-          <a:p>
-            <a:pPr marL="342900" indent="-342900">
-              <a:buFont typeface="Arial" panose="020B0604020202020204" pitchFamily="34" charset="0"/>
-              <a:buChar char="•"/>
-            </a:pPr>
-            <a:endParaRPr lang="en-US" altLang="en-US" sz="2000" b="1" dirty="0" smtClean="0"/>
-          </a:p>
-          <a:p>
-            <a:pPr marL="342900" indent="-342900">
-              <a:buFont typeface="Arial" panose="020B0604020202020204" pitchFamily="34" charset="0"/>
-              <a:buChar char="•"/>
-            </a:pPr>
-            <a:r>
-              <a:rPr lang="en-US" altLang="en-US" sz="2000" b="1" dirty="0" smtClean="0"/>
-              <a:t>Button group vertical</a:t>
-            </a:r>
             <a:endParaRPr lang="en-US" altLang="en-US" sz="2000" dirty="0"/>
+          </a:p>
+        </p:txBody>
+      </p:sp>
+      <p:sp>
+        <p:nvSpPr>
+          <p:cNvPr id="5" name="Slide Number Placeholder 4"/>
+          <p:cNvSpPr>
+            <a:spLocks noGrp="1"/>
+          </p:cNvSpPr>
+          <p:nvPr>
+            <p:ph type="sldNum" sz="quarter" idx="12"/>
+          </p:nvPr>
+        </p:nvSpPr>
+        <p:spPr/>
+        <p:txBody>
+          <a:bodyPr/>
+          <a:lstStyle/>
+          <a:p>
+            <a:fld id="{A428E537-E56B-49CA-B596-52598082FBE8}" type="slidenum">
+              <a:rPr lang="en-US" smtClean="0"/>
+              <a:t>17</a:t>
+            </a:fld>
+            <a:endParaRPr lang="en-US" dirty="0"/>
           </a:p>
         </p:txBody>
       </p:sp>
     </p:spTree>
     <p:extLst>
       <p:ext uri="{BB962C8B-B14F-4D97-AF65-F5344CB8AC3E}">
-        <p14:creationId xmlns:p14="http://schemas.microsoft.com/office/powerpoint/2010/main" val="2428088825"/>
+        <p14:creationId xmlns:p14="http://schemas.microsoft.com/office/powerpoint/2010/main" val="570507964"/>
       </p:ext>
     </p:extLst>
   </p:cSld>
@@ -5797,7 +8083,7 @@
 </p:sld>
 </file>
 
-<file path=ppt/slides/slide12.xml><?xml version="1.0" encoding="utf-8"?>
+<file path=ppt/slides/slide18.xml><?xml version="1.0" encoding="utf-8"?>
 <p:sld xmlns:a="http://schemas.openxmlformats.org/drawingml/2006/main" xmlns:r="http://schemas.openxmlformats.org/officeDocument/2006/relationships" xmlns:p="http://schemas.openxmlformats.org/presentationml/2006/main">
   <p:cSld>
     <p:spTree>
@@ -5814,156 +8100,6 @@
           <a:chExt cx="0" cy="0"/>
         </a:xfrm>
       </p:grpSpPr>
-      <p:sp>
-        <p:nvSpPr>
-          <p:cNvPr id="103" name="Freeform 102">
-            <a:extLst>
-              <a:ext uri="{C183D7F6-B498-43B3-948B-1728B52AA6E4}">
-                <adec:decorative xmlns="" xmlns:adec="http://schemas.microsoft.com/office/drawing/2017/decorative" val="1"/>
-              </a:ext>
-            </a:extLst>
-          </p:cNvPr>
-          <p:cNvSpPr/>
-          <p:nvPr/>
-        </p:nvSpPr>
-        <p:spPr>
-          <a:xfrm rot="2700000">
-            <a:off x="11788943" y="6333474"/>
-            <a:ext cx="527486" cy="603188"/>
-          </a:xfrm>
-          <a:custGeom>
-            <a:avLst/>
-            <a:gdLst>
-              <a:gd name="connsiteX0" fmla="*/ 110516 w 889463"/>
-              <a:gd name="connsiteY0" fmla="*/ 95275 h 1017114"/>
-              <a:gd name="connsiteX1" fmla="*/ 230452 w 889463"/>
-              <a:gd name="connsiteY1" fmla="*/ 14411 h 1017114"/>
-              <a:gd name="connsiteX2" fmla="*/ 276877 w 889463"/>
-              <a:gd name="connsiteY2" fmla="*/ 0 h 1017114"/>
-              <a:gd name="connsiteX3" fmla="*/ 889463 w 889463"/>
-              <a:gd name="connsiteY3" fmla="*/ 612585 h 1017114"/>
-              <a:gd name="connsiteX4" fmla="*/ 484934 w 889463"/>
-              <a:gd name="connsiteY4" fmla="*/ 1017114 h 1017114"/>
-              <a:gd name="connsiteX5" fmla="*/ 377324 w 889463"/>
-              <a:gd name="connsiteY5" fmla="*/ 1017114 h 1017114"/>
-              <a:gd name="connsiteX6" fmla="*/ 0 w 889463"/>
-              <a:gd name="connsiteY6" fmla="*/ 639790 h 1017114"/>
-              <a:gd name="connsiteX7" fmla="*/ 0 w 889463"/>
-              <a:gd name="connsiteY7" fmla="*/ 362083 h 1017114"/>
-              <a:gd name="connsiteX8" fmla="*/ 110516 w 889463"/>
-              <a:gd name="connsiteY8" fmla="*/ 95275 h 1017114"/>
-            </a:gdLst>
-            <a:ahLst/>
-            <a:cxnLst>
-              <a:cxn ang="0">
-                <a:pos x="connsiteX0" y="connsiteY0"/>
-              </a:cxn>
-              <a:cxn ang="0">
-                <a:pos x="connsiteX1" y="connsiteY1"/>
-              </a:cxn>
-              <a:cxn ang="0">
-                <a:pos x="connsiteX2" y="connsiteY2"/>
-              </a:cxn>
-              <a:cxn ang="0">
-                <a:pos x="connsiteX3" y="connsiteY3"/>
-              </a:cxn>
-              <a:cxn ang="0">
-                <a:pos x="connsiteX4" y="connsiteY4"/>
-              </a:cxn>
-              <a:cxn ang="0">
-                <a:pos x="connsiteX5" y="connsiteY5"/>
-              </a:cxn>
-              <a:cxn ang="0">
-                <a:pos x="connsiteX6" y="connsiteY6"/>
-              </a:cxn>
-              <a:cxn ang="0">
-                <a:pos x="connsiteX7" y="connsiteY7"/>
-              </a:cxn>
-              <a:cxn ang="0">
-                <a:pos x="connsiteX8" y="connsiteY8"/>
-              </a:cxn>
-            </a:cxnLst>
-            <a:rect l="l" t="t" r="r" b="b"/>
-            <a:pathLst>
-              <a:path w="889463" h="1017114">
-                <a:moveTo>
-                  <a:pt x="110516" y="95275"/>
-                </a:moveTo>
-                <a:cubicBezTo>
-                  <a:pt x="144657" y="61133"/>
-                  <a:pt x="185310" y="33504"/>
-                  <a:pt x="230452" y="14411"/>
-                </a:cubicBezTo>
-                <a:lnTo>
-                  <a:pt x="276877" y="0"/>
-                </a:lnTo>
-                <a:lnTo>
-                  <a:pt x="889463" y="612585"/>
-                </a:lnTo>
-                <a:lnTo>
-                  <a:pt x="484934" y="1017114"/>
-                </a:lnTo>
-                <a:lnTo>
-                  <a:pt x="377324" y="1017114"/>
-                </a:lnTo>
-                <a:cubicBezTo>
-                  <a:pt x="168934" y="1017114"/>
-                  <a:pt x="0" y="848180"/>
-                  <a:pt x="0" y="639790"/>
-                </a:cubicBezTo>
-                <a:lnTo>
-                  <a:pt x="0" y="362083"/>
-                </a:lnTo>
-                <a:cubicBezTo>
-                  <a:pt x="0" y="257888"/>
-                  <a:pt x="42234" y="163556"/>
-                  <a:pt x="110516" y="95275"/>
-                </a:cubicBezTo>
-                <a:close/>
-              </a:path>
-            </a:pathLst>
-          </a:custGeom>
-          <a:solidFill>
-            <a:schemeClr val="tx1">
-              <a:lumMod val="50000"/>
-              <a:lumOff val="50000"/>
-            </a:schemeClr>
-          </a:solidFill>
-          <a:ln>
-            <a:noFill/>
-          </a:ln>
-        </p:spPr>
-        <p:style>
-          <a:lnRef idx="2">
-            <a:schemeClr val="accent1">
-              <a:shade val="50000"/>
-            </a:schemeClr>
-          </a:lnRef>
-          <a:fillRef idx="1">
-            <a:schemeClr val="accent1"/>
-          </a:fillRef>
-          <a:effectRef idx="0">
-            <a:schemeClr val="accent1"/>
-          </a:effectRef>
-          <a:fontRef idx="minor">
-            <a:schemeClr val="lt1"/>
-          </a:fontRef>
-        </p:style>
-        <p:txBody>
-          <a:bodyPr wrap="square" rtlCol="0" anchor="ctr">
-            <a:noAutofit/>
-          </a:bodyPr>
-          <a:lstStyle/>
-          <a:p>
-            <a:pPr algn="ctr"/>
-            <a:endParaRPr lang="en-US" dirty="0">
-              <a:solidFill>
-                <a:srgbClr val="98A3AD"/>
-              </a:solidFill>
-            </a:endParaRPr>
-          </a:p>
-        </p:txBody>
-      </p:sp>
       <p:sp>
         <p:nvSpPr>
           <p:cNvPr id="104" name="TextBox 103"/>
@@ -6184,8 +8320,8 @@
           <a:p>
             <a:pPr algn="ctr"/>
             <a:r>
-              <a:rPr lang="en-US" sz="3600" b="1" dirty="0" err="1" smtClean="0"/>
-              <a:t>Navbar</a:t>
+              <a:rPr lang="en-US" sz="3600" b="1" dirty="0" smtClean="0"/>
+              <a:t>Grids and Flexbox</a:t>
             </a:r>
             <a:endParaRPr lang="en-US" sz="3600" b="1" dirty="0" smtClean="0"/>
           </a:p>
@@ -6205,8 +8341,8 @@
         </p:nvSpPr>
         <p:spPr>
           <a:xfrm>
-            <a:off x="806012" y="1783860"/>
-            <a:ext cx="10579975" cy="2123658"/>
+            <a:off x="806012" y="1676136"/>
+            <a:ext cx="10579975" cy="4431983"/>
           </a:xfrm>
           <a:prstGeom prst="rect">
             <a:avLst/>
@@ -6225,101 +8361,339 @@
           <a:lstStyle/>
           <a:p>
             <a:r>
-              <a:rPr lang="en-US" altLang="en-US" sz="2000" dirty="0" err="1" smtClean="0"/>
-              <a:t>n</a:t>
-            </a:r>
-            <a:r>
-              <a:rPr lang="en-US" altLang="en-US" sz="2000" dirty="0" err="1" smtClean="0"/>
-              <a:t>avbar</a:t>
-            </a:r>
-            <a:r>
-              <a:rPr lang="en-US" altLang="en-US" sz="2000" dirty="0" smtClean="0"/>
-              <a:t> </a:t>
-            </a:r>
-            <a:r>
-              <a:rPr lang="en-US" altLang="en-US" sz="2000" b="1" dirty="0" err="1" smtClean="0"/>
-              <a:t>navbar</a:t>
-            </a:r>
-            <a:r>
-              <a:rPr lang="en-US" altLang="en-US" sz="2000" b="1" dirty="0" smtClean="0"/>
-              <a:t>-expand-</a:t>
-            </a:r>
-            <a:r>
-              <a:rPr lang="en-US" altLang="en-US" sz="2000" b="1" dirty="0" err="1" smtClean="0"/>
-              <a:t>sm</a:t>
-            </a:r>
-            <a:r>
-              <a:rPr lang="en-US" altLang="en-US" sz="2000" dirty="0" smtClean="0"/>
-              <a:t> &gt; </a:t>
-            </a:r>
-            <a:r>
-              <a:rPr lang="en-US" altLang="en-US" sz="2000" dirty="0" err="1" smtClean="0"/>
-              <a:t>navbar</a:t>
-            </a:r>
-            <a:r>
-              <a:rPr lang="en-US" altLang="en-US" sz="2000" dirty="0" smtClean="0"/>
-              <a:t>-brand &gt; </a:t>
-            </a:r>
-            <a:r>
-              <a:rPr lang="en-US" altLang="en-US" sz="2000" dirty="0" err="1" smtClean="0"/>
-              <a:t>navbar-nav</a:t>
-            </a:r>
-            <a:r>
-              <a:rPr lang="en-US" altLang="en-US" sz="2000" dirty="0" smtClean="0"/>
-              <a:t> &gt; </a:t>
-            </a:r>
-            <a:r>
-              <a:rPr lang="en-US" altLang="en-US" sz="2000" dirty="0" err="1" smtClean="0"/>
-              <a:t>navbar</a:t>
-            </a:r>
-            <a:r>
-              <a:rPr lang="en-US" altLang="en-US" sz="2000" dirty="0" smtClean="0"/>
-              <a:t>-item &gt;</a:t>
-            </a:r>
-            <a:r>
-              <a:rPr lang="en-US" altLang="en-US" sz="2000" dirty="0" err="1" smtClean="0"/>
-              <a:t>navbar</a:t>
-            </a:r>
-            <a:r>
-              <a:rPr lang="en-US" altLang="en-US" sz="2000" dirty="0" smtClean="0"/>
-              <a:t>-link</a:t>
-            </a:r>
-          </a:p>
-          <a:p>
-            <a:endParaRPr lang="en-US" altLang="en-US" sz="2000" dirty="0" smtClean="0"/>
-          </a:p>
-          <a:p>
-            <a:r>
-              <a:rPr lang="en-US" altLang="en-US" sz="2000" b="1" dirty="0" smtClean="0"/>
-              <a:t>dropdown-toggle</a:t>
-            </a:r>
-          </a:p>
-          <a:p>
-            <a:endParaRPr lang="en-US" altLang="en-US" sz="2000" b="1" dirty="0"/>
-          </a:p>
-          <a:p>
-            <a:r>
-              <a:rPr lang="en-US" dirty="0" err="1"/>
-              <a:t>nav</a:t>
-            </a:r>
+              <a:rPr lang="en-US" b="1" dirty="0" smtClean="0"/>
+              <a:t>Flexbox</a:t>
+            </a:r>
+          </a:p>
+          <a:p>
+            <a:pPr marL="285750" indent="-285750">
+              <a:buFont typeface="Arial" panose="020B0604020202020204" pitchFamily="34" charset="0"/>
+              <a:buChar char="•"/>
+            </a:pPr>
+            <a:r>
+              <a:rPr lang="en-US" dirty="0" smtClean="0"/>
+              <a:t>d-flex</a:t>
+            </a:r>
+          </a:p>
+          <a:p>
+            <a:pPr marL="285750" indent="-285750">
+              <a:buFont typeface="Arial" panose="020B0604020202020204" pitchFamily="34" charset="0"/>
+              <a:buChar char="•"/>
+            </a:pPr>
+            <a:r>
+              <a:rPr lang="en-US" dirty="0" smtClean="0"/>
+              <a:t>flex-row</a:t>
+            </a:r>
+          </a:p>
+          <a:p>
+            <a:pPr marL="285750" indent="-285750">
+              <a:buFont typeface="Arial" panose="020B0604020202020204" pitchFamily="34" charset="0"/>
+              <a:buChar char="•"/>
+            </a:pPr>
+            <a:r>
+              <a:rPr lang="en-US" dirty="0" smtClean="0"/>
+              <a:t>flex-row-reverse</a:t>
+            </a:r>
+          </a:p>
+          <a:p>
+            <a:pPr marL="285750" indent="-285750">
+              <a:buFont typeface="Arial" panose="020B0604020202020204" pitchFamily="34" charset="0"/>
+              <a:buChar char="•"/>
+            </a:pPr>
             <a:r>
               <a:rPr lang="en-US" dirty="0"/>
-              <a:t>-pills</a:t>
-            </a:r>
-            <a:endParaRPr lang="en-US" altLang="en-US" sz="2000" b="1" dirty="0" smtClean="0"/>
-          </a:p>
-          <a:p>
-            <a:endParaRPr lang="en-US" altLang="en-US" sz="2000" dirty="0" smtClean="0"/>
-          </a:p>
-          <a:p>
+              <a:t>f</a:t>
+            </a:r>
+            <a:r>
+              <a:rPr lang="en-US" dirty="0" smtClean="0"/>
+              <a:t>lex-column</a:t>
+            </a:r>
+          </a:p>
+          <a:p>
+            <a:pPr marL="285750" indent="-285750">
+              <a:buFont typeface="Arial" panose="020B0604020202020204" pitchFamily="34" charset="0"/>
+              <a:buChar char="•"/>
+            </a:pPr>
+            <a:r>
+              <a:rPr lang="en-US" dirty="0" smtClean="0"/>
+              <a:t>flex-column-reverse</a:t>
+            </a:r>
+          </a:p>
+          <a:p>
+            <a:pPr marL="285750" indent="-285750">
+              <a:buFont typeface="Arial" panose="020B0604020202020204" pitchFamily="34" charset="0"/>
+              <a:buChar char="•"/>
+            </a:pPr>
+            <a:r>
+              <a:rPr lang="en-US" dirty="0" smtClean="0"/>
+              <a:t>flex-wrap</a:t>
+            </a:r>
+          </a:p>
+          <a:p>
+            <a:pPr marL="285750" indent="-285750">
+              <a:buFont typeface="Arial" panose="020B0604020202020204" pitchFamily="34" charset="0"/>
+              <a:buChar char="•"/>
+            </a:pPr>
+            <a:r>
+              <a:rPr lang="en-US" dirty="0" smtClean="0"/>
+              <a:t>flex-</a:t>
+            </a:r>
+            <a:r>
+              <a:rPr lang="en-US" dirty="0" err="1" smtClean="0"/>
+              <a:t>nowrap</a:t>
+            </a:r>
+            <a:endParaRPr lang="en-US" dirty="0" smtClean="0"/>
+          </a:p>
+          <a:p>
+            <a:pPr marL="285750" indent="-285750">
+              <a:buFont typeface="Arial" panose="020B0604020202020204" pitchFamily="34" charset="0"/>
+              <a:buChar char="•"/>
+            </a:pPr>
+            <a:endParaRPr lang="en-US" dirty="0" smtClean="0"/>
+          </a:p>
+          <a:p>
+            <a:r>
+              <a:rPr lang="en-US" b="1" dirty="0" smtClean="0"/>
+              <a:t>Grids</a:t>
+            </a:r>
+            <a:endParaRPr lang="en-US" b="1" dirty="0"/>
+          </a:p>
+          <a:p>
+            <a:pPr marL="285750" indent="-285750">
+              <a:buFont typeface="Arial" panose="020B0604020202020204" pitchFamily="34" charset="0"/>
+              <a:buChar char="•"/>
+            </a:pPr>
+            <a:r>
+              <a:rPr lang="en-US" dirty="0" smtClean="0"/>
+              <a:t>row</a:t>
+            </a:r>
+          </a:p>
+          <a:p>
+            <a:pPr marL="285750" indent="-285750">
+              <a:buFont typeface="Arial" panose="020B0604020202020204" pitchFamily="34" charset="0"/>
+              <a:buChar char="•"/>
+            </a:pPr>
+            <a:r>
+              <a:rPr lang="en-US" dirty="0" smtClean="0"/>
+              <a:t>col-x (x ranges from 0 to 12)</a:t>
+            </a:r>
+          </a:p>
+          <a:p>
+            <a:pPr marL="285750" indent="-285750">
+              <a:buFont typeface="Arial" panose="020B0604020202020204" pitchFamily="34" charset="0"/>
+              <a:buChar char="•"/>
+            </a:pPr>
+            <a:endParaRPr lang="en-US" dirty="0" smtClean="0"/>
+          </a:p>
+          <a:p>
+            <a:pPr marL="285750" indent="-285750">
+              <a:buFont typeface="Arial" panose="020B0604020202020204" pitchFamily="34" charset="0"/>
+              <a:buChar char="•"/>
+            </a:pPr>
+            <a:r>
+              <a:rPr lang="en-US" dirty="0" smtClean="0"/>
+              <a:t>Every 12 will occupy a row</a:t>
+            </a:r>
+          </a:p>
+          <a:p>
+            <a:pPr marL="285750" indent="-285750">
+              <a:buFont typeface="Arial" panose="020B0604020202020204" pitchFamily="34" charset="0"/>
+              <a:buChar char="•"/>
+            </a:pPr>
+            <a:r>
+              <a:rPr lang="en-US" dirty="0" err="1" smtClean="0"/>
+              <a:t>Eg</a:t>
+            </a:r>
+            <a:r>
+              <a:rPr lang="en-US" dirty="0" smtClean="0"/>
+              <a:t>: col-4, col-4,col4</a:t>
+            </a:r>
+          </a:p>
+          <a:p>
+            <a:r>
+              <a:rPr lang="en-US" dirty="0"/>
+              <a:t>	</a:t>
+            </a:r>
+            <a:r>
+              <a:rPr lang="en-US" dirty="0" smtClean="0"/>
+              <a:t>three columns will occupy a single row</a:t>
+            </a:r>
             <a:endParaRPr lang="en-US" altLang="en-US" sz="2000" dirty="0"/>
+          </a:p>
+        </p:txBody>
+      </p:sp>
+      <p:sp>
+        <p:nvSpPr>
+          <p:cNvPr id="4" name="Slide Number Placeholder 3"/>
+          <p:cNvSpPr>
+            <a:spLocks noGrp="1"/>
+          </p:cNvSpPr>
+          <p:nvPr>
+            <p:ph type="sldNum" sz="quarter" idx="12"/>
+          </p:nvPr>
+        </p:nvSpPr>
+        <p:spPr/>
+        <p:txBody>
+          <a:bodyPr/>
+          <a:lstStyle/>
+          <a:p>
+            <a:fld id="{A428E537-E56B-49CA-B596-52598082FBE8}" type="slidenum">
+              <a:rPr lang="en-US" smtClean="0"/>
+              <a:t>18</a:t>
+            </a:fld>
+            <a:endParaRPr lang="en-US" dirty="0"/>
+          </a:p>
+        </p:txBody>
+      </p:sp>
+      <p:sp>
+        <p:nvSpPr>
+          <p:cNvPr id="6" name="TextBox 5"/>
+          <p:cNvSpPr txBox="1"/>
+          <p:nvPr/>
+        </p:nvSpPr>
+        <p:spPr>
+          <a:xfrm>
+            <a:off x="7428412" y="2045469"/>
+            <a:ext cx="4171405" cy="3693319"/>
+          </a:xfrm>
+          <a:prstGeom prst="rect">
+            <a:avLst/>
+          </a:prstGeom>
+          <a:noFill/>
+        </p:spPr>
+        <p:txBody>
+          <a:bodyPr wrap="square" rtlCol="0">
+            <a:spAutoFit/>
+          </a:bodyPr>
+          <a:lstStyle/>
+          <a:p>
+            <a:r>
+              <a:rPr lang="en-US" b="1" dirty="0" smtClean="0"/>
+              <a:t>Vertical</a:t>
+            </a:r>
+          </a:p>
+          <a:p>
+            <a:pPr marL="285750" indent="-285750">
+              <a:buFont typeface="Arial" panose="020B0604020202020204" pitchFamily="34" charset="0"/>
+              <a:buChar char="•"/>
+            </a:pPr>
+            <a:r>
+              <a:rPr lang="en-US" dirty="0" smtClean="0"/>
+              <a:t>justify-content-start</a:t>
+            </a:r>
+            <a:endParaRPr lang="en-US" dirty="0"/>
+          </a:p>
+          <a:p>
+            <a:pPr marL="285750" indent="-285750">
+              <a:buFont typeface="Arial" panose="020B0604020202020204" pitchFamily="34" charset="0"/>
+              <a:buChar char="•"/>
+            </a:pPr>
+            <a:r>
+              <a:rPr lang="en-US" dirty="0"/>
+              <a:t>justify-content-center</a:t>
+            </a:r>
+          </a:p>
+          <a:p>
+            <a:pPr marL="285750" indent="-285750">
+              <a:buFont typeface="Arial" panose="020B0604020202020204" pitchFamily="34" charset="0"/>
+              <a:buChar char="•"/>
+            </a:pPr>
+            <a:r>
+              <a:rPr lang="en-US" dirty="0"/>
+              <a:t>justify-content-end</a:t>
+            </a:r>
+          </a:p>
+          <a:p>
+            <a:pPr marL="285750" indent="-285750">
+              <a:buFont typeface="Arial" panose="020B0604020202020204" pitchFamily="34" charset="0"/>
+              <a:buChar char="•"/>
+            </a:pPr>
+            <a:r>
+              <a:rPr lang="en-US" dirty="0"/>
+              <a:t>justify-content-between</a:t>
+            </a:r>
+          </a:p>
+          <a:p>
+            <a:pPr marL="285750" indent="-285750">
+              <a:buFont typeface="Arial" panose="020B0604020202020204" pitchFamily="34" charset="0"/>
+              <a:buChar char="•"/>
+            </a:pPr>
+            <a:r>
+              <a:rPr lang="en-US" dirty="0"/>
+              <a:t>justify-content-around</a:t>
+            </a:r>
+          </a:p>
+          <a:p>
+            <a:pPr marL="285750" indent="-285750">
+              <a:buFont typeface="Arial" panose="020B0604020202020204" pitchFamily="34" charset="0"/>
+              <a:buChar char="•"/>
+            </a:pPr>
+            <a:endParaRPr lang="en-US" dirty="0" smtClean="0"/>
+          </a:p>
+          <a:p>
+            <a:r>
+              <a:rPr lang="en-US" b="1" dirty="0" smtClean="0"/>
+              <a:t>Horizontal</a:t>
+            </a:r>
+            <a:endParaRPr lang="en-US" b="1" dirty="0"/>
+          </a:p>
+          <a:p>
+            <a:pPr marL="285750" indent="-285750">
+              <a:buFont typeface="Arial" panose="020B0604020202020204" pitchFamily="34" charset="0"/>
+              <a:buChar char="•"/>
+            </a:pPr>
+            <a:r>
+              <a:rPr lang="en-US" dirty="0"/>
+              <a:t>align-items-start</a:t>
+            </a:r>
+          </a:p>
+          <a:p>
+            <a:pPr marL="285750" indent="-285750">
+              <a:buFont typeface="Arial" panose="020B0604020202020204" pitchFamily="34" charset="0"/>
+              <a:buChar char="•"/>
+            </a:pPr>
+            <a:r>
+              <a:rPr lang="en-US" dirty="0"/>
+              <a:t>align-items-end</a:t>
+            </a:r>
+          </a:p>
+          <a:p>
+            <a:pPr marL="285750" indent="-285750">
+              <a:buFont typeface="Arial" panose="020B0604020202020204" pitchFamily="34" charset="0"/>
+              <a:buChar char="•"/>
+            </a:pPr>
+            <a:r>
+              <a:rPr lang="en-US" dirty="0"/>
+              <a:t>align-items-center</a:t>
+            </a:r>
+          </a:p>
+          <a:p>
+            <a:pPr marL="285750" indent="-285750">
+              <a:buFont typeface="Arial" panose="020B0604020202020204" pitchFamily="34" charset="0"/>
+              <a:buChar char="•"/>
+            </a:pPr>
+            <a:r>
+              <a:rPr lang="en-US" dirty="0"/>
+              <a:t>align-items-baseline</a:t>
+            </a:r>
+          </a:p>
+          <a:p>
+            <a:pPr marL="285750" indent="-285750">
+              <a:buFont typeface="Arial" panose="020B0604020202020204" pitchFamily="34" charset="0"/>
+              <a:buChar char="•"/>
+            </a:pPr>
+            <a:r>
+              <a:rPr lang="en-US" dirty="0" smtClean="0"/>
+              <a:t>align-items-stretch</a:t>
+            </a:r>
+            <a:endParaRPr lang="en-US" dirty="0"/>
           </a:p>
         </p:txBody>
       </p:sp>
     </p:spTree>
     <p:extLst>
       <p:ext uri="{BB962C8B-B14F-4D97-AF65-F5344CB8AC3E}">
-        <p14:creationId xmlns:p14="http://schemas.microsoft.com/office/powerpoint/2010/main" val="2693646818"/>
+        <p14:creationId xmlns:p14="http://schemas.microsoft.com/office/powerpoint/2010/main" val="3911897109"/>
       </p:ext>
     </p:extLst>
   </p:cSld>
@@ -6336,2697 +8710,7 @@
 </p:sld>
 </file>
 
-<file path=ppt/slides/slide13.xml><?xml version="1.0" encoding="utf-8"?>
-<p:sld xmlns:a="http://schemas.openxmlformats.org/drawingml/2006/main" xmlns:r="http://schemas.openxmlformats.org/officeDocument/2006/relationships" xmlns:p="http://schemas.openxmlformats.org/presentationml/2006/main">
-  <p:cSld>
-    <p:spTree>
-      <p:nvGrpSpPr>
-        <p:cNvPr id="1" name=""/>
-        <p:cNvGrpSpPr/>
-        <p:nvPr/>
-      </p:nvGrpSpPr>
-      <p:grpSpPr>
-        <a:xfrm>
-          <a:off x="0" y="0"/>
-          <a:ext cx="0" cy="0"/>
-          <a:chOff x="0" y="0"/>
-          <a:chExt cx="0" cy="0"/>
-        </a:xfrm>
-      </p:grpSpPr>
-      <p:sp>
-        <p:nvSpPr>
-          <p:cNvPr id="103" name="Freeform 102">
-            <a:extLst>
-              <a:ext uri="{C183D7F6-B498-43B3-948B-1728B52AA6E4}">
-                <adec:decorative xmlns="" xmlns:adec="http://schemas.microsoft.com/office/drawing/2017/decorative" val="1"/>
-              </a:ext>
-            </a:extLst>
-          </p:cNvPr>
-          <p:cNvSpPr/>
-          <p:nvPr/>
-        </p:nvSpPr>
-        <p:spPr>
-          <a:xfrm rot="2700000">
-            <a:off x="11788943" y="6333474"/>
-            <a:ext cx="527486" cy="603188"/>
-          </a:xfrm>
-          <a:custGeom>
-            <a:avLst/>
-            <a:gdLst>
-              <a:gd name="connsiteX0" fmla="*/ 110516 w 889463"/>
-              <a:gd name="connsiteY0" fmla="*/ 95275 h 1017114"/>
-              <a:gd name="connsiteX1" fmla="*/ 230452 w 889463"/>
-              <a:gd name="connsiteY1" fmla="*/ 14411 h 1017114"/>
-              <a:gd name="connsiteX2" fmla="*/ 276877 w 889463"/>
-              <a:gd name="connsiteY2" fmla="*/ 0 h 1017114"/>
-              <a:gd name="connsiteX3" fmla="*/ 889463 w 889463"/>
-              <a:gd name="connsiteY3" fmla="*/ 612585 h 1017114"/>
-              <a:gd name="connsiteX4" fmla="*/ 484934 w 889463"/>
-              <a:gd name="connsiteY4" fmla="*/ 1017114 h 1017114"/>
-              <a:gd name="connsiteX5" fmla="*/ 377324 w 889463"/>
-              <a:gd name="connsiteY5" fmla="*/ 1017114 h 1017114"/>
-              <a:gd name="connsiteX6" fmla="*/ 0 w 889463"/>
-              <a:gd name="connsiteY6" fmla="*/ 639790 h 1017114"/>
-              <a:gd name="connsiteX7" fmla="*/ 0 w 889463"/>
-              <a:gd name="connsiteY7" fmla="*/ 362083 h 1017114"/>
-              <a:gd name="connsiteX8" fmla="*/ 110516 w 889463"/>
-              <a:gd name="connsiteY8" fmla="*/ 95275 h 1017114"/>
-            </a:gdLst>
-            <a:ahLst/>
-            <a:cxnLst>
-              <a:cxn ang="0">
-                <a:pos x="connsiteX0" y="connsiteY0"/>
-              </a:cxn>
-              <a:cxn ang="0">
-                <a:pos x="connsiteX1" y="connsiteY1"/>
-              </a:cxn>
-              <a:cxn ang="0">
-                <a:pos x="connsiteX2" y="connsiteY2"/>
-              </a:cxn>
-              <a:cxn ang="0">
-                <a:pos x="connsiteX3" y="connsiteY3"/>
-              </a:cxn>
-              <a:cxn ang="0">
-                <a:pos x="connsiteX4" y="connsiteY4"/>
-              </a:cxn>
-              <a:cxn ang="0">
-                <a:pos x="connsiteX5" y="connsiteY5"/>
-              </a:cxn>
-              <a:cxn ang="0">
-                <a:pos x="connsiteX6" y="connsiteY6"/>
-              </a:cxn>
-              <a:cxn ang="0">
-                <a:pos x="connsiteX7" y="connsiteY7"/>
-              </a:cxn>
-              <a:cxn ang="0">
-                <a:pos x="connsiteX8" y="connsiteY8"/>
-              </a:cxn>
-            </a:cxnLst>
-            <a:rect l="l" t="t" r="r" b="b"/>
-            <a:pathLst>
-              <a:path w="889463" h="1017114">
-                <a:moveTo>
-                  <a:pt x="110516" y="95275"/>
-                </a:moveTo>
-                <a:cubicBezTo>
-                  <a:pt x="144657" y="61133"/>
-                  <a:pt x="185310" y="33504"/>
-                  <a:pt x="230452" y="14411"/>
-                </a:cubicBezTo>
-                <a:lnTo>
-                  <a:pt x="276877" y="0"/>
-                </a:lnTo>
-                <a:lnTo>
-                  <a:pt x="889463" y="612585"/>
-                </a:lnTo>
-                <a:lnTo>
-                  <a:pt x="484934" y="1017114"/>
-                </a:lnTo>
-                <a:lnTo>
-                  <a:pt x="377324" y="1017114"/>
-                </a:lnTo>
-                <a:cubicBezTo>
-                  <a:pt x="168934" y="1017114"/>
-                  <a:pt x="0" y="848180"/>
-                  <a:pt x="0" y="639790"/>
-                </a:cubicBezTo>
-                <a:lnTo>
-                  <a:pt x="0" y="362083"/>
-                </a:lnTo>
-                <a:cubicBezTo>
-                  <a:pt x="0" y="257888"/>
-                  <a:pt x="42234" y="163556"/>
-                  <a:pt x="110516" y="95275"/>
-                </a:cubicBezTo>
-                <a:close/>
-              </a:path>
-            </a:pathLst>
-          </a:custGeom>
-          <a:solidFill>
-            <a:schemeClr val="tx1">
-              <a:lumMod val="50000"/>
-              <a:lumOff val="50000"/>
-            </a:schemeClr>
-          </a:solidFill>
-          <a:ln>
-            <a:noFill/>
-          </a:ln>
-        </p:spPr>
-        <p:style>
-          <a:lnRef idx="2">
-            <a:schemeClr val="accent1">
-              <a:shade val="50000"/>
-            </a:schemeClr>
-          </a:lnRef>
-          <a:fillRef idx="1">
-            <a:schemeClr val="accent1"/>
-          </a:fillRef>
-          <a:effectRef idx="0">
-            <a:schemeClr val="accent1"/>
-          </a:effectRef>
-          <a:fontRef idx="minor">
-            <a:schemeClr val="lt1"/>
-          </a:fontRef>
-        </p:style>
-        <p:txBody>
-          <a:bodyPr wrap="square" rtlCol="0" anchor="ctr">
-            <a:noAutofit/>
-          </a:bodyPr>
-          <a:lstStyle/>
-          <a:p>
-            <a:pPr algn="ctr"/>
-            <a:endParaRPr lang="en-US" dirty="0">
-              <a:solidFill>
-                <a:srgbClr val="98A3AD"/>
-              </a:solidFill>
-            </a:endParaRPr>
-          </a:p>
-        </p:txBody>
-      </p:sp>
-      <p:sp>
-        <p:nvSpPr>
-          <p:cNvPr id="104" name="TextBox 103"/>
-          <p:cNvSpPr txBox="1"/>
-          <p:nvPr/>
-        </p:nvSpPr>
-        <p:spPr>
-          <a:xfrm>
-            <a:off x="11907454" y="6481180"/>
-            <a:ext cx="341760" cy="307777"/>
-          </a:xfrm>
-          <a:prstGeom prst="rect">
-            <a:avLst/>
-          </a:prstGeom>
-          <a:noFill/>
-        </p:spPr>
-        <p:txBody>
-          <a:bodyPr wrap="none" rtlCol="0">
-            <a:spAutoFit/>
-          </a:bodyPr>
-          <a:lstStyle/>
-          <a:p>
-            <a:r>
-              <a:rPr lang="en-US" sz="1400" b="1" dirty="0" smtClean="0">
-                <a:solidFill>
-                  <a:schemeClr val="bg1"/>
-                </a:solidFill>
-              </a:rPr>
-              <a:t>10</a:t>
-            </a:r>
-            <a:endParaRPr lang="en-US" sz="1400" b="1" dirty="0">
-              <a:solidFill>
-                <a:schemeClr val="bg1"/>
-              </a:solidFill>
-            </a:endParaRPr>
-          </a:p>
-        </p:txBody>
-      </p:sp>
-      <p:pic>
-        <p:nvPicPr>
-          <p:cNvPr id="49" name="Picture 48" descr="This is a logo that reads &quot;24Slides.&quot;">
-            <a:hlinkClick r:id="rId2"/>
-            <a:extLst>
-              <a:ext uri="{FF2B5EF4-FFF2-40B4-BE49-F238E27FC236}">
-                <a16:creationId xmlns:a16="http://schemas.microsoft.com/office/drawing/2014/main" id="{4252D655-5F2C-F447-B537-8C72930D0F51}"/>
-              </a:ext>
-            </a:extLst>
-          </p:cNvPr>
-          <p:cNvPicPr>
-            <a:picLocks noChangeAspect="1"/>
-          </p:cNvPicPr>
-          <p:nvPr/>
-        </p:nvPicPr>
-        <p:blipFill>
-          <a:blip r:embed="rId3"/>
-          <a:stretch>
-            <a:fillRect/>
-          </a:stretch>
-        </p:blipFill>
-        <p:spPr>
-          <a:xfrm>
-            <a:off x="463550" y="6209088"/>
-            <a:ext cx="1028700" cy="293902"/>
-          </a:xfrm>
-          <a:prstGeom prst="rect">
-            <a:avLst/>
-          </a:prstGeom>
-          <a:effectLst/>
-        </p:spPr>
-      </p:pic>
-      <p:sp>
-        <p:nvSpPr>
-          <p:cNvPr id="2" name="Title 1" hidden="1">
-            <a:extLst>
-              <a:ext uri="{FF2B5EF4-FFF2-40B4-BE49-F238E27FC236}">
-                <a16:creationId xmlns:a16="http://schemas.microsoft.com/office/drawing/2014/main" id="{9197F7D1-3F80-4C57-BE5E-6B2971CB1586}"/>
-              </a:ext>
-            </a:extLst>
-          </p:cNvPr>
-          <p:cNvSpPr>
-            <a:spLocks noGrp="1"/>
-          </p:cNvSpPr>
-          <p:nvPr>
-            <p:ph type="title"/>
-          </p:nvPr>
-        </p:nvSpPr>
-        <p:spPr/>
-        <p:txBody>
-          <a:bodyPr/>
-          <a:lstStyle/>
-          <a:p>
-            <a:r>
-              <a:rPr lang="en-US" dirty="0"/>
-              <a:t>Slide 12</a:t>
-            </a:r>
-          </a:p>
-        </p:txBody>
-      </p:sp>
-      <p:grpSp>
-        <p:nvGrpSpPr>
-          <p:cNvPr id="11" name="Group 10"/>
-          <p:cNvGrpSpPr/>
-          <p:nvPr/>
-        </p:nvGrpSpPr>
-        <p:grpSpPr>
-          <a:xfrm>
-            <a:off x="0" y="6026426"/>
-            <a:ext cx="3393881" cy="1008396"/>
-            <a:chOff x="9172284" y="5422460"/>
-            <a:chExt cx="3393881" cy="1008396"/>
-          </a:xfrm>
-        </p:grpSpPr>
-        <p:pic>
-          <p:nvPicPr>
-            <p:cNvPr id="12" name="Picture 11"/>
-            <p:cNvPicPr>
-              <a:picLocks noChangeAspect="1"/>
-            </p:cNvPicPr>
-            <p:nvPr/>
-          </p:nvPicPr>
-          <p:blipFill>
-            <a:blip r:embed="rId4" cstate="print">
-              <a:extLst>
-                <a:ext uri="{28A0092B-C50C-407E-A947-70E740481C1C}">
-                  <a14:useLocalDpi xmlns:a14="http://schemas.microsoft.com/office/drawing/2010/main" val="0"/>
-                </a:ext>
-              </a:extLst>
-            </a:blip>
-            <a:stretch>
-              <a:fillRect/>
-            </a:stretch>
-          </p:blipFill>
-          <p:spPr>
-            <a:xfrm>
-              <a:off x="9172284" y="5422460"/>
-              <a:ext cx="738894" cy="738894"/>
-            </a:xfrm>
-            <a:prstGeom prst="rect">
-              <a:avLst/>
-            </a:prstGeom>
-          </p:spPr>
-        </p:pic>
-        <p:sp>
-          <p:nvSpPr>
-            <p:cNvPr id="13" name="TextBox 12"/>
-            <p:cNvSpPr txBox="1"/>
-            <p:nvPr/>
-          </p:nvSpPr>
-          <p:spPr>
-            <a:xfrm>
-              <a:off x="9727715" y="5599859"/>
-              <a:ext cx="2838450" cy="830997"/>
-            </a:xfrm>
-            <a:prstGeom prst="rect">
-              <a:avLst/>
-            </a:prstGeom>
-            <a:noFill/>
-          </p:spPr>
-          <p:txBody>
-            <a:bodyPr wrap="square" rtlCol="0">
-              <a:spAutoFit/>
-            </a:bodyPr>
-            <a:lstStyle/>
-            <a:p>
-              <a:r>
-                <a:rPr lang="en-US" sz="4800" b="1" dirty="0" smtClean="0">
-                  <a:solidFill>
-                    <a:srgbClr val="005588"/>
-                  </a:solidFill>
-                  <a:latin typeface="Javanese Text" panose="02000000000000000000" pitchFamily="2" charset="0"/>
-                </a:rPr>
-                <a:t>Train</a:t>
-              </a:r>
-              <a:endParaRPr lang="en-US" sz="4800" b="1" dirty="0">
-                <a:solidFill>
-                  <a:srgbClr val="005588"/>
-                </a:solidFill>
-                <a:latin typeface="Javanese Text" panose="02000000000000000000" pitchFamily="2" charset="0"/>
-              </a:endParaRPr>
-            </a:p>
-          </p:txBody>
-        </p:sp>
-      </p:grpSp>
-      <p:sp>
-        <p:nvSpPr>
-          <p:cNvPr id="3" name="Rounded Rectangle 2"/>
-          <p:cNvSpPr/>
-          <p:nvPr/>
-        </p:nvSpPr>
-        <p:spPr>
-          <a:xfrm>
-            <a:off x="0" y="1"/>
-            <a:ext cx="12192000" cy="1333500"/>
-          </a:xfrm>
-          <a:prstGeom prst="roundRect">
-            <a:avLst/>
-          </a:prstGeom>
-        </p:spPr>
-        <p:style>
-          <a:lnRef idx="2">
-            <a:schemeClr val="accent1">
-              <a:shade val="50000"/>
-            </a:schemeClr>
-          </a:lnRef>
-          <a:fillRef idx="1">
-            <a:schemeClr val="accent1"/>
-          </a:fillRef>
-          <a:effectRef idx="0">
-            <a:schemeClr val="accent1"/>
-          </a:effectRef>
-          <a:fontRef idx="minor">
-            <a:schemeClr val="lt1"/>
-          </a:fontRef>
-        </p:style>
-        <p:txBody>
-          <a:bodyPr rtlCol="0" anchor="ctr"/>
-          <a:lstStyle/>
-          <a:p>
-            <a:pPr algn="ctr"/>
-            <a:r>
-              <a:rPr lang="en-US" sz="3600" b="1" dirty="0" smtClean="0"/>
-              <a:t>List Groups</a:t>
-            </a:r>
-            <a:endParaRPr lang="en-US" sz="3600" b="1" dirty="0" smtClean="0"/>
-          </a:p>
-        </p:txBody>
-      </p:sp>
-      <p:sp>
-        <p:nvSpPr>
-          <p:cNvPr id="20" name="TextBox 19">
-            <a:extLst>
-              <a:ext uri="{FF2B5EF4-FFF2-40B4-BE49-F238E27FC236}">
-                <a16:creationId xmlns:a16="http://schemas.microsoft.com/office/drawing/2014/main" id="{231E4B19-2C3A-884A-919A-326B2A2F1BA8}"/>
-              </a:ext>
-            </a:extLst>
-          </p:cNvPr>
-          <p:cNvSpPr txBox="1"/>
-          <p:nvPr/>
-        </p:nvSpPr>
-        <p:spPr>
-          <a:xfrm>
-            <a:off x="806012" y="1783860"/>
-            <a:ext cx="10579975" cy="3908762"/>
-          </a:xfrm>
-          <a:prstGeom prst="rect">
-            <a:avLst/>
-          </a:prstGeom>
-          <a:noFill/>
-          <a:ln>
-            <a:solidFill>
-              <a:schemeClr val="accent1"/>
-            </a:solidFill>
-          </a:ln>
-        </p:spPr>
-        <p:txBody>
-          <a:bodyPr wrap="square" lIns="0" tIns="0" rIns="0" bIns="0" rtlCol="0">
-            <a:spAutoFit/>
-          </a:bodyPr>
-          <a:lstStyle/>
-          <a:p>
-            <a:r>
-              <a:rPr lang="en-US" b="1" dirty="0" smtClean="0"/>
-              <a:t>List Group</a:t>
-            </a:r>
-          </a:p>
-          <a:p>
-            <a:endParaRPr lang="en-US" b="1" dirty="0" smtClean="0"/>
-          </a:p>
-          <a:p>
-            <a:r>
-              <a:rPr lang="en-US" dirty="0" smtClean="0"/>
-              <a:t>list-group &gt; list-group-item</a:t>
-            </a:r>
-          </a:p>
-          <a:p>
-            <a:endParaRPr lang="en-US" dirty="0"/>
-          </a:p>
-          <a:p>
-            <a:r>
-              <a:rPr lang="en-US" b="1" dirty="0" smtClean="0"/>
-              <a:t>List Group with Links</a:t>
-            </a:r>
-          </a:p>
-          <a:p>
-            <a:endParaRPr lang="en-US" dirty="0"/>
-          </a:p>
-          <a:p>
-            <a:r>
-              <a:rPr lang="en-US" dirty="0" smtClean="0"/>
-              <a:t>List-group &gt; list-group-item list-group-item-action</a:t>
-            </a:r>
-          </a:p>
-          <a:p>
-            <a:endParaRPr lang="en-US" dirty="0"/>
-          </a:p>
-          <a:p>
-            <a:r>
-              <a:rPr lang="en-US" b="1" dirty="0" smtClean="0"/>
-              <a:t>Contextual Classes:</a:t>
-            </a:r>
-            <a:r>
-              <a:rPr lang="en-US" dirty="0" smtClean="0"/>
-              <a:t> list-group-item-primary, list-group-item-secondary, </a:t>
-            </a:r>
-            <a:r>
-              <a:rPr lang="en-US" dirty="0" err="1" smtClean="0"/>
-              <a:t>etc</a:t>
-            </a:r>
-            <a:endParaRPr lang="en-US" dirty="0" smtClean="0"/>
-          </a:p>
-          <a:p>
-            <a:endParaRPr lang="en-US" dirty="0" smtClean="0"/>
-          </a:p>
-          <a:p>
-            <a:r>
-              <a:rPr lang="en-US" b="1" dirty="0"/>
-              <a:t>badge </a:t>
-            </a:r>
-            <a:r>
-              <a:rPr lang="en-US" b="1" dirty="0" smtClean="0"/>
-              <a:t>badge-primary</a:t>
-            </a:r>
-          </a:p>
-          <a:p>
-            <a:endParaRPr lang="en-US" b="1" dirty="0"/>
-          </a:p>
-          <a:p>
-            <a:r>
-              <a:rPr lang="en-US" b="1" dirty="0" smtClean="0"/>
-              <a:t>Breadcrumb breadcrumb-item</a:t>
-            </a:r>
-            <a:endParaRPr lang="en-US" dirty="0" smtClean="0"/>
-          </a:p>
-          <a:p>
-            <a:endParaRPr lang="en-US" altLang="en-US" sz="2000" dirty="0"/>
-          </a:p>
-        </p:txBody>
-      </p:sp>
-    </p:spTree>
-    <p:extLst>
-      <p:ext uri="{BB962C8B-B14F-4D97-AF65-F5344CB8AC3E}">
-        <p14:creationId xmlns:p14="http://schemas.microsoft.com/office/powerpoint/2010/main" val="3383079612"/>
-      </p:ext>
-    </p:extLst>
-  </p:cSld>
-  <p:clrMapOvr>
-    <a:masterClrMapping/>
-  </p:clrMapOvr>
-  <p:timing>
-    <p:tnLst>
-      <p:par>
-        <p:cTn id="1" dur="indefinite" restart="never" nodeType="tmRoot"/>
-      </p:par>
-    </p:tnLst>
-  </p:timing>
-</p:sld>
-</file>
-
-<file path=ppt/slides/slide14.xml><?xml version="1.0" encoding="utf-8"?>
-<p:sld xmlns:a="http://schemas.openxmlformats.org/drawingml/2006/main" xmlns:r="http://schemas.openxmlformats.org/officeDocument/2006/relationships" xmlns:p="http://schemas.openxmlformats.org/presentationml/2006/main">
-  <p:cSld>
-    <p:spTree>
-      <p:nvGrpSpPr>
-        <p:cNvPr id="1" name=""/>
-        <p:cNvGrpSpPr/>
-        <p:nvPr/>
-      </p:nvGrpSpPr>
-      <p:grpSpPr>
-        <a:xfrm>
-          <a:off x="0" y="0"/>
-          <a:ext cx="0" cy="0"/>
-          <a:chOff x="0" y="0"/>
-          <a:chExt cx="0" cy="0"/>
-        </a:xfrm>
-      </p:grpSpPr>
-      <p:sp>
-        <p:nvSpPr>
-          <p:cNvPr id="103" name="Freeform 102">
-            <a:extLst>
-              <a:ext uri="{C183D7F6-B498-43B3-948B-1728B52AA6E4}">
-                <adec:decorative xmlns="" xmlns:adec="http://schemas.microsoft.com/office/drawing/2017/decorative" val="1"/>
-              </a:ext>
-            </a:extLst>
-          </p:cNvPr>
-          <p:cNvSpPr/>
-          <p:nvPr/>
-        </p:nvSpPr>
-        <p:spPr>
-          <a:xfrm rot="2700000">
-            <a:off x="11788943" y="6333474"/>
-            <a:ext cx="527486" cy="603188"/>
-          </a:xfrm>
-          <a:custGeom>
-            <a:avLst/>
-            <a:gdLst>
-              <a:gd name="connsiteX0" fmla="*/ 110516 w 889463"/>
-              <a:gd name="connsiteY0" fmla="*/ 95275 h 1017114"/>
-              <a:gd name="connsiteX1" fmla="*/ 230452 w 889463"/>
-              <a:gd name="connsiteY1" fmla="*/ 14411 h 1017114"/>
-              <a:gd name="connsiteX2" fmla="*/ 276877 w 889463"/>
-              <a:gd name="connsiteY2" fmla="*/ 0 h 1017114"/>
-              <a:gd name="connsiteX3" fmla="*/ 889463 w 889463"/>
-              <a:gd name="connsiteY3" fmla="*/ 612585 h 1017114"/>
-              <a:gd name="connsiteX4" fmla="*/ 484934 w 889463"/>
-              <a:gd name="connsiteY4" fmla="*/ 1017114 h 1017114"/>
-              <a:gd name="connsiteX5" fmla="*/ 377324 w 889463"/>
-              <a:gd name="connsiteY5" fmla="*/ 1017114 h 1017114"/>
-              <a:gd name="connsiteX6" fmla="*/ 0 w 889463"/>
-              <a:gd name="connsiteY6" fmla="*/ 639790 h 1017114"/>
-              <a:gd name="connsiteX7" fmla="*/ 0 w 889463"/>
-              <a:gd name="connsiteY7" fmla="*/ 362083 h 1017114"/>
-              <a:gd name="connsiteX8" fmla="*/ 110516 w 889463"/>
-              <a:gd name="connsiteY8" fmla="*/ 95275 h 1017114"/>
-            </a:gdLst>
-            <a:ahLst/>
-            <a:cxnLst>
-              <a:cxn ang="0">
-                <a:pos x="connsiteX0" y="connsiteY0"/>
-              </a:cxn>
-              <a:cxn ang="0">
-                <a:pos x="connsiteX1" y="connsiteY1"/>
-              </a:cxn>
-              <a:cxn ang="0">
-                <a:pos x="connsiteX2" y="connsiteY2"/>
-              </a:cxn>
-              <a:cxn ang="0">
-                <a:pos x="connsiteX3" y="connsiteY3"/>
-              </a:cxn>
-              <a:cxn ang="0">
-                <a:pos x="connsiteX4" y="connsiteY4"/>
-              </a:cxn>
-              <a:cxn ang="0">
-                <a:pos x="connsiteX5" y="connsiteY5"/>
-              </a:cxn>
-              <a:cxn ang="0">
-                <a:pos x="connsiteX6" y="connsiteY6"/>
-              </a:cxn>
-              <a:cxn ang="0">
-                <a:pos x="connsiteX7" y="connsiteY7"/>
-              </a:cxn>
-              <a:cxn ang="0">
-                <a:pos x="connsiteX8" y="connsiteY8"/>
-              </a:cxn>
-            </a:cxnLst>
-            <a:rect l="l" t="t" r="r" b="b"/>
-            <a:pathLst>
-              <a:path w="889463" h="1017114">
-                <a:moveTo>
-                  <a:pt x="110516" y="95275"/>
-                </a:moveTo>
-                <a:cubicBezTo>
-                  <a:pt x="144657" y="61133"/>
-                  <a:pt x="185310" y="33504"/>
-                  <a:pt x="230452" y="14411"/>
-                </a:cubicBezTo>
-                <a:lnTo>
-                  <a:pt x="276877" y="0"/>
-                </a:lnTo>
-                <a:lnTo>
-                  <a:pt x="889463" y="612585"/>
-                </a:lnTo>
-                <a:lnTo>
-                  <a:pt x="484934" y="1017114"/>
-                </a:lnTo>
-                <a:lnTo>
-                  <a:pt x="377324" y="1017114"/>
-                </a:lnTo>
-                <a:cubicBezTo>
-                  <a:pt x="168934" y="1017114"/>
-                  <a:pt x="0" y="848180"/>
-                  <a:pt x="0" y="639790"/>
-                </a:cubicBezTo>
-                <a:lnTo>
-                  <a:pt x="0" y="362083"/>
-                </a:lnTo>
-                <a:cubicBezTo>
-                  <a:pt x="0" y="257888"/>
-                  <a:pt x="42234" y="163556"/>
-                  <a:pt x="110516" y="95275"/>
-                </a:cubicBezTo>
-                <a:close/>
-              </a:path>
-            </a:pathLst>
-          </a:custGeom>
-          <a:solidFill>
-            <a:schemeClr val="tx1">
-              <a:lumMod val="50000"/>
-              <a:lumOff val="50000"/>
-            </a:schemeClr>
-          </a:solidFill>
-          <a:ln>
-            <a:noFill/>
-          </a:ln>
-        </p:spPr>
-        <p:style>
-          <a:lnRef idx="2">
-            <a:schemeClr val="accent1">
-              <a:shade val="50000"/>
-            </a:schemeClr>
-          </a:lnRef>
-          <a:fillRef idx="1">
-            <a:schemeClr val="accent1"/>
-          </a:fillRef>
-          <a:effectRef idx="0">
-            <a:schemeClr val="accent1"/>
-          </a:effectRef>
-          <a:fontRef idx="minor">
-            <a:schemeClr val="lt1"/>
-          </a:fontRef>
-        </p:style>
-        <p:txBody>
-          <a:bodyPr wrap="square" rtlCol="0" anchor="ctr">
-            <a:noAutofit/>
-          </a:bodyPr>
-          <a:lstStyle/>
-          <a:p>
-            <a:pPr algn="ctr"/>
-            <a:endParaRPr lang="en-US" dirty="0">
-              <a:solidFill>
-                <a:srgbClr val="98A3AD"/>
-              </a:solidFill>
-            </a:endParaRPr>
-          </a:p>
-        </p:txBody>
-      </p:sp>
-      <p:sp>
-        <p:nvSpPr>
-          <p:cNvPr id="104" name="TextBox 103"/>
-          <p:cNvSpPr txBox="1"/>
-          <p:nvPr/>
-        </p:nvSpPr>
-        <p:spPr>
-          <a:xfrm>
-            <a:off x="11907454" y="6481180"/>
-            <a:ext cx="341760" cy="307777"/>
-          </a:xfrm>
-          <a:prstGeom prst="rect">
-            <a:avLst/>
-          </a:prstGeom>
-          <a:noFill/>
-        </p:spPr>
-        <p:txBody>
-          <a:bodyPr wrap="none" rtlCol="0">
-            <a:spAutoFit/>
-          </a:bodyPr>
-          <a:lstStyle/>
-          <a:p>
-            <a:r>
-              <a:rPr lang="en-US" sz="1400" b="1" dirty="0" smtClean="0">
-                <a:solidFill>
-                  <a:schemeClr val="bg1"/>
-                </a:solidFill>
-              </a:rPr>
-              <a:t>10</a:t>
-            </a:r>
-            <a:endParaRPr lang="en-US" sz="1400" b="1" dirty="0">
-              <a:solidFill>
-                <a:schemeClr val="bg1"/>
-              </a:solidFill>
-            </a:endParaRPr>
-          </a:p>
-        </p:txBody>
-      </p:sp>
-      <p:pic>
-        <p:nvPicPr>
-          <p:cNvPr id="49" name="Picture 48" descr="This is a logo that reads &quot;24Slides.&quot;">
-            <a:hlinkClick r:id="rId2"/>
-            <a:extLst>
-              <a:ext uri="{FF2B5EF4-FFF2-40B4-BE49-F238E27FC236}">
-                <a16:creationId xmlns:a16="http://schemas.microsoft.com/office/drawing/2014/main" id="{4252D655-5F2C-F447-B537-8C72930D0F51}"/>
-              </a:ext>
-            </a:extLst>
-          </p:cNvPr>
-          <p:cNvPicPr>
-            <a:picLocks noChangeAspect="1"/>
-          </p:cNvPicPr>
-          <p:nvPr/>
-        </p:nvPicPr>
-        <p:blipFill>
-          <a:blip r:embed="rId3"/>
-          <a:stretch>
-            <a:fillRect/>
-          </a:stretch>
-        </p:blipFill>
-        <p:spPr>
-          <a:xfrm>
-            <a:off x="463550" y="6209088"/>
-            <a:ext cx="1028700" cy="293902"/>
-          </a:xfrm>
-          <a:prstGeom prst="rect">
-            <a:avLst/>
-          </a:prstGeom>
-          <a:effectLst/>
-        </p:spPr>
-      </p:pic>
-      <p:sp>
-        <p:nvSpPr>
-          <p:cNvPr id="2" name="Title 1" hidden="1">
-            <a:extLst>
-              <a:ext uri="{FF2B5EF4-FFF2-40B4-BE49-F238E27FC236}">
-                <a16:creationId xmlns:a16="http://schemas.microsoft.com/office/drawing/2014/main" id="{9197F7D1-3F80-4C57-BE5E-6B2971CB1586}"/>
-              </a:ext>
-            </a:extLst>
-          </p:cNvPr>
-          <p:cNvSpPr>
-            <a:spLocks noGrp="1"/>
-          </p:cNvSpPr>
-          <p:nvPr>
-            <p:ph type="title"/>
-          </p:nvPr>
-        </p:nvSpPr>
-        <p:spPr/>
-        <p:txBody>
-          <a:bodyPr/>
-          <a:lstStyle/>
-          <a:p>
-            <a:r>
-              <a:rPr lang="en-US" dirty="0"/>
-              <a:t>Slide 12</a:t>
-            </a:r>
-          </a:p>
-        </p:txBody>
-      </p:sp>
-      <p:grpSp>
-        <p:nvGrpSpPr>
-          <p:cNvPr id="11" name="Group 10"/>
-          <p:cNvGrpSpPr/>
-          <p:nvPr/>
-        </p:nvGrpSpPr>
-        <p:grpSpPr>
-          <a:xfrm>
-            <a:off x="0" y="6026426"/>
-            <a:ext cx="3393881" cy="1008396"/>
-            <a:chOff x="9172284" y="5422460"/>
-            <a:chExt cx="3393881" cy="1008396"/>
-          </a:xfrm>
-        </p:grpSpPr>
-        <p:pic>
-          <p:nvPicPr>
-            <p:cNvPr id="12" name="Picture 11"/>
-            <p:cNvPicPr>
-              <a:picLocks noChangeAspect="1"/>
-            </p:cNvPicPr>
-            <p:nvPr/>
-          </p:nvPicPr>
-          <p:blipFill>
-            <a:blip r:embed="rId4" cstate="print">
-              <a:extLst>
-                <a:ext uri="{28A0092B-C50C-407E-A947-70E740481C1C}">
-                  <a14:useLocalDpi xmlns:a14="http://schemas.microsoft.com/office/drawing/2010/main" val="0"/>
-                </a:ext>
-              </a:extLst>
-            </a:blip>
-            <a:stretch>
-              <a:fillRect/>
-            </a:stretch>
-          </p:blipFill>
-          <p:spPr>
-            <a:xfrm>
-              <a:off x="9172284" y="5422460"/>
-              <a:ext cx="738894" cy="738894"/>
-            </a:xfrm>
-            <a:prstGeom prst="rect">
-              <a:avLst/>
-            </a:prstGeom>
-          </p:spPr>
-        </p:pic>
-        <p:sp>
-          <p:nvSpPr>
-            <p:cNvPr id="13" name="TextBox 12"/>
-            <p:cNvSpPr txBox="1"/>
-            <p:nvPr/>
-          </p:nvSpPr>
-          <p:spPr>
-            <a:xfrm>
-              <a:off x="9727715" y="5599859"/>
-              <a:ext cx="2838450" cy="830997"/>
-            </a:xfrm>
-            <a:prstGeom prst="rect">
-              <a:avLst/>
-            </a:prstGeom>
-            <a:noFill/>
-          </p:spPr>
-          <p:txBody>
-            <a:bodyPr wrap="square" rtlCol="0">
-              <a:spAutoFit/>
-            </a:bodyPr>
-            <a:lstStyle/>
-            <a:p>
-              <a:r>
-                <a:rPr lang="en-US" sz="4800" b="1" dirty="0" smtClean="0">
-                  <a:solidFill>
-                    <a:srgbClr val="005588"/>
-                  </a:solidFill>
-                  <a:latin typeface="Javanese Text" panose="02000000000000000000" pitchFamily="2" charset="0"/>
-                </a:rPr>
-                <a:t>Train</a:t>
-              </a:r>
-              <a:endParaRPr lang="en-US" sz="4800" b="1" dirty="0">
-                <a:solidFill>
-                  <a:srgbClr val="005588"/>
-                </a:solidFill>
-                <a:latin typeface="Javanese Text" panose="02000000000000000000" pitchFamily="2" charset="0"/>
-              </a:endParaRPr>
-            </a:p>
-          </p:txBody>
-        </p:sp>
-      </p:grpSp>
-      <p:sp>
-        <p:nvSpPr>
-          <p:cNvPr id="3" name="Rounded Rectangle 2"/>
-          <p:cNvSpPr/>
-          <p:nvPr/>
-        </p:nvSpPr>
-        <p:spPr>
-          <a:xfrm>
-            <a:off x="0" y="1"/>
-            <a:ext cx="12192000" cy="1333500"/>
-          </a:xfrm>
-          <a:prstGeom prst="roundRect">
-            <a:avLst/>
-          </a:prstGeom>
-        </p:spPr>
-        <p:style>
-          <a:lnRef idx="2">
-            <a:schemeClr val="accent1">
-              <a:shade val="50000"/>
-            </a:schemeClr>
-          </a:lnRef>
-          <a:fillRef idx="1">
-            <a:schemeClr val="accent1"/>
-          </a:fillRef>
-          <a:effectRef idx="0">
-            <a:schemeClr val="accent1"/>
-          </a:effectRef>
-          <a:fontRef idx="minor">
-            <a:schemeClr val="lt1"/>
-          </a:fontRef>
-        </p:style>
-        <p:txBody>
-          <a:bodyPr rtlCol="0" anchor="ctr"/>
-          <a:lstStyle/>
-          <a:p>
-            <a:pPr algn="ctr"/>
-            <a:r>
-              <a:rPr lang="en-US" sz="3600" b="1" dirty="0" smtClean="0"/>
-              <a:t>Form Groups</a:t>
-            </a:r>
-            <a:endParaRPr lang="en-US" sz="3600" b="1" dirty="0" smtClean="0"/>
-          </a:p>
-        </p:txBody>
-      </p:sp>
-      <p:sp>
-        <p:nvSpPr>
-          <p:cNvPr id="20" name="TextBox 19">
-            <a:extLst>
-              <a:ext uri="{FF2B5EF4-FFF2-40B4-BE49-F238E27FC236}">
-                <a16:creationId xmlns:a16="http://schemas.microsoft.com/office/drawing/2014/main" id="{231E4B19-2C3A-884A-919A-326B2A2F1BA8}"/>
-              </a:ext>
-            </a:extLst>
-          </p:cNvPr>
-          <p:cNvSpPr txBox="1"/>
-          <p:nvPr/>
-        </p:nvSpPr>
-        <p:spPr>
-          <a:xfrm>
-            <a:off x="806012" y="1783860"/>
-            <a:ext cx="10579975" cy="2400657"/>
-          </a:xfrm>
-          <a:prstGeom prst="rect">
-            <a:avLst/>
-          </a:prstGeom>
-          <a:noFill/>
-          <a:ln>
-            <a:solidFill>
-              <a:schemeClr val="accent1"/>
-            </a:solidFill>
-          </a:ln>
-        </p:spPr>
-        <p:txBody>
-          <a:bodyPr wrap="square" lIns="0" tIns="0" rIns="0" bIns="0" rtlCol="0">
-            <a:spAutoFit/>
-          </a:bodyPr>
-          <a:lstStyle/>
-          <a:p>
-            <a:r>
-              <a:rPr lang="en-US" b="1" dirty="0" smtClean="0"/>
-              <a:t>form-group &gt; </a:t>
-            </a:r>
-            <a:r>
-              <a:rPr lang="en-US" dirty="0" smtClean="0"/>
-              <a:t>form-control</a:t>
-            </a:r>
-          </a:p>
-          <a:p>
-            <a:endParaRPr lang="en-US" altLang="en-US" sz="2000" dirty="0"/>
-          </a:p>
-          <a:p>
-            <a:endParaRPr lang="en-US" altLang="en-US" sz="2000" dirty="0" smtClean="0"/>
-          </a:p>
-          <a:p>
-            <a:r>
-              <a:rPr lang="en-US" dirty="0" smtClean="0"/>
-              <a:t>form-group &gt; form-check &gt; form-check-</a:t>
-            </a:r>
-            <a:r>
-              <a:rPr lang="en-US" dirty="0" err="1" smtClean="0"/>
-              <a:t>label,form</a:t>
-            </a:r>
-            <a:r>
-              <a:rPr lang="en-US" dirty="0" smtClean="0"/>
-              <a:t>-check-input</a:t>
-            </a:r>
-          </a:p>
-          <a:p>
-            <a:endParaRPr lang="en-US" altLang="en-US" sz="2000" dirty="0"/>
-          </a:p>
-          <a:p>
-            <a:r>
-              <a:rPr lang="en-US" altLang="en-US" sz="2000" dirty="0" smtClean="0"/>
-              <a:t>is-valid</a:t>
-            </a:r>
-          </a:p>
-          <a:p>
-            <a:endParaRPr lang="en-US" altLang="en-US" sz="2000" dirty="0"/>
-          </a:p>
-          <a:p>
-            <a:r>
-              <a:rPr lang="en-US" altLang="en-US" sz="2000" dirty="0"/>
-              <a:t>i</a:t>
-            </a:r>
-            <a:r>
-              <a:rPr lang="en-US" altLang="en-US" sz="2000" dirty="0" smtClean="0"/>
-              <a:t>s-invalid</a:t>
-            </a:r>
-            <a:endParaRPr lang="en-US" altLang="en-US" sz="2000" dirty="0"/>
-          </a:p>
-        </p:txBody>
-      </p:sp>
-    </p:spTree>
-    <p:extLst>
-      <p:ext uri="{BB962C8B-B14F-4D97-AF65-F5344CB8AC3E}">
-        <p14:creationId xmlns:p14="http://schemas.microsoft.com/office/powerpoint/2010/main" val="1027078082"/>
-      </p:ext>
-    </p:extLst>
-  </p:cSld>
-  <p:clrMapOvr>
-    <a:masterClrMapping/>
-  </p:clrMapOvr>
-  <p:timing>
-    <p:tnLst>
-      <p:par>
-        <p:cTn id="1" dur="indefinite" restart="never" nodeType="tmRoot"/>
-      </p:par>
-    </p:tnLst>
-  </p:timing>
-</p:sld>
-</file>
-
-<file path=ppt/slides/slide15.xml><?xml version="1.0" encoding="utf-8"?>
-<p:sld xmlns:a="http://schemas.openxmlformats.org/drawingml/2006/main" xmlns:r="http://schemas.openxmlformats.org/officeDocument/2006/relationships" xmlns:p="http://schemas.openxmlformats.org/presentationml/2006/main">
-  <p:cSld>
-    <p:spTree>
-      <p:nvGrpSpPr>
-        <p:cNvPr id="1" name=""/>
-        <p:cNvGrpSpPr/>
-        <p:nvPr/>
-      </p:nvGrpSpPr>
-      <p:grpSpPr>
-        <a:xfrm>
-          <a:off x="0" y="0"/>
-          <a:ext cx="0" cy="0"/>
-          <a:chOff x="0" y="0"/>
-          <a:chExt cx="0" cy="0"/>
-        </a:xfrm>
-      </p:grpSpPr>
-      <p:sp>
-        <p:nvSpPr>
-          <p:cNvPr id="103" name="Freeform 102">
-            <a:extLst>
-              <a:ext uri="{C183D7F6-B498-43B3-948B-1728B52AA6E4}">
-                <adec:decorative xmlns="" xmlns:adec="http://schemas.microsoft.com/office/drawing/2017/decorative" val="1"/>
-              </a:ext>
-            </a:extLst>
-          </p:cNvPr>
-          <p:cNvSpPr/>
-          <p:nvPr/>
-        </p:nvSpPr>
-        <p:spPr>
-          <a:xfrm rot="2700000">
-            <a:off x="11788943" y="6333474"/>
-            <a:ext cx="527486" cy="603188"/>
-          </a:xfrm>
-          <a:custGeom>
-            <a:avLst/>
-            <a:gdLst>
-              <a:gd name="connsiteX0" fmla="*/ 110516 w 889463"/>
-              <a:gd name="connsiteY0" fmla="*/ 95275 h 1017114"/>
-              <a:gd name="connsiteX1" fmla="*/ 230452 w 889463"/>
-              <a:gd name="connsiteY1" fmla="*/ 14411 h 1017114"/>
-              <a:gd name="connsiteX2" fmla="*/ 276877 w 889463"/>
-              <a:gd name="connsiteY2" fmla="*/ 0 h 1017114"/>
-              <a:gd name="connsiteX3" fmla="*/ 889463 w 889463"/>
-              <a:gd name="connsiteY3" fmla="*/ 612585 h 1017114"/>
-              <a:gd name="connsiteX4" fmla="*/ 484934 w 889463"/>
-              <a:gd name="connsiteY4" fmla="*/ 1017114 h 1017114"/>
-              <a:gd name="connsiteX5" fmla="*/ 377324 w 889463"/>
-              <a:gd name="connsiteY5" fmla="*/ 1017114 h 1017114"/>
-              <a:gd name="connsiteX6" fmla="*/ 0 w 889463"/>
-              <a:gd name="connsiteY6" fmla="*/ 639790 h 1017114"/>
-              <a:gd name="connsiteX7" fmla="*/ 0 w 889463"/>
-              <a:gd name="connsiteY7" fmla="*/ 362083 h 1017114"/>
-              <a:gd name="connsiteX8" fmla="*/ 110516 w 889463"/>
-              <a:gd name="connsiteY8" fmla="*/ 95275 h 1017114"/>
-            </a:gdLst>
-            <a:ahLst/>
-            <a:cxnLst>
-              <a:cxn ang="0">
-                <a:pos x="connsiteX0" y="connsiteY0"/>
-              </a:cxn>
-              <a:cxn ang="0">
-                <a:pos x="connsiteX1" y="connsiteY1"/>
-              </a:cxn>
-              <a:cxn ang="0">
-                <a:pos x="connsiteX2" y="connsiteY2"/>
-              </a:cxn>
-              <a:cxn ang="0">
-                <a:pos x="connsiteX3" y="connsiteY3"/>
-              </a:cxn>
-              <a:cxn ang="0">
-                <a:pos x="connsiteX4" y="connsiteY4"/>
-              </a:cxn>
-              <a:cxn ang="0">
-                <a:pos x="connsiteX5" y="connsiteY5"/>
-              </a:cxn>
-              <a:cxn ang="0">
-                <a:pos x="connsiteX6" y="connsiteY6"/>
-              </a:cxn>
-              <a:cxn ang="0">
-                <a:pos x="connsiteX7" y="connsiteY7"/>
-              </a:cxn>
-              <a:cxn ang="0">
-                <a:pos x="connsiteX8" y="connsiteY8"/>
-              </a:cxn>
-            </a:cxnLst>
-            <a:rect l="l" t="t" r="r" b="b"/>
-            <a:pathLst>
-              <a:path w="889463" h="1017114">
-                <a:moveTo>
-                  <a:pt x="110516" y="95275"/>
-                </a:moveTo>
-                <a:cubicBezTo>
-                  <a:pt x="144657" y="61133"/>
-                  <a:pt x="185310" y="33504"/>
-                  <a:pt x="230452" y="14411"/>
-                </a:cubicBezTo>
-                <a:lnTo>
-                  <a:pt x="276877" y="0"/>
-                </a:lnTo>
-                <a:lnTo>
-                  <a:pt x="889463" y="612585"/>
-                </a:lnTo>
-                <a:lnTo>
-                  <a:pt x="484934" y="1017114"/>
-                </a:lnTo>
-                <a:lnTo>
-                  <a:pt x="377324" y="1017114"/>
-                </a:lnTo>
-                <a:cubicBezTo>
-                  <a:pt x="168934" y="1017114"/>
-                  <a:pt x="0" y="848180"/>
-                  <a:pt x="0" y="639790"/>
-                </a:cubicBezTo>
-                <a:lnTo>
-                  <a:pt x="0" y="362083"/>
-                </a:lnTo>
-                <a:cubicBezTo>
-                  <a:pt x="0" y="257888"/>
-                  <a:pt x="42234" y="163556"/>
-                  <a:pt x="110516" y="95275"/>
-                </a:cubicBezTo>
-                <a:close/>
-              </a:path>
-            </a:pathLst>
-          </a:custGeom>
-          <a:solidFill>
-            <a:schemeClr val="tx1">
-              <a:lumMod val="50000"/>
-              <a:lumOff val="50000"/>
-            </a:schemeClr>
-          </a:solidFill>
-          <a:ln>
-            <a:noFill/>
-          </a:ln>
-        </p:spPr>
-        <p:style>
-          <a:lnRef idx="2">
-            <a:schemeClr val="accent1">
-              <a:shade val="50000"/>
-            </a:schemeClr>
-          </a:lnRef>
-          <a:fillRef idx="1">
-            <a:schemeClr val="accent1"/>
-          </a:fillRef>
-          <a:effectRef idx="0">
-            <a:schemeClr val="accent1"/>
-          </a:effectRef>
-          <a:fontRef idx="minor">
-            <a:schemeClr val="lt1"/>
-          </a:fontRef>
-        </p:style>
-        <p:txBody>
-          <a:bodyPr wrap="square" rtlCol="0" anchor="ctr">
-            <a:noAutofit/>
-          </a:bodyPr>
-          <a:lstStyle/>
-          <a:p>
-            <a:pPr algn="ctr"/>
-            <a:endParaRPr lang="en-US" dirty="0">
-              <a:solidFill>
-                <a:srgbClr val="98A3AD"/>
-              </a:solidFill>
-            </a:endParaRPr>
-          </a:p>
-        </p:txBody>
-      </p:sp>
-      <p:sp>
-        <p:nvSpPr>
-          <p:cNvPr id="104" name="TextBox 103"/>
-          <p:cNvSpPr txBox="1"/>
-          <p:nvPr/>
-        </p:nvSpPr>
-        <p:spPr>
-          <a:xfrm>
-            <a:off x="11907454" y="6481180"/>
-            <a:ext cx="341760" cy="307777"/>
-          </a:xfrm>
-          <a:prstGeom prst="rect">
-            <a:avLst/>
-          </a:prstGeom>
-          <a:noFill/>
-        </p:spPr>
-        <p:txBody>
-          <a:bodyPr wrap="none" rtlCol="0">
-            <a:spAutoFit/>
-          </a:bodyPr>
-          <a:lstStyle/>
-          <a:p>
-            <a:r>
-              <a:rPr lang="en-US" sz="1400" b="1" dirty="0" smtClean="0">
-                <a:solidFill>
-                  <a:schemeClr val="bg1"/>
-                </a:solidFill>
-              </a:rPr>
-              <a:t>10</a:t>
-            </a:r>
-            <a:endParaRPr lang="en-US" sz="1400" b="1" dirty="0">
-              <a:solidFill>
-                <a:schemeClr val="bg1"/>
-              </a:solidFill>
-            </a:endParaRPr>
-          </a:p>
-        </p:txBody>
-      </p:sp>
-      <p:pic>
-        <p:nvPicPr>
-          <p:cNvPr id="49" name="Picture 48" descr="This is a logo that reads &quot;24Slides.&quot;">
-            <a:hlinkClick r:id="rId2"/>
-            <a:extLst>
-              <a:ext uri="{FF2B5EF4-FFF2-40B4-BE49-F238E27FC236}">
-                <a16:creationId xmlns:a16="http://schemas.microsoft.com/office/drawing/2014/main" id="{4252D655-5F2C-F447-B537-8C72930D0F51}"/>
-              </a:ext>
-            </a:extLst>
-          </p:cNvPr>
-          <p:cNvPicPr>
-            <a:picLocks noChangeAspect="1"/>
-          </p:cNvPicPr>
-          <p:nvPr/>
-        </p:nvPicPr>
-        <p:blipFill>
-          <a:blip r:embed="rId3"/>
-          <a:stretch>
-            <a:fillRect/>
-          </a:stretch>
-        </p:blipFill>
-        <p:spPr>
-          <a:xfrm>
-            <a:off x="463550" y="6209088"/>
-            <a:ext cx="1028700" cy="293902"/>
-          </a:xfrm>
-          <a:prstGeom prst="rect">
-            <a:avLst/>
-          </a:prstGeom>
-          <a:effectLst/>
-        </p:spPr>
-      </p:pic>
-      <p:sp>
-        <p:nvSpPr>
-          <p:cNvPr id="2" name="Title 1" hidden="1">
-            <a:extLst>
-              <a:ext uri="{FF2B5EF4-FFF2-40B4-BE49-F238E27FC236}">
-                <a16:creationId xmlns:a16="http://schemas.microsoft.com/office/drawing/2014/main" id="{9197F7D1-3F80-4C57-BE5E-6B2971CB1586}"/>
-              </a:ext>
-            </a:extLst>
-          </p:cNvPr>
-          <p:cNvSpPr>
-            <a:spLocks noGrp="1"/>
-          </p:cNvSpPr>
-          <p:nvPr>
-            <p:ph type="title"/>
-          </p:nvPr>
-        </p:nvSpPr>
-        <p:spPr/>
-        <p:txBody>
-          <a:bodyPr/>
-          <a:lstStyle/>
-          <a:p>
-            <a:r>
-              <a:rPr lang="en-US" dirty="0"/>
-              <a:t>Slide 12</a:t>
-            </a:r>
-          </a:p>
-        </p:txBody>
-      </p:sp>
-      <p:grpSp>
-        <p:nvGrpSpPr>
-          <p:cNvPr id="11" name="Group 10"/>
-          <p:cNvGrpSpPr/>
-          <p:nvPr/>
-        </p:nvGrpSpPr>
-        <p:grpSpPr>
-          <a:xfrm>
-            <a:off x="0" y="6026426"/>
-            <a:ext cx="3393881" cy="1008396"/>
-            <a:chOff x="9172284" y="5422460"/>
-            <a:chExt cx="3393881" cy="1008396"/>
-          </a:xfrm>
-        </p:grpSpPr>
-        <p:pic>
-          <p:nvPicPr>
-            <p:cNvPr id="12" name="Picture 11"/>
-            <p:cNvPicPr>
-              <a:picLocks noChangeAspect="1"/>
-            </p:cNvPicPr>
-            <p:nvPr/>
-          </p:nvPicPr>
-          <p:blipFill>
-            <a:blip r:embed="rId4" cstate="print">
-              <a:extLst>
-                <a:ext uri="{28A0092B-C50C-407E-A947-70E740481C1C}">
-                  <a14:useLocalDpi xmlns:a14="http://schemas.microsoft.com/office/drawing/2010/main" val="0"/>
-                </a:ext>
-              </a:extLst>
-            </a:blip>
-            <a:stretch>
-              <a:fillRect/>
-            </a:stretch>
-          </p:blipFill>
-          <p:spPr>
-            <a:xfrm>
-              <a:off x="9172284" y="5422460"/>
-              <a:ext cx="738894" cy="738894"/>
-            </a:xfrm>
-            <a:prstGeom prst="rect">
-              <a:avLst/>
-            </a:prstGeom>
-          </p:spPr>
-        </p:pic>
-        <p:sp>
-          <p:nvSpPr>
-            <p:cNvPr id="13" name="TextBox 12"/>
-            <p:cNvSpPr txBox="1"/>
-            <p:nvPr/>
-          </p:nvSpPr>
-          <p:spPr>
-            <a:xfrm>
-              <a:off x="9727715" y="5599859"/>
-              <a:ext cx="2838450" cy="830997"/>
-            </a:xfrm>
-            <a:prstGeom prst="rect">
-              <a:avLst/>
-            </a:prstGeom>
-            <a:noFill/>
-          </p:spPr>
-          <p:txBody>
-            <a:bodyPr wrap="square" rtlCol="0">
-              <a:spAutoFit/>
-            </a:bodyPr>
-            <a:lstStyle/>
-            <a:p>
-              <a:r>
-                <a:rPr lang="en-US" sz="4800" b="1" dirty="0" smtClean="0">
-                  <a:solidFill>
-                    <a:srgbClr val="005588"/>
-                  </a:solidFill>
-                  <a:latin typeface="Javanese Text" panose="02000000000000000000" pitchFamily="2" charset="0"/>
-                </a:rPr>
-                <a:t>Train</a:t>
-              </a:r>
-              <a:endParaRPr lang="en-US" sz="4800" b="1" dirty="0">
-                <a:solidFill>
-                  <a:srgbClr val="005588"/>
-                </a:solidFill>
-                <a:latin typeface="Javanese Text" panose="02000000000000000000" pitchFamily="2" charset="0"/>
-              </a:endParaRPr>
-            </a:p>
-          </p:txBody>
-        </p:sp>
-      </p:grpSp>
-      <p:sp>
-        <p:nvSpPr>
-          <p:cNvPr id="3" name="Rounded Rectangle 2"/>
-          <p:cNvSpPr/>
-          <p:nvPr/>
-        </p:nvSpPr>
-        <p:spPr>
-          <a:xfrm>
-            <a:off x="0" y="1"/>
-            <a:ext cx="12192000" cy="1333500"/>
-          </a:xfrm>
-          <a:prstGeom prst="roundRect">
-            <a:avLst/>
-          </a:prstGeom>
-        </p:spPr>
-        <p:style>
-          <a:lnRef idx="2">
-            <a:schemeClr val="accent1">
-              <a:shade val="50000"/>
-            </a:schemeClr>
-          </a:lnRef>
-          <a:fillRef idx="1">
-            <a:schemeClr val="accent1"/>
-          </a:fillRef>
-          <a:effectRef idx="0">
-            <a:schemeClr val="accent1"/>
-          </a:effectRef>
-          <a:fontRef idx="minor">
-            <a:schemeClr val="lt1"/>
-          </a:fontRef>
-        </p:style>
-        <p:txBody>
-          <a:bodyPr rtlCol="0" anchor="ctr"/>
-          <a:lstStyle/>
-          <a:p>
-            <a:pPr algn="ctr"/>
-            <a:r>
-              <a:rPr lang="en-US" sz="3600" b="1" dirty="0" smtClean="0"/>
-              <a:t>Input Groups</a:t>
-            </a:r>
-            <a:endParaRPr lang="en-US" sz="3600" b="1" dirty="0" smtClean="0"/>
-          </a:p>
-        </p:txBody>
-      </p:sp>
-      <p:sp>
-        <p:nvSpPr>
-          <p:cNvPr id="20" name="TextBox 19">
-            <a:extLst>
-              <a:ext uri="{FF2B5EF4-FFF2-40B4-BE49-F238E27FC236}">
-                <a16:creationId xmlns:a16="http://schemas.microsoft.com/office/drawing/2014/main" id="{231E4B19-2C3A-884A-919A-326B2A2F1BA8}"/>
-              </a:ext>
-            </a:extLst>
-          </p:cNvPr>
-          <p:cNvSpPr txBox="1"/>
-          <p:nvPr/>
-        </p:nvSpPr>
-        <p:spPr>
-          <a:xfrm>
-            <a:off x="806012" y="1783860"/>
-            <a:ext cx="10579975" cy="1785104"/>
-          </a:xfrm>
-          <a:prstGeom prst="rect">
-            <a:avLst/>
-          </a:prstGeom>
-          <a:noFill/>
-          <a:ln>
-            <a:solidFill>
-              <a:schemeClr val="accent1"/>
-            </a:solidFill>
-          </a:ln>
-        </p:spPr>
-        <p:txBody>
-          <a:bodyPr wrap="square" lIns="0" tIns="0" rIns="0" bIns="0" rtlCol="0">
-            <a:spAutoFit/>
-          </a:bodyPr>
-          <a:lstStyle/>
-          <a:p>
-            <a:r>
-              <a:rPr lang="en-US" b="1" dirty="0" smtClean="0"/>
-              <a:t>input-group &gt; </a:t>
-            </a:r>
-            <a:r>
-              <a:rPr lang="en-US" dirty="0" smtClean="0"/>
-              <a:t>input-group-</a:t>
-            </a:r>
-            <a:r>
-              <a:rPr lang="en-US" dirty="0" err="1" smtClean="0"/>
-              <a:t>addon</a:t>
-            </a:r>
-            <a:r>
-              <a:rPr lang="en-US" dirty="0" smtClean="0"/>
-              <a:t> </a:t>
-            </a:r>
-          </a:p>
-          <a:p>
-            <a:endParaRPr lang="en-US" altLang="en-US" sz="2000" dirty="0"/>
-          </a:p>
-          <a:p>
-            <a:endParaRPr lang="en-US" altLang="en-US" sz="2000" dirty="0" smtClean="0"/>
-          </a:p>
-          <a:p>
-            <a:r>
-              <a:rPr lang="en-US" dirty="0" smtClean="0"/>
-              <a:t>Input-group &gt; input-group-</a:t>
-            </a:r>
-            <a:r>
-              <a:rPr lang="en-US" dirty="0" err="1" smtClean="0"/>
-              <a:t>btn</a:t>
-            </a:r>
-            <a:endParaRPr lang="en-US" dirty="0" smtClean="0"/>
-          </a:p>
-          <a:p>
-            <a:endParaRPr lang="en-US" altLang="en-US" sz="2000" dirty="0"/>
-          </a:p>
-          <a:p>
-            <a:endParaRPr lang="en-US" altLang="en-US" sz="2000" dirty="0"/>
-          </a:p>
-        </p:txBody>
-      </p:sp>
-      <p:sp>
-        <p:nvSpPr>
-          <p:cNvPr id="4" name="Rectangle 3"/>
-          <p:cNvSpPr/>
-          <p:nvPr/>
-        </p:nvSpPr>
-        <p:spPr>
-          <a:xfrm>
-            <a:off x="4104372" y="6296514"/>
-            <a:ext cx="4487190" cy="369332"/>
-          </a:xfrm>
-          <a:prstGeom prst="rect">
-            <a:avLst/>
-          </a:prstGeom>
-        </p:spPr>
-        <p:txBody>
-          <a:bodyPr wrap="none">
-            <a:spAutoFit/>
-          </a:bodyPr>
-          <a:lstStyle/>
-          <a:p>
-            <a:r>
-              <a:rPr lang="en-US" dirty="0">
-                <a:hlinkClick r:id="rId5"/>
-              </a:rPr>
-              <a:t>https://www.w3schools.com/css/css_float.asp</a:t>
-            </a:r>
-            <a:endParaRPr lang="en-US" dirty="0"/>
-          </a:p>
-        </p:txBody>
-      </p:sp>
-    </p:spTree>
-    <p:extLst>
-      <p:ext uri="{BB962C8B-B14F-4D97-AF65-F5344CB8AC3E}">
-        <p14:creationId xmlns:p14="http://schemas.microsoft.com/office/powerpoint/2010/main" val="588644034"/>
-      </p:ext>
-    </p:extLst>
-  </p:cSld>
-  <p:clrMapOvr>
-    <a:masterClrMapping/>
-  </p:clrMapOvr>
-  <p:timing>
-    <p:tnLst>
-      <p:par>
-        <p:cTn id="1" dur="indefinite" restart="never" nodeType="tmRoot"/>
-      </p:par>
-    </p:tnLst>
-  </p:timing>
-</p:sld>
-</file>
-
-<file path=ppt/slides/slide16.xml><?xml version="1.0" encoding="utf-8"?>
-<p:sld xmlns:a="http://schemas.openxmlformats.org/drawingml/2006/main" xmlns:r="http://schemas.openxmlformats.org/officeDocument/2006/relationships" xmlns:p="http://schemas.openxmlformats.org/presentationml/2006/main">
-  <p:cSld>
-    <p:spTree>
-      <p:nvGrpSpPr>
-        <p:cNvPr id="1" name=""/>
-        <p:cNvGrpSpPr/>
-        <p:nvPr/>
-      </p:nvGrpSpPr>
-      <p:grpSpPr>
-        <a:xfrm>
-          <a:off x="0" y="0"/>
-          <a:ext cx="0" cy="0"/>
-          <a:chOff x="0" y="0"/>
-          <a:chExt cx="0" cy="0"/>
-        </a:xfrm>
-      </p:grpSpPr>
-      <p:sp>
-        <p:nvSpPr>
-          <p:cNvPr id="103" name="Freeform 102">
-            <a:extLst>
-              <a:ext uri="{C183D7F6-B498-43B3-948B-1728B52AA6E4}">
-                <adec:decorative xmlns="" xmlns:adec="http://schemas.microsoft.com/office/drawing/2017/decorative" val="1"/>
-              </a:ext>
-            </a:extLst>
-          </p:cNvPr>
-          <p:cNvSpPr/>
-          <p:nvPr/>
-        </p:nvSpPr>
-        <p:spPr>
-          <a:xfrm rot="2700000">
-            <a:off x="11788943" y="6333474"/>
-            <a:ext cx="527486" cy="603188"/>
-          </a:xfrm>
-          <a:custGeom>
-            <a:avLst/>
-            <a:gdLst>
-              <a:gd name="connsiteX0" fmla="*/ 110516 w 889463"/>
-              <a:gd name="connsiteY0" fmla="*/ 95275 h 1017114"/>
-              <a:gd name="connsiteX1" fmla="*/ 230452 w 889463"/>
-              <a:gd name="connsiteY1" fmla="*/ 14411 h 1017114"/>
-              <a:gd name="connsiteX2" fmla="*/ 276877 w 889463"/>
-              <a:gd name="connsiteY2" fmla="*/ 0 h 1017114"/>
-              <a:gd name="connsiteX3" fmla="*/ 889463 w 889463"/>
-              <a:gd name="connsiteY3" fmla="*/ 612585 h 1017114"/>
-              <a:gd name="connsiteX4" fmla="*/ 484934 w 889463"/>
-              <a:gd name="connsiteY4" fmla="*/ 1017114 h 1017114"/>
-              <a:gd name="connsiteX5" fmla="*/ 377324 w 889463"/>
-              <a:gd name="connsiteY5" fmla="*/ 1017114 h 1017114"/>
-              <a:gd name="connsiteX6" fmla="*/ 0 w 889463"/>
-              <a:gd name="connsiteY6" fmla="*/ 639790 h 1017114"/>
-              <a:gd name="connsiteX7" fmla="*/ 0 w 889463"/>
-              <a:gd name="connsiteY7" fmla="*/ 362083 h 1017114"/>
-              <a:gd name="connsiteX8" fmla="*/ 110516 w 889463"/>
-              <a:gd name="connsiteY8" fmla="*/ 95275 h 1017114"/>
-            </a:gdLst>
-            <a:ahLst/>
-            <a:cxnLst>
-              <a:cxn ang="0">
-                <a:pos x="connsiteX0" y="connsiteY0"/>
-              </a:cxn>
-              <a:cxn ang="0">
-                <a:pos x="connsiteX1" y="connsiteY1"/>
-              </a:cxn>
-              <a:cxn ang="0">
-                <a:pos x="connsiteX2" y="connsiteY2"/>
-              </a:cxn>
-              <a:cxn ang="0">
-                <a:pos x="connsiteX3" y="connsiteY3"/>
-              </a:cxn>
-              <a:cxn ang="0">
-                <a:pos x="connsiteX4" y="connsiteY4"/>
-              </a:cxn>
-              <a:cxn ang="0">
-                <a:pos x="connsiteX5" y="connsiteY5"/>
-              </a:cxn>
-              <a:cxn ang="0">
-                <a:pos x="connsiteX6" y="connsiteY6"/>
-              </a:cxn>
-              <a:cxn ang="0">
-                <a:pos x="connsiteX7" y="connsiteY7"/>
-              </a:cxn>
-              <a:cxn ang="0">
-                <a:pos x="connsiteX8" y="connsiteY8"/>
-              </a:cxn>
-            </a:cxnLst>
-            <a:rect l="l" t="t" r="r" b="b"/>
-            <a:pathLst>
-              <a:path w="889463" h="1017114">
-                <a:moveTo>
-                  <a:pt x="110516" y="95275"/>
-                </a:moveTo>
-                <a:cubicBezTo>
-                  <a:pt x="144657" y="61133"/>
-                  <a:pt x="185310" y="33504"/>
-                  <a:pt x="230452" y="14411"/>
-                </a:cubicBezTo>
-                <a:lnTo>
-                  <a:pt x="276877" y="0"/>
-                </a:lnTo>
-                <a:lnTo>
-                  <a:pt x="889463" y="612585"/>
-                </a:lnTo>
-                <a:lnTo>
-                  <a:pt x="484934" y="1017114"/>
-                </a:lnTo>
-                <a:lnTo>
-                  <a:pt x="377324" y="1017114"/>
-                </a:lnTo>
-                <a:cubicBezTo>
-                  <a:pt x="168934" y="1017114"/>
-                  <a:pt x="0" y="848180"/>
-                  <a:pt x="0" y="639790"/>
-                </a:cubicBezTo>
-                <a:lnTo>
-                  <a:pt x="0" y="362083"/>
-                </a:lnTo>
-                <a:cubicBezTo>
-                  <a:pt x="0" y="257888"/>
-                  <a:pt x="42234" y="163556"/>
-                  <a:pt x="110516" y="95275"/>
-                </a:cubicBezTo>
-                <a:close/>
-              </a:path>
-            </a:pathLst>
-          </a:custGeom>
-          <a:solidFill>
-            <a:schemeClr val="tx1">
-              <a:lumMod val="50000"/>
-              <a:lumOff val="50000"/>
-            </a:schemeClr>
-          </a:solidFill>
-          <a:ln>
-            <a:noFill/>
-          </a:ln>
-        </p:spPr>
-        <p:style>
-          <a:lnRef idx="2">
-            <a:schemeClr val="accent1">
-              <a:shade val="50000"/>
-            </a:schemeClr>
-          </a:lnRef>
-          <a:fillRef idx="1">
-            <a:schemeClr val="accent1"/>
-          </a:fillRef>
-          <a:effectRef idx="0">
-            <a:schemeClr val="accent1"/>
-          </a:effectRef>
-          <a:fontRef idx="minor">
-            <a:schemeClr val="lt1"/>
-          </a:fontRef>
-        </p:style>
-        <p:txBody>
-          <a:bodyPr wrap="square" rtlCol="0" anchor="ctr">
-            <a:noAutofit/>
-          </a:bodyPr>
-          <a:lstStyle/>
-          <a:p>
-            <a:pPr algn="ctr"/>
-            <a:endParaRPr lang="en-US" dirty="0">
-              <a:solidFill>
-                <a:srgbClr val="98A3AD"/>
-              </a:solidFill>
-            </a:endParaRPr>
-          </a:p>
-        </p:txBody>
-      </p:sp>
-      <p:sp>
-        <p:nvSpPr>
-          <p:cNvPr id="104" name="TextBox 103"/>
-          <p:cNvSpPr txBox="1"/>
-          <p:nvPr/>
-        </p:nvSpPr>
-        <p:spPr>
-          <a:xfrm>
-            <a:off x="11907454" y="6481180"/>
-            <a:ext cx="341760" cy="307777"/>
-          </a:xfrm>
-          <a:prstGeom prst="rect">
-            <a:avLst/>
-          </a:prstGeom>
-          <a:noFill/>
-        </p:spPr>
-        <p:txBody>
-          <a:bodyPr wrap="none" rtlCol="0">
-            <a:spAutoFit/>
-          </a:bodyPr>
-          <a:lstStyle/>
-          <a:p>
-            <a:r>
-              <a:rPr lang="en-US" sz="1400" b="1" dirty="0" smtClean="0">
-                <a:solidFill>
-                  <a:schemeClr val="bg1"/>
-                </a:solidFill>
-              </a:rPr>
-              <a:t>10</a:t>
-            </a:r>
-            <a:endParaRPr lang="en-US" sz="1400" b="1" dirty="0">
-              <a:solidFill>
-                <a:schemeClr val="bg1"/>
-              </a:solidFill>
-            </a:endParaRPr>
-          </a:p>
-        </p:txBody>
-      </p:sp>
-      <p:pic>
-        <p:nvPicPr>
-          <p:cNvPr id="49" name="Picture 48" descr="This is a logo that reads &quot;24Slides.&quot;">
-            <a:hlinkClick r:id="rId2"/>
-            <a:extLst>
-              <a:ext uri="{FF2B5EF4-FFF2-40B4-BE49-F238E27FC236}">
-                <a16:creationId xmlns:a16="http://schemas.microsoft.com/office/drawing/2014/main" id="{4252D655-5F2C-F447-B537-8C72930D0F51}"/>
-              </a:ext>
-            </a:extLst>
-          </p:cNvPr>
-          <p:cNvPicPr>
-            <a:picLocks noChangeAspect="1"/>
-          </p:cNvPicPr>
-          <p:nvPr/>
-        </p:nvPicPr>
-        <p:blipFill>
-          <a:blip r:embed="rId3"/>
-          <a:stretch>
-            <a:fillRect/>
-          </a:stretch>
-        </p:blipFill>
-        <p:spPr>
-          <a:xfrm>
-            <a:off x="463550" y="6209088"/>
-            <a:ext cx="1028700" cy="293902"/>
-          </a:xfrm>
-          <a:prstGeom prst="rect">
-            <a:avLst/>
-          </a:prstGeom>
-          <a:effectLst/>
-        </p:spPr>
-      </p:pic>
-      <p:sp>
-        <p:nvSpPr>
-          <p:cNvPr id="2" name="Title 1" hidden="1">
-            <a:extLst>
-              <a:ext uri="{FF2B5EF4-FFF2-40B4-BE49-F238E27FC236}">
-                <a16:creationId xmlns:a16="http://schemas.microsoft.com/office/drawing/2014/main" id="{9197F7D1-3F80-4C57-BE5E-6B2971CB1586}"/>
-              </a:ext>
-            </a:extLst>
-          </p:cNvPr>
-          <p:cNvSpPr>
-            <a:spLocks noGrp="1"/>
-          </p:cNvSpPr>
-          <p:nvPr>
-            <p:ph type="title"/>
-          </p:nvPr>
-        </p:nvSpPr>
-        <p:spPr/>
-        <p:txBody>
-          <a:bodyPr/>
-          <a:lstStyle/>
-          <a:p>
-            <a:r>
-              <a:rPr lang="en-US" dirty="0"/>
-              <a:t>Slide 12</a:t>
-            </a:r>
-          </a:p>
-        </p:txBody>
-      </p:sp>
-      <p:grpSp>
-        <p:nvGrpSpPr>
-          <p:cNvPr id="11" name="Group 10"/>
-          <p:cNvGrpSpPr/>
-          <p:nvPr/>
-        </p:nvGrpSpPr>
-        <p:grpSpPr>
-          <a:xfrm>
-            <a:off x="0" y="6026426"/>
-            <a:ext cx="3393881" cy="1008396"/>
-            <a:chOff x="9172284" y="5422460"/>
-            <a:chExt cx="3393881" cy="1008396"/>
-          </a:xfrm>
-        </p:grpSpPr>
-        <p:pic>
-          <p:nvPicPr>
-            <p:cNvPr id="12" name="Picture 11"/>
-            <p:cNvPicPr>
-              <a:picLocks noChangeAspect="1"/>
-            </p:cNvPicPr>
-            <p:nvPr/>
-          </p:nvPicPr>
-          <p:blipFill>
-            <a:blip r:embed="rId4" cstate="print">
-              <a:extLst>
-                <a:ext uri="{28A0092B-C50C-407E-A947-70E740481C1C}">
-                  <a14:useLocalDpi xmlns:a14="http://schemas.microsoft.com/office/drawing/2010/main" val="0"/>
-                </a:ext>
-              </a:extLst>
-            </a:blip>
-            <a:stretch>
-              <a:fillRect/>
-            </a:stretch>
-          </p:blipFill>
-          <p:spPr>
-            <a:xfrm>
-              <a:off x="9172284" y="5422460"/>
-              <a:ext cx="738894" cy="738894"/>
-            </a:xfrm>
-            <a:prstGeom prst="rect">
-              <a:avLst/>
-            </a:prstGeom>
-          </p:spPr>
-        </p:pic>
-        <p:sp>
-          <p:nvSpPr>
-            <p:cNvPr id="13" name="TextBox 12"/>
-            <p:cNvSpPr txBox="1"/>
-            <p:nvPr/>
-          </p:nvSpPr>
-          <p:spPr>
-            <a:xfrm>
-              <a:off x="9727715" y="5599859"/>
-              <a:ext cx="2838450" cy="830997"/>
-            </a:xfrm>
-            <a:prstGeom prst="rect">
-              <a:avLst/>
-            </a:prstGeom>
-            <a:noFill/>
-          </p:spPr>
-          <p:txBody>
-            <a:bodyPr wrap="square" rtlCol="0">
-              <a:spAutoFit/>
-            </a:bodyPr>
-            <a:lstStyle/>
-            <a:p>
-              <a:r>
-                <a:rPr lang="en-US" sz="4800" b="1" dirty="0" smtClean="0">
-                  <a:solidFill>
-                    <a:srgbClr val="005588"/>
-                  </a:solidFill>
-                  <a:latin typeface="Javanese Text" panose="02000000000000000000" pitchFamily="2" charset="0"/>
-                </a:rPr>
-                <a:t>Train</a:t>
-              </a:r>
-              <a:endParaRPr lang="en-US" sz="4800" b="1" dirty="0">
-                <a:solidFill>
-                  <a:srgbClr val="005588"/>
-                </a:solidFill>
-                <a:latin typeface="Javanese Text" panose="02000000000000000000" pitchFamily="2" charset="0"/>
-              </a:endParaRPr>
-            </a:p>
-          </p:txBody>
-        </p:sp>
-      </p:grpSp>
-      <p:sp>
-        <p:nvSpPr>
-          <p:cNvPr id="3" name="Rounded Rectangle 2"/>
-          <p:cNvSpPr/>
-          <p:nvPr/>
-        </p:nvSpPr>
-        <p:spPr>
-          <a:xfrm>
-            <a:off x="0" y="1"/>
-            <a:ext cx="12192000" cy="1333500"/>
-          </a:xfrm>
-          <a:prstGeom prst="roundRect">
-            <a:avLst/>
-          </a:prstGeom>
-        </p:spPr>
-        <p:style>
-          <a:lnRef idx="2">
-            <a:schemeClr val="accent1">
-              <a:shade val="50000"/>
-            </a:schemeClr>
-          </a:lnRef>
-          <a:fillRef idx="1">
-            <a:schemeClr val="accent1"/>
-          </a:fillRef>
-          <a:effectRef idx="0">
-            <a:schemeClr val="accent1"/>
-          </a:effectRef>
-          <a:fontRef idx="minor">
-            <a:schemeClr val="lt1"/>
-          </a:fontRef>
-        </p:style>
-        <p:txBody>
-          <a:bodyPr rtlCol="0" anchor="ctr"/>
-          <a:lstStyle/>
-          <a:p>
-            <a:pPr algn="ctr"/>
-            <a:r>
-              <a:rPr lang="en-US" sz="3600" b="1" dirty="0" smtClean="0"/>
-              <a:t>Alerts and Progress Bars</a:t>
-            </a:r>
-            <a:endParaRPr lang="en-US" sz="3600" b="1" dirty="0" smtClean="0"/>
-          </a:p>
-        </p:txBody>
-      </p:sp>
-      <p:sp>
-        <p:nvSpPr>
-          <p:cNvPr id="20" name="TextBox 19">
-            <a:extLst>
-              <a:ext uri="{FF2B5EF4-FFF2-40B4-BE49-F238E27FC236}">
-                <a16:creationId xmlns:a16="http://schemas.microsoft.com/office/drawing/2014/main" id="{231E4B19-2C3A-884A-919A-326B2A2F1BA8}"/>
-              </a:ext>
-            </a:extLst>
-          </p:cNvPr>
-          <p:cNvSpPr txBox="1"/>
-          <p:nvPr/>
-        </p:nvSpPr>
-        <p:spPr>
-          <a:xfrm>
-            <a:off x="806012" y="1783860"/>
-            <a:ext cx="10579975" cy="3323987"/>
-          </a:xfrm>
-          <a:prstGeom prst="rect">
-            <a:avLst/>
-          </a:prstGeom>
-          <a:noFill/>
-          <a:ln>
-            <a:solidFill>
-              <a:schemeClr val="accent1"/>
-            </a:solidFill>
-          </a:ln>
-        </p:spPr>
-        <p:txBody>
-          <a:bodyPr wrap="square" lIns="0" tIns="0" rIns="0" bIns="0" rtlCol="0">
-            <a:spAutoFit/>
-          </a:bodyPr>
-          <a:lstStyle/>
-          <a:p>
-            <a:pPr marL="285750" indent="-285750">
-              <a:buFont typeface="Arial" panose="020B0604020202020204" pitchFamily="34" charset="0"/>
-              <a:buChar char="•"/>
-            </a:pPr>
-            <a:r>
-              <a:rPr lang="en-US" dirty="0"/>
-              <a:t>alert-primary</a:t>
-            </a:r>
-          </a:p>
-          <a:p>
-            <a:pPr marL="285750" indent="-285750">
-              <a:buFont typeface="Arial" panose="020B0604020202020204" pitchFamily="34" charset="0"/>
-              <a:buChar char="•"/>
-            </a:pPr>
-            <a:r>
-              <a:rPr lang="en-US" dirty="0"/>
-              <a:t>alert-secondary</a:t>
-            </a:r>
-          </a:p>
-          <a:p>
-            <a:pPr marL="285750" indent="-285750">
-              <a:buFont typeface="Arial" panose="020B0604020202020204" pitchFamily="34" charset="0"/>
-              <a:buChar char="•"/>
-            </a:pPr>
-            <a:r>
-              <a:rPr lang="en-US" dirty="0"/>
-              <a:t>alert-success</a:t>
-            </a:r>
-          </a:p>
-          <a:p>
-            <a:pPr marL="285750" indent="-285750">
-              <a:buFont typeface="Arial" panose="020B0604020202020204" pitchFamily="34" charset="0"/>
-              <a:buChar char="•"/>
-            </a:pPr>
-            <a:r>
-              <a:rPr lang="en-US" dirty="0"/>
-              <a:t>alert-info</a:t>
-            </a:r>
-          </a:p>
-          <a:p>
-            <a:pPr marL="285750" indent="-285750">
-              <a:buFont typeface="Arial" panose="020B0604020202020204" pitchFamily="34" charset="0"/>
-              <a:buChar char="•"/>
-            </a:pPr>
-            <a:r>
-              <a:rPr lang="en-US" dirty="0"/>
-              <a:t>alert-warning</a:t>
-            </a:r>
-          </a:p>
-          <a:p>
-            <a:pPr marL="285750" indent="-285750">
-              <a:buFont typeface="Arial" panose="020B0604020202020204" pitchFamily="34" charset="0"/>
-              <a:buChar char="•"/>
-            </a:pPr>
-            <a:r>
-              <a:rPr lang="en-US" dirty="0"/>
-              <a:t>alert-danger</a:t>
-            </a:r>
-          </a:p>
-          <a:p>
-            <a:pPr marL="285750" indent="-285750">
-              <a:buFont typeface="Arial" panose="020B0604020202020204" pitchFamily="34" charset="0"/>
-              <a:buChar char="•"/>
-            </a:pPr>
-            <a:r>
-              <a:rPr lang="en-US" dirty="0"/>
-              <a:t>alert-light</a:t>
-            </a:r>
-          </a:p>
-          <a:p>
-            <a:pPr marL="285750" indent="-285750">
-              <a:buFont typeface="Arial" panose="020B0604020202020204" pitchFamily="34" charset="0"/>
-              <a:buChar char="•"/>
-            </a:pPr>
-            <a:r>
-              <a:rPr lang="en-US" dirty="0"/>
-              <a:t>alert-dark</a:t>
-            </a:r>
-          </a:p>
-          <a:p>
-            <a:pPr marL="285750" indent="-285750">
-              <a:buFont typeface="Arial" panose="020B0604020202020204" pitchFamily="34" charset="0"/>
-              <a:buChar char="•"/>
-            </a:pPr>
-            <a:r>
-              <a:rPr lang="en-US" dirty="0" smtClean="0"/>
-              <a:t>alert-white</a:t>
-            </a:r>
-          </a:p>
-          <a:p>
-            <a:pPr marL="285750" indent="-285750">
-              <a:buFont typeface="Arial" panose="020B0604020202020204" pitchFamily="34" charset="0"/>
-              <a:buChar char="•"/>
-            </a:pPr>
-            <a:endParaRPr lang="en-US" dirty="0"/>
-          </a:p>
-          <a:p>
-            <a:pPr marL="285750" indent="-285750">
-              <a:buFont typeface="Arial" panose="020B0604020202020204" pitchFamily="34" charset="0"/>
-              <a:buChar char="•"/>
-            </a:pPr>
-            <a:r>
-              <a:rPr lang="en-US" dirty="0" smtClean="0"/>
-              <a:t>Progress &gt; progress-bar &gt; progress-bar-striped</a:t>
-            </a:r>
-            <a:endParaRPr lang="en-US" dirty="0"/>
-          </a:p>
-          <a:p>
-            <a:pPr marL="285750" indent="-285750">
-              <a:buFont typeface="Arial" panose="020B0604020202020204" pitchFamily="34" charset="0"/>
-              <a:buChar char="•"/>
-            </a:pPr>
-            <a:endParaRPr lang="en-US" dirty="0"/>
-          </a:p>
-        </p:txBody>
-      </p:sp>
-      <p:sp>
-        <p:nvSpPr>
-          <p:cNvPr id="4" name="Rectangle 3"/>
-          <p:cNvSpPr/>
-          <p:nvPr/>
-        </p:nvSpPr>
-        <p:spPr>
-          <a:xfrm>
-            <a:off x="4104372" y="6296514"/>
-            <a:ext cx="4487190" cy="369332"/>
-          </a:xfrm>
-          <a:prstGeom prst="rect">
-            <a:avLst/>
-          </a:prstGeom>
-        </p:spPr>
-        <p:txBody>
-          <a:bodyPr wrap="none">
-            <a:spAutoFit/>
-          </a:bodyPr>
-          <a:lstStyle/>
-          <a:p>
-            <a:r>
-              <a:rPr lang="en-US" dirty="0">
-                <a:hlinkClick r:id="rId5"/>
-              </a:rPr>
-              <a:t>https://www.w3schools.com/css/css_float.asp</a:t>
-            </a:r>
-            <a:endParaRPr lang="en-US" dirty="0"/>
-          </a:p>
-        </p:txBody>
-      </p:sp>
-    </p:spTree>
-    <p:extLst>
-      <p:ext uri="{BB962C8B-B14F-4D97-AF65-F5344CB8AC3E}">
-        <p14:creationId xmlns:p14="http://schemas.microsoft.com/office/powerpoint/2010/main" val="1288602818"/>
-      </p:ext>
-    </p:extLst>
-  </p:cSld>
-  <p:clrMapOvr>
-    <a:masterClrMapping/>
-  </p:clrMapOvr>
-  <p:timing>
-    <p:tnLst>
-      <p:par>
-        <p:cTn id="1" dur="indefinite" restart="never" nodeType="tmRoot"/>
-      </p:par>
-    </p:tnLst>
-  </p:timing>
-</p:sld>
-</file>
-
-<file path=ppt/slides/slide17.xml><?xml version="1.0" encoding="utf-8"?>
-<p:sld xmlns:a="http://schemas.openxmlformats.org/drawingml/2006/main" xmlns:r="http://schemas.openxmlformats.org/officeDocument/2006/relationships" xmlns:p="http://schemas.openxmlformats.org/presentationml/2006/main">
-  <p:cSld>
-    <p:spTree>
-      <p:nvGrpSpPr>
-        <p:cNvPr id="1" name=""/>
-        <p:cNvGrpSpPr/>
-        <p:nvPr/>
-      </p:nvGrpSpPr>
-      <p:grpSpPr>
-        <a:xfrm>
-          <a:off x="0" y="0"/>
-          <a:ext cx="0" cy="0"/>
-          <a:chOff x="0" y="0"/>
-          <a:chExt cx="0" cy="0"/>
-        </a:xfrm>
-      </p:grpSpPr>
-      <p:sp>
-        <p:nvSpPr>
-          <p:cNvPr id="103" name="Freeform 102">
-            <a:extLst>
-              <a:ext uri="{C183D7F6-B498-43B3-948B-1728B52AA6E4}">
-                <adec:decorative xmlns="" xmlns:adec="http://schemas.microsoft.com/office/drawing/2017/decorative" val="1"/>
-              </a:ext>
-            </a:extLst>
-          </p:cNvPr>
-          <p:cNvSpPr/>
-          <p:nvPr/>
-        </p:nvSpPr>
-        <p:spPr>
-          <a:xfrm rot="2700000">
-            <a:off x="11788943" y="6333474"/>
-            <a:ext cx="527486" cy="603188"/>
-          </a:xfrm>
-          <a:custGeom>
-            <a:avLst/>
-            <a:gdLst>
-              <a:gd name="connsiteX0" fmla="*/ 110516 w 889463"/>
-              <a:gd name="connsiteY0" fmla="*/ 95275 h 1017114"/>
-              <a:gd name="connsiteX1" fmla="*/ 230452 w 889463"/>
-              <a:gd name="connsiteY1" fmla="*/ 14411 h 1017114"/>
-              <a:gd name="connsiteX2" fmla="*/ 276877 w 889463"/>
-              <a:gd name="connsiteY2" fmla="*/ 0 h 1017114"/>
-              <a:gd name="connsiteX3" fmla="*/ 889463 w 889463"/>
-              <a:gd name="connsiteY3" fmla="*/ 612585 h 1017114"/>
-              <a:gd name="connsiteX4" fmla="*/ 484934 w 889463"/>
-              <a:gd name="connsiteY4" fmla="*/ 1017114 h 1017114"/>
-              <a:gd name="connsiteX5" fmla="*/ 377324 w 889463"/>
-              <a:gd name="connsiteY5" fmla="*/ 1017114 h 1017114"/>
-              <a:gd name="connsiteX6" fmla="*/ 0 w 889463"/>
-              <a:gd name="connsiteY6" fmla="*/ 639790 h 1017114"/>
-              <a:gd name="connsiteX7" fmla="*/ 0 w 889463"/>
-              <a:gd name="connsiteY7" fmla="*/ 362083 h 1017114"/>
-              <a:gd name="connsiteX8" fmla="*/ 110516 w 889463"/>
-              <a:gd name="connsiteY8" fmla="*/ 95275 h 1017114"/>
-            </a:gdLst>
-            <a:ahLst/>
-            <a:cxnLst>
-              <a:cxn ang="0">
-                <a:pos x="connsiteX0" y="connsiteY0"/>
-              </a:cxn>
-              <a:cxn ang="0">
-                <a:pos x="connsiteX1" y="connsiteY1"/>
-              </a:cxn>
-              <a:cxn ang="0">
-                <a:pos x="connsiteX2" y="connsiteY2"/>
-              </a:cxn>
-              <a:cxn ang="0">
-                <a:pos x="connsiteX3" y="connsiteY3"/>
-              </a:cxn>
-              <a:cxn ang="0">
-                <a:pos x="connsiteX4" y="connsiteY4"/>
-              </a:cxn>
-              <a:cxn ang="0">
-                <a:pos x="connsiteX5" y="connsiteY5"/>
-              </a:cxn>
-              <a:cxn ang="0">
-                <a:pos x="connsiteX6" y="connsiteY6"/>
-              </a:cxn>
-              <a:cxn ang="0">
-                <a:pos x="connsiteX7" y="connsiteY7"/>
-              </a:cxn>
-              <a:cxn ang="0">
-                <a:pos x="connsiteX8" y="connsiteY8"/>
-              </a:cxn>
-            </a:cxnLst>
-            <a:rect l="l" t="t" r="r" b="b"/>
-            <a:pathLst>
-              <a:path w="889463" h="1017114">
-                <a:moveTo>
-                  <a:pt x="110516" y="95275"/>
-                </a:moveTo>
-                <a:cubicBezTo>
-                  <a:pt x="144657" y="61133"/>
-                  <a:pt x="185310" y="33504"/>
-                  <a:pt x="230452" y="14411"/>
-                </a:cubicBezTo>
-                <a:lnTo>
-                  <a:pt x="276877" y="0"/>
-                </a:lnTo>
-                <a:lnTo>
-                  <a:pt x="889463" y="612585"/>
-                </a:lnTo>
-                <a:lnTo>
-                  <a:pt x="484934" y="1017114"/>
-                </a:lnTo>
-                <a:lnTo>
-                  <a:pt x="377324" y="1017114"/>
-                </a:lnTo>
-                <a:cubicBezTo>
-                  <a:pt x="168934" y="1017114"/>
-                  <a:pt x="0" y="848180"/>
-                  <a:pt x="0" y="639790"/>
-                </a:cubicBezTo>
-                <a:lnTo>
-                  <a:pt x="0" y="362083"/>
-                </a:lnTo>
-                <a:cubicBezTo>
-                  <a:pt x="0" y="257888"/>
-                  <a:pt x="42234" y="163556"/>
-                  <a:pt x="110516" y="95275"/>
-                </a:cubicBezTo>
-                <a:close/>
-              </a:path>
-            </a:pathLst>
-          </a:custGeom>
-          <a:solidFill>
-            <a:schemeClr val="tx1">
-              <a:lumMod val="50000"/>
-              <a:lumOff val="50000"/>
-            </a:schemeClr>
-          </a:solidFill>
-          <a:ln>
-            <a:noFill/>
-          </a:ln>
-        </p:spPr>
-        <p:style>
-          <a:lnRef idx="2">
-            <a:schemeClr val="accent1">
-              <a:shade val="50000"/>
-            </a:schemeClr>
-          </a:lnRef>
-          <a:fillRef idx="1">
-            <a:schemeClr val="accent1"/>
-          </a:fillRef>
-          <a:effectRef idx="0">
-            <a:schemeClr val="accent1"/>
-          </a:effectRef>
-          <a:fontRef idx="minor">
-            <a:schemeClr val="lt1"/>
-          </a:fontRef>
-        </p:style>
-        <p:txBody>
-          <a:bodyPr wrap="square" rtlCol="0" anchor="ctr">
-            <a:noAutofit/>
-          </a:bodyPr>
-          <a:lstStyle/>
-          <a:p>
-            <a:pPr algn="ctr"/>
-            <a:endParaRPr lang="en-US" dirty="0">
-              <a:solidFill>
-                <a:srgbClr val="98A3AD"/>
-              </a:solidFill>
-            </a:endParaRPr>
-          </a:p>
-        </p:txBody>
-      </p:sp>
-      <p:sp>
-        <p:nvSpPr>
-          <p:cNvPr id="104" name="TextBox 103"/>
-          <p:cNvSpPr txBox="1"/>
-          <p:nvPr/>
-        </p:nvSpPr>
-        <p:spPr>
-          <a:xfrm>
-            <a:off x="11907454" y="6481180"/>
-            <a:ext cx="341760" cy="307777"/>
-          </a:xfrm>
-          <a:prstGeom prst="rect">
-            <a:avLst/>
-          </a:prstGeom>
-          <a:noFill/>
-        </p:spPr>
-        <p:txBody>
-          <a:bodyPr wrap="none" rtlCol="0">
-            <a:spAutoFit/>
-          </a:bodyPr>
-          <a:lstStyle/>
-          <a:p>
-            <a:r>
-              <a:rPr lang="en-US" sz="1400" b="1" dirty="0" smtClean="0">
-                <a:solidFill>
-                  <a:schemeClr val="bg1"/>
-                </a:solidFill>
-              </a:rPr>
-              <a:t>10</a:t>
-            </a:r>
-            <a:endParaRPr lang="en-US" sz="1400" b="1" dirty="0">
-              <a:solidFill>
-                <a:schemeClr val="bg1"/>
-              </a:solidFill>
-            </a:endParaRPr>
-          </a:p>
-        </p:txBody>
-      </p:sp>
-      <p:pic>
-        <p:nvPicPr>
-          <p:cNvPr id="49" name="Picture 48" descr="This is a logo that reads &quot;24Slides.&quot;">
-            <a:hlinkClick r:id="rId2"/>
-            <a:extLst>
-              <a:ext uri="{FF2B5EF4-FFF2-40B4-BE49-F238E27FC236}">
-                <a16:creationId xmlns:a16="http://schemas.microsoft.com/office/drawing/2014/main" id="{4252D655-5F2C-F447-B537-8C72930D0F51}"/>
-              </a:ext>
-            </a:extLst>
-          </p:cNvPr>
-          <p:cNvPicPr>
-            <a:picLocks noChangeAspect="1"/>
-          </p:cNvPicPr>
-          <p:nvPr/>
-        </p:nvPicPr>
-        <p:blipFill>
-          <a:blip r:embed="rId3"/>
-          <a:stretch>
-            <a:fillRect/>
-          </a:stretch>
-        </p:blipFill>
-        <p:spPr>
-          <a:xfrm>
-            <a:off x="463550" y="6209088"/>
-            <a:ext cx="1028700" cy="293902"/>
-          </a:xfrm>
-          <a:prstGeom prst="rect">
-            <a:avLst/>
-          </a:prstGeom>
-          <a:effectLst/>
-        </p:spPr>
-      </p:pic>
-      <p:sp>
-        <p:nvSpPr>
-          <p:cNvPr id="2" name="Title 1" hidden="1">
-            <a:extLst>
-              <a:ext uri="{FF2B5EF4-FFF2-40B4-BE49-F238E27FC236}">
-                <a16:creationId xmlns:a16="http://schemas.microsoft.com/office/drawing/2014/main" id="{9197F7D1-3F80-4C57-BE5E-6B2971CB1586}"/>
-              </a:ext>
-            </a:extLst>
-          </p:cNvPr>
-          <p:cNvSpPr>
-            <a:spLocks noGrp="1"/>
-          </p:cNvSpPr>
-          <p:nvPr>
-            <p:ph type="title"/>
-          </p:nvPr>
-        </p:nvSpPr>
-        <p:spPr/>
-        <p:txBody>
-          <a:bodyPr/>
-          <a:lstStyle/>
-          <a:p>
-            <a:r>
-              <a:rPr lang="en-US" dirty="0"/>
-              <a:t>Slide 12</a:t>
-            </a:r>
-          </a:p>
-        </p:txBody>
-      </p:sp>
-      <p:grpSp>
-        <p:nvGrpSpPr>
-          <p:cNvPr id="11" name="Group 10"/>
-          <p:cNvGrpSpPr/>
-          <p:nvPr/>
-        </p:nvGrpSpPr>
-        <p:grpSpPr>
-          <a:xfrm>
-            <a:off x="0" y="6026426"/>
-            <a:ext cx="3393881" cy="1008396"/>
-            <a:chOff x="9172284" y="5422460"/>
-            <a:chExt cx="3393881" cy="1008396"/>
-          </a:xfrm>
-        </p:grpSpPr>
-        <p:pic>
-          <p:nvPicPr>
-            <p:cNvPr id="12" name="Picture 11"/>
-            <p:cNvPicPr>
-              <a:picLocks noChangeAspect="1"/>
-            </p:cNvPicPr>
-            <p:nvPr/>
-          </p:nvPicPr>
-          <p:blipFill>
-            <a:blip r:embed="rId4" cstate="print">
-              <a:extLst>
-                <a:ext uri="{28A0092B-C50C-407E-A947-70E740481C1C}">
-                  <a14:useLocalDpi xmlns:a14="http://schemas.microsoft.com/office/drawing/2010/main" val="0"/>
-                </a:ext>
-              </a:extLst>
-            </a:blip>
-            <a:stretch>
-              <a:fillRect/>
-            </a:stretch>
-          </p:blipFill>
-          <p:spPr>
-            <a:xfrm>
-              <a:off x="9172284" y="5422460"/>
-              <a:ext cx="738894" cy="738894"/>
-            </a:xfrm>
-            <a:prstGeom prst="rect">
-              <a:avLst/>
-            </a:prstGeom>
-          </p:spPr>
-        </p:pic>
-        <p:sp>
-          <p:nvSpPr>
-            <p:cNvPr id="13" name="TextBox 12"/>
-            <p:cNvSpPr txBox="1"/>
-            <p:nvPr/>
-          </p:nvSpPr>
-          <p:spPr>
-            <a:xfrm>
-              <a:off x="9727715" y="5599859"/>
-              <a:ext cx="2838450" cy="830997"/>
-            </a:xfrm>
-            <a:prstGeom prst="rect">
-              <a:avLst/>
-            </a:prstGeom>
-            <a:noFill/>
-          </p:spPr>
-          <p:txBody>
-            <a:bodyPr wrap="square" rtlCol="0">
-              <a:spAutoFit/>
-            </a:bodyPr>
-            <a:lstStyle/>
-            <a:p>
-              <a:r>
-                <a:rPr lang="en-US" sz="4800" b="1" dirty="0" smtClean="0">
-                  <a:solidFill>
-                    <a:srgbClr val="005588"/>
-                  </a:solidFill>
-                  <a:latin typeface="Javanese Text" panose="02000000000000000000" pitchFamily="2" charset="0"/>
-                </a:rPr>
-                <a:t>Train</a:t>
-              </a:r>
-              <a:endParaRPr lang="en-US" sz="4800" b="1" dirty="0">
-                <a:solidFill>
-                  <a:srgbClr val="005588"/>
-                </a:solidFill>
-                <a:latin typeface="Javanese Text" panose="02000000000000000000" pitchFamily="2" charset="0"/>
-              </a:endParaRPr>
-            </a:p>
-          </p:txBody>
-        </p:sp>
-      </p:grpSp>
-      <p:sp>
-        <p:nvSpPr>
-          <p:cNvPr id="3" name="Rounded Rectangle 2"/>
-          <p:cNvSpPr/>
-          <p:nvPr/>
-        </p:nvSpPr>
-        <p:spPr>
-          <a:xfrm>
-            <a:off x="0" y="1"/>
-            <a:ext cx="12192000" cy="1333500"/>
-          </a:xfrm>
-          <a:prstGeom prst="roundRect">
-            <a:avLst/>
-          </a:prstGeom>
-        </p:spPr>
-        <p:style>
-          <a:lnRef idx="2">
-            <a:schemeClr val="accent1">
-              <a:shade val="50000"/>
-            </a:schemeClr>
-          </a:lnRef>
-          <a:fillRef idx="1">
-            <a:schemeClr val="accent1"/>
-          </a:fillRef>
-          <a:effectRef idx="0">
-            <a:schemeClr val="accent1"/>
-          </a:effectRef>
-          <a:fontRef idx="minor">
-            <a:schemeClr val="lt1"/>
-          </a:fontRef>
-        </p:style>
-        <p:txBody>
-          <a:bodyPr rtlCol="0" anchor="ctr"/>
-          <a:lstStyle/>
-          <a:p>
-            <a:pPr algn="ctr"/>
-            <a:r>
-              <a:rPr lang="en-US" sz="3600" b="1" dirty="0" smtClean="0"/>
-              <a:t>Tables</a:t>
-            </a:r>
-            <a:endParaRPr lang="en-US" sz="3600" b="1" dirty="0" smtClean="0"/>
-          </a:p>
-        </p:txBody>
-      </p:sp>
-      <p:sp>
-        <p:nvSpPr>
-          <p:cNvPr id="20" name="TextBox 19">
-            <a:extLst>
-              <a:ext uri="{FF2B5EF4-FFF2-40B4-BE49-F238E27FC236}">
-                <a16:creationId xmlns:a16="http://schemas.microsoft.com/office/drawing/2014/main" id="{231E4B19-2C3A-884A-919A-326B2A2F1BA8}"/>
-              </a:ext>
-            </a:extLst>
-          </p:cNvPr>
-          <p:cNvSpPr txBox="1"/>
-          <p:nvPr/>
-        </p:nvSpPr>
-        <p:spPr>
-          <a:xfrm>
-            <a:off x="806012" y="1783860"/>
-            <a:ext cx="10579975" cy="2246769"/>
-          </a:xfrm>
-          <a:prstGeom prst="rect">
-            <a:avLst/>
-          </a:prstGeom>
-          <a:noFill/>
-          <a:ln>
-            <a:solidFill>
-              <a:schemeClr val="accent1"/>
-            </a:solidFill>
-          </a:ln>
-        </p:spPr>
-        <p:txBody>
-          <a:bodyPr wrap="square" lIns="0" tIns="0" rIns="0" bIns="0" rtlCol="0">
-            <a:spAutoFit/>
-          </a:bodyPr>
-          <a:lstStyle/>
-          <a:p>
-            <a:pPr marL="285750" indent="-285750">
-              <a:buFont typeface="Arial" panose="020B0604020202020204" pitchFamily="34" charset="0"/>
-              <a:buChar char="•"/>
-            </a:pPr>
-            <a:r>
-              <a:rPr lang="en-US" dirty="0" smtClean="0"/>
-              <a:t>table</a:t>
-            </a:r>
-          </a:p>
-          <a:p>
-            <a:pPr marL="285750" indent="-285750">
-              <a:buFont typeface="Arial" panose="020B0604020202020204" pitchFamily="34" charset="0"/>
-              <a:buChar char="•"/>
-            </a:pPr>
-            <a:r>
-              <a:rPr lang="en-US" dirty="0" smtClean="0"/>
-              <a:t>table-striped</a:t>
-            </a:r>
-          </a:p>
-          <a:p>
-            <a:pPr marL="285750" indent="-285750">
-              <a:buFont typeface="Arial" panose="020B0604020202020204" pitchFamily="34" charset="0"/>
-              <a:buChar char="•"/>
-            </a:pPr>
-            <a:r>
-              <a:rPr lang="en-US" dirty="0" smtClean="0"/>
-              <a:t>table-bordered</a:t>
-            </a:r>
-          </a:p>
-          <a:p>
-            <a:pPr marL="285750" indent="-285750">
-              <a:buFont typeface="Arial" panose="020B0604020202020204" pitchFamily="34" charset="0"/>
-              <a:buChar char="•"/>
-            </a:pPr>
-            <a:r>
-              <a:rPr lang="en-US" dirty="0" smtClean="0"/>
-              <a:t>table-hover</a:t>
-            </a:r>
-          </a:p>
-          <a:p>
-            <a:pPr marL="285750" indent="-285750">
-              <a:buFont typeface="Arial" panose="020B0604020202020204" pitchFamily="34" charset="0"/>
-              <a:buChar char="•"/>
-            </a:pPr>
-            <a:endParaRPr lang="en-US" dirty="0"/>
-          </a:p>
-          <a:p>
-            <a:pPr marL="285750" indent="-285750">
-              <a:buFont typeface="Arial" panose="020B0604020202020204" pitchFamily="34" charset="0"/>
-              <a:buChar char="•"/>
-            </a:pPr>
-            <a:endParaRPr lang="en-US" dirty="0" smtClean="0"/>
-          </a:p>
-          <a:p>
-            <a:pPr marL="285750" indent="-285750">
-              <a:buFont typeface="Arial" panose="020B0604020202020204" pitchFamily="34" charset="0"/>
-              <a:buChar char="•"/>
-            </a:pPr>
-            <a:r>
-              <a:rPr lang="en-US" dirty="0" smtClean="0"/>
-              <a:t>Card &gt; card-header, card-body &gt; card-title, card-text, card-footer</a:t>
-            </a:r>
-          </a:p>
-          <a:p>
-            <a:pPr marL="342900" indent="-342900">
-              <a:buFont typeface="Arial" panose="020B0604020202020204" pitchFamily="34" charset="0"/>
-              <a:buChar char="•"/>
-            </a:pPr>
-            <a:endParaRPr lang="en-US" altLang="en-US" sz="2000" dirty="0"/>
-          </a:p>
-        </p:txBody>
-      </p:sp>
-      <p:sp>
-        <p:nvSpPr>
-          <p:cNvPr id="4" name="Rectangle 3"/>
-          <p:cNvSpPr/>
-          <p:nvPr/>
-        </p:nvSpPr>
-        <p:spPr>
-          <a:xfrm>
-            <a:off x="4104372" y="6296514"/>
-            <a:ext cx="4487190" cy="369332"/>
-          </a:xfrm>
-          <a:prstGeom prst="rect">
-            <a:avLst/>
-          </a:prstGeom>
-        </p:spPr>
-        <p:txBody>
-          <a:bodyPr wrap="none">
-            <a:spAutoFit/>
-          </a:bodyPr>
-          <a:lstStyle/>
-          <a:p>
-            <a:r>
-              <a:rPr lang="en-US" dirty="0">
-                <a:hlinkClick r:id="rId5"/>
-              </a:rPr>
-              <a:t>https://www.w3schools.com/css/css_float.asp</a:t>
-            </a:r>
-            <a:endParaRPr lang="en-US" dirty="0"/>
-          </a:p>
-        </p:txBody>
-      </p:sp>
-    </p:spTree>
-    <p:extLst>
-      <p:ext uri="{BB962C8B-B14F-4D97-AF65-F5344CB8AC3E}">
-        <p14:creationId xmlns:p14="http://schemas.microsoft.com/office/powerpoint/2010/main" val="570507964"/>
-      </p:ext>
-    </p:extLst>
-  </p:cSld>
-  <p:clrMapOvr>
-    <a:masterClrMapping/>
-  </p:clrMapOvr>
-  <p:timing>
-    <p:tnLst>
-      <p:par>
-        <p:cTn id="1" dur="indefinite" restart="never" nodeType="tmRoot"/>
-      </p:par>
-    </p:tnLst>
-  </p:timing>
-</p:sld>
-</file>
-
-<file path=ppt/slides/slide18.xml><?xml version="1.0" encoding="utf-8"?>
+<file path=ppt/slides/slide19.xml><?xml version="1.0" encoding="utf-8"?>
 <p:sld xmlns:a="http://schemas.openxmlformats.org/drawingml/2006/main" xmlns:r="http://schemas.openxmlformats.org/officeDocument/2006/relationships" xmlns:p="http://schemas.openxmlformats.org/presentationml/2006/main">
   <p:cSld>
     <p:spTree>
@@ -9048,7 +8732,7 @@
           <p:cNvPr id="6" name="Picture 5">
             <a:extLst>
               <a:ext uri="{C183D7F6-B498-43B3-948B-1728B52AA6E4}">
-                <adec:decorative xmlns="" xmlns:adec="http://schemas.microsoft.com/office/drawing/2017/decorative" val="1"/>
+                <adec:decorative xmlns:adec="http://schemas.microsoft.com/office/drawing/2017/decorative" xmlns="" val="1"/>
               </a:ext>
             </a:extLst>
           </p:cNvPr>
@@ -9128,7 +8812,7 @@
           <p:cNvPr id="5" name="Rectangle 4">
             <a:extLst>
               <a:ext uri="{C183D7F6-B498-43B3-948B-1728B52AA6E4}">
-                <adec:decorative xmlns="" xmlns:adec="http://schemas.microsoft.com/office/drawing/2017/decorative" val="1"/>
+                <adec:decorative xmlns:adec="http://schemas.microsoft.com/office/drawing/2017/decorative" xmlns="" val="1"/>
               </a:ext>
             </a:extLst>
           </p:cNvPr>
@@ -9193,7 +8877,7 @@
           <p:cNvPr id="21" name="Group 20">
             <a:extLst>
               <a:ext uri="{C183D7F6-B498-43B3-948B-1728B52AA6E4}">
-                <adec:decorative xmlns="" xmlns:adec="http://schemas.microsoft.com/office/drawing/2017/decorative" val="1"/>
+                <adec:decorative xmlns:adec="http://schemas.microsoft.com/office/drawing/2017/decorative" xmlns="" val="1"/>
               </a:ext>
             </a:extLst>
           </p:cNvPr>
@@ -9310,7 +8994,7 @@
           <p:cNvPr id="16" name="Oval 15">
             <a:extLst>
               <a:ext uri="{C183D7F6-B498-43B3-948B-1728B52AA6E4}">
-                <adec:decorative xmlns="" xmlns:adec="http://schemas.microsoft.com/office/drawing/2017/decorative" val="1"/>
+                <adec:decorative xmlns:adec="http://schemas.microsoft.com/office/drawing/2017/decorative" xmlns="" val="1"/>
               </a:ext>
             </a:extLst>
           </p:cNvPr>
@@ -9368,7 +9052,7 @@
           <p:cNvPr id="19" name="Oval 18">
             <a:extLst>
               <a:ext uri="{C183D7F6-B498-43B3-948B-1728B52AA6E4}">
-                <adec:decorative xmlns="" xmlns:adec="http://schemas.microsoft.com/office/drawing/2017/decorative" val="1"/>
+                <adec:decorative xmlns:adec="http://schemas.microsoft.com/office/drawing/2017/decorative" xmlns="" val="1"/>
               </a:ext>
             </a:extLst>
           </p:cNvPr>
@@ -9646,6 +9330,29 @@
           </a:p>
         </p:txBody>
       </p:sp>
+      <p:sp>
+        <p:nvSpPr>
+          <p:cNvPr id="4" name="Slide Number Placeholder 3"/>
+          <p:cNvSpPr>
+            <a:spLocks noGrp="1"/>
+          </p:cNvSpPr>
+          <p:nvPr>
+            <p:ph type="sldNum" sz="quarter" idx="12"/>
+          </p:nvPr>
+        </p:nvSpPr>
+        <p:spPr/>
+        <p:txBody>
+          <a:bodyPr/>
+          <a:lstStyle/>
+          <a:p>
+            <a:fld id="{A428E537-E56B-49CA-B596-52598082FBE8}" type="slidenum">
+              <a:rPr lang="en-US" smtClean="0"/>
+              <a:t>19</a:t>
+            </a:fld>
+            <a:endParaRPr lang="en-US" dirty="0"/>
+          </a:p>
+        </p:txBody>
+      </p:sp>
     </p:spTree>
     <p:extLst>
       <p:ext uri="{BB962C8B-B14F-4D97-AF65-F5344CB8AC3E}">
@@ -9710,16 +9417,7 @@
                 </a:solidFill>
                 <a:latin typeface="+mj-lt"/>
               </a:rPr>
-              <a:t>What is </a:t>
-            </a:r>
-            <a:r>
-              <a:rPr lang="en-US" sz="3200" b="1" dirty="0" smtClean="0">
-                <a:solidFill>
-                  <a:srgbClr val="30353F"/>
-                </a:solidFill>
-                <a:latin typeface="+mj-lt"/>
-              </a:rPr>
-              <a:t>Bootstrap?</a:t>
+              <a:t>What is Bootstrap?</a:t>
             </a:r>
             <a:endParaRPr lang="en-US" sz="3200" b="1" dirty="0">
               <a:solidFill>
@@ -9735,7 +9433,7 @@
           <p:cNvPr id="155" name="Rectangle 154">
             <a:extLst>
               <a:ext uri="{C183D7F6-B498-43B3-948B-1728B52AA6E4}">
-                <adec:decorative xmlns="" xmlns:adec="http://schemas.microsoft.com/office/drawing/2017/decorative" val="1"/>
+                <adec:decorative xmlns:adec="http://schemas.microsoft.com/office/drawing/2017/decorative" xmlns="" val="1"/>
               </a:ext>
             </a:extLst>
           </p:cNvPr>
@@ -9789,7 +9487,7 @@
           <p:cNvPr id="1029" name="Rectangle 1028">
             <a:extLst>
               <a:ext uri="{C183D7F6-B498-43B3-948B-1728B52AA6E4}">
-                <adec:decorative xmlns="" xmlns:adec="http://schemas.microsoft.com/office/drawing/2017/decorative" val="1"/>
+                <adec:decorative xmlns:adec="http://schemas.microsoft.com/office/drawing/2017/decorative" xmlns="" val="1"/>
               </a:ext>
             </a:extLst>
           </p:cNvPr>
@@ -9843,7 +9541,7 @@
           <p:cNvPr id="139" name="Rectangle 138">
             <a:extLst>
               <a:ext uri="{C183D7F6-B498-43B3-948B-1728B52AA6E4}">
-                <adec:decorative xmlns="" xmlns:adec="http://schemas.microsoft.com/office/drawing/2017/decorative" val="1"/>
+                <adec:decorative xmlns:adec="http://schemas.microsoft.com/office/drawing/2017/decorative" xmlns="" val="1"/>
               </a:ext>
             </a:extLst>
           </p:cNvPr>
@@ -9897,7 +9595,7 @@
           <p:cNvPr id="140" name="Rectangle 139">
             <a:extLst>
               <a:ext uri="{C183D7F6-B498-43B3-948B-1728B52AA6E4}">
-                <adec:decorative xmlns="" xmlns:adec="http://schemas.microsoft.com/office/drawing/2017/decorative" val="1"/>
+                <adec:decorative xmlns:adec="http://schemas.microsoft.com/office/drawing/2017/decorative" xmlns="" val="1"/>
               </a:ext>
             </a:extLst>
           </p:cNvPr>
@@ -10777,159 +10475,6 @@
       </p:grpSp>
       <p:sp>
         <p:nvSpPr>
-          <p:cNvPr id="30" name="Freeform 19">
-            <a:extLst>
-              <a:ext uri="{FF2B5EF4-FFF2-40B4-BE49-F238E27FC236}">
-                <a16:creationId xmlns:a16="http://schemas.microsoft.com/office/drawing/2014/main" id="{189E3C56-F900-44E7-BF74-7509E4A585C5}"/>
-              </a:ext>
-              <a:ext uri="{C183D7F6-B498-43B3-948B-1728B52AA6E4}">
-                <adec:decorative xmlns="" xmlns:adec="http://schemas.microsoft.com/office/drawing/2017/decorative" val="1"/>
-              </a:ext>
-            </a:extLst>
-          </p:cNvPr>
-          <p:cNvSpPr/>
-          <p:nvPr/>
-        </p:nvSpPr>
-        <p:spPr>
-          <a:xfrm rot="2700000">
-            <a:off x="11788943" y="6333474"/>
-            <a:ext cx="527486" cy="603188"/>
-          </a:xfrm>
-          <a:custGeom>
-            <a:avLst/>
-            <a:gdLst>
-              <a:gd name="connsiteX0" fmla="*/ 110516 w 889463"/>
-              <a:gd name="connsiteY0" fmla="*/ 95275 h 1017114"/>
-              <a:gd name="connsiteX1" fmla="*/ 230452 w 889463"/>
-              <a:gd name="connsiteY1" fmla="*/ 14411 h 1017114"/>
-              <a:gd name="connsiteX2" fmla="*/ 276877 w 889463"/>
-              <a:gd name="connsiteY2" fmla="*/ 0 h 1017114"/>
-              <a:gd name="connsiteX3" fmla="*/ 889463 w 889463"/>
-              <a:gd name="connsiteY3" fmla="*/ 612585 h 1017114"/>
-              <a:gd name="connsiteX4" fmla="*/ 484934 w 889463"/>
-              <a:gd name="connsiteY4" fmla="*/ 1017114 h 1017114"/>
-              <a:gd name="connsiteX5" fmla="*/ 377324 w 889463"/>
-              <a:gd name="connsiteY5" fmla="*/ 1017114 h 1017114"/>
-              <a:gd name="connsiteX6" fmla="*/ 0 w 889463"/>
-              <a:gd name="connsiteY6" fmla="*/ 639790 h 1017114"/>
-              <a:gd name="connsiteX7" fmla="*/ 0 w 889463"/>
-              <a:gd name="connsiteY7" fmla="*/ 362083 h 1017114"/>
-              <a:gd name="connsiteX8" fmla="*/ 110516 w 889463"/>
-              <a:gd name="connsiteY8" fmla="*/ 95275 h 1017114"/>
-            </a:gdLst>
-            <a:ahLst/>
-            <a:cxnLst>
-              <a:cxn ang="0">
-                <a:pos x="connsiteX0" y="connsiteY0"/>
-              </a:cxn>
-              <a:cxn ang="0">
-                <a:pos x="connsiteX1" y="connsiteY1"/>
-              </a:cxn>
-              <a:cxn ang="0">
-                <a:pos x="connsiteX2" y="connsiteY2"/>
-              </a:cxn>
-              <a:cxn ang="0">
-                <a:pos x="connsiteX3" y="connsiteY3"/>
-              </a:cxn>
-              <a:cxn ang="0">
-                <a:pos x="connsiteX4" y="connsiteY4"/>
-              </a:cxn>
-              <a:cxn ang="0">
-                <a:pos x="connsiteX5" y="connsiteY5"/>
-              </a:cxn>
-              <a:cxn ang="0">
-                <a:pos x="connsiteX6" y="connsiteY6"/>
-              </a:cxn>
-              <a:cxn ang="0">
-                <a:pos x="connsiteX7" y="connsiteY7"/>
-              </a:cxn>
-              <a:cxn ang="0">
-                <a:pos x="connsiteX8" y="connsiteY8"/>
-              </a:cxn>
-            </a:cxnLst>
-            <a:rect l="l" t="t" r="r" b="b"/>
-            <a:pathLst>
-              <a:path w="889463" h="1017114">
-                <a:moveTo>
-                  <a:pt x="110516" y="95275"/>
-                </a:moveTo>
-                <a:cubicBezTo>
-                  <a:pt x="144657" y="61133"/>
-                  <a:pt x="185310" y="33504"/>
-                  <a:pt x="230452" y="14411"/>
-                </a:cubicBezTo>
-                <a:lnTo>
-                  <a:pt x="276877" y="0"/>
-                </a:lnTo>
-                <a:lnTo>
-                  <a:pt x="889463" y="612585"/>
-                </a:lnTo>
-                <a:lnTo>
-                  <a:pt x="484934" y="1017114"/>
-                </a:lnTo>
-                <a:lnTo>
-                  <a:pt x="377324" y="1017114"/>
-                </a:lnTo>
-                <a:cubicBezTo>
-                  <a:pt x="168934" y="1017114"/>
-                  <a:pt x="0" y="848180"/>
-                  <a:pt x="0" y="639790"/>
-                </a:cubicBezTo>
-                <a:lnTo>
-                  <a:pt x="0" y="362083"/>
-                </a:lnTo>
-                <a:cubicBezTo>
-                  <a:pt x="0" y="257888"/>
-                  <a:pt x="42234" y="163556"/>
-                  <a:pt x="110516" y="95275"/>
-                </a:cubicBezTo>
-                <a:close/>
-              </a:path>
-            </a:pathLst>
-          </a:custGeom>
-          <a:solidFill>
-            <a:schemeClr val="tx1">
-              <a:lumMod val="50000"/>
-              <a:lumOff val="50000"/>
-            </a:schemeClr>
-          </a:solidFill>
-          <a:ln>
-            <a:noFill/>
-          </a:ln>
-        </p:spPr>
-        <p:style>
-          <a:lnRef idx="2">
-            <a:schemeClr val="accent1">
-              <a:shade val="50000"/>
-            </a:schemeClr>
-          </a:lnRef>
-          <a:fillRef idx="1">
-            <a:schemeClr val="accent1"/>
-          </a:fillRef>
-          <a:effectRef idx="0">
-            <a:schemeClr val="accent1"/>
-          </a:effectRef>
-          <a:fontRef idx="minor">
-            <a:schemeClr val="lt1"/>
-          </a:fontRef>
-        </p:style>
-        <p:txBody>
-          <a:bodyPr wrap="square" rtlCol="0" anchor="ctr">
-            <a:noAutofit/>
-          </a:bodyPr>
-          <a:lstStyle/>
-          <a:p>
-            <a:pPr algn="ctr"/>
-            <a:endParaRPr lang="en-US" dirty="0">
-              <a:solidFill>
-                <a:srgbClr val="98A3AD"/>
-              </a:solidFill>
-            </a:endParaRPr>
-          </a:p>
-        </p:txBody>
-      </p:sp>
-      <p:sp>
-        <p:nvSpPr>
           <p:cNvPr id="33" name="TextBox 32">
             <a:extLst>
               <a:ext uri="{FF2B5EF4-FFF2-40B4-BE49-F238E27FC236}">
@@ -11072,7 +10617,6 @@
               <a:rPr lang="en-US" dirty="0"/>
               <a:t>contains CSS- and JavaScript-based design templates for typography, forms, buttons, navigation and other interface components</a:t>
             </a:r>
-            <a:endParaRPr lang="en-US" dirty="0"/>
           </a:p>
         </p:txBody>
       </p:sp>
@@ -11298,6 +10842,29 @@
           </a:extLst>
         </p:spPr>
       </p:pic>
+      <p:sp>
+        <p:nvSpPr>
+          <p:cNvPr id="7" name="Slide Number Placeholder 6"/>
+          <p:cNvSpPr>
+            <a:spLocks noGrp="1"/>
+          </p:cNvSpPr>
+          <p:nvPr>
+            <p:ph type="sldNum" sz="quarter" idx="12"/>
+          </p:nvPr>
+        </p:nvSpPr>
+        <p:spPr/>
+        <p:txBody>
+          <a:bodyPr/>
+          <a:lstStyle/>
+          <a:p>
+            <a:fld id="{A428E537-E56B-49CA-B596-52598082FBE8}" type="slidenum">
+              <a:rPr lang="en-US" smtClean="0"/>
+              <a:t>2</a:t>
+            </a:fld>
+            <a:endParaRPr lang="en-US" dirty="0"/>
+          </a:p>
+        </p:txBody>
+      </p:sp>
     </p:spTree>
     <p:extLst>
       <p:ext uri="{BB962C8B-B14F-4D97-AF65-F5344CB8AC3E}">
@@ -11337,193 +10904,10 @@
       </p:grpSpPr>
       <p:sp>
         <p:nvSpPr>
-          <p:cNvPr id="20" name="Freeform 19">
-            <a:extLst>
-              <a:ext uri="{C183D7F6-B498-43B3-948B-1728B52AA6E4}">
-                <adec:decorative xmlns="" xmlns:adec="http://schemas.microsoft.com/office/drawing/2017/decorative" val="1"/>
-              </a:ext>
-            </a:extLst>
-          </p:cNvPr>
-          <p:cNvSpPr/>
-          <p:nvPr/>
-        </p:nvSpPr>
-        <p:spPr>
-          <a:xfrm rot="2700000">
-            <a:off x="11788943" y="6333474"/>
-            <a:ext cx="527486" cy="603188"/>
-          </a:xfrm>
-          <a:custGeom>
-            <a:avLst/>
-            <a:gdLst>
-              <a:gd name="connsiteX0" fmla="*/ 110516 w 889463"/>
-              <a:gd name="connsiteY0" fmla="*/ 95275 h 1017114"/>
-              <a:gd name="connsiteX1" fmla="*/ 230452 w 889463"/>
-              <a:gd name="connsiteY1" fmla="*/ 14411 h 1017114"/>
-              <a:gd name="connsiteX2" fmla="*/ 276877 w 889463"/>
-              <a:gd name="connsiteY2" fmla="*/ 0 h 1017114"/>
-              <a:gd name="connsiteX3" fmla="*/ 889463 w 889463"/>
-              <a:gd name="connsiteY3" fmla="*/ 612585 h 1017114"/>
-              <a:gd name="connsiteX4" fmla="*/ 484934 w 889463"/>
-              <a:gd name="connsiteY4" fmla="*/ 1017114 h 1017114"/>
-              <a:gd name="connsiteX5" fmla="*/ 377324 w 889463"/>
-              <a:gd name="connsiteY5" fmla="*/ 1017114 h 1017114"/>
-              <a:gd name="connsiteX6" fmla="*/ 0 w 889463"/>
-              <a:gd name="connsiteY6" fmla="*/ 639790 h 1017114"/>
-              <a:gd name="connsiteX7" fmla="*/ 0 w 889463"/>
-              <a:gd name="connsiteY7" fmla="*/ 362083 h 1017114"/>
-              <a:gd name="connsiteX8" fmla="*/ 110516 w 889463"/>
-              <a:gd name="connsiteY8" fmla="*/ 95275 h 1017114"/>
-            </a:gdLst>
-            <a:ahLst/>
-            <a:cxnLst>
-              <a:cxn ang="0">
-                <a:pos x="connsiteX0" y="connsiteY0"/>
-              </a:cxn>
-              <a:cxn ang="0">
-                <a:pos x="connsiteX1" y="connsiteY1"/>
-              </a:cxn>
-              <a:cxn ang="0">
-                <a:pos x="connsiteX2" y="connsiteY2"/>
-              </a:cxn>
-              <a:cxn ang="0">
-                <a:pos x="connsiteX3" y="connsiteY3"/>
-              </a:cxn>
-              <a:cxn ang="0">
-                <a:pos x="connsiteX4" y="connsiteY4"/>
-              </a:cxn>
-              <a:cxn ang="0">
-                <a:pos x="connsiteX5" y="connsiteY5"/>
-              </a:cxn>
-              <a:cxn ang="0">
-                <a:pos x="connsiteX6" y="connsiteY6"/>
-              </a:cxn>
-              <a:cxn ang="0">
-                <a:pos x="connsiteX7" y="connsiteY7"/>
-              </a:cxn>
-              <a:cxn ang="0">
-                <a:pos x="connsiteX8" y="connsiteY8"/>
-              </a:cxn>
-            </a:cxnLst>
-            <a:rect l="l" t="t" r="r" b="b"/>
-            <a:pathLst>
-              <a:path w="889463" h="1017114">
-                <a:moveTo>
-                  <a:pt x="110516" y="95275"/>
-                </a:moveTo>
-                <a:cubicBezTo>
-                  <a:pt x="144657" y="61133"/>
-                  <a:pt x="185310" y="33504"/>
-                  <a:pt x="230452" y="14411"/>
-                </a:cubicBezTo>
-                <a:lnTo>
-                  <a:pt x="276877" y="0"/>
-                </a:lnTo>
-                <a:lnTo>
-                  <a:pt x="889463" y="612585"/>
-                </a:lnTo>
-                <a:lnTo>
-                  <a:pt x="484934" y="1017114"/>
-                </a:lnTo>
-                <a:lnTo>
-                  <a:pt x="377324" y="1017114"/>
-                </a:lnTo>
-                <a:cubicBezTo>
-                  <a:pt x="168934" y="1017114"/>
-                  <a:pt x="0" y="848180"/>
-                  <a:pt x="0" y="639790"/>
-                </a:cubicBezTo>
-                <a:lnTo>
-                  <a:pt x="0" y="362083"/>
-                </a:lnTo>
-                <a:cubicBezTo>
-                  <a:pt x="0" y="257888"/>
-                  <a:pt x="42234" y="163556"/>
-                  <a:pt x="110516" y="95275"/>
-                </a:cubicBezTo>
-                <a:close/>
-              </a:path>
-            </a:pathLst>
-          </a:custGeom>
-          <a:solidFill>
-            <a:schemeClr val="tx1">
-              <a:lumMod val="50000"/>
-              <a:lumOff val="50000"/>
-            </a:schemeClr>
-          </a:solidFill>
-          <a:ln>
-            <a:noFill/>
-          </a:ln>
-        </p:spPr>
-        <p:style>
-          <a:lnRef idx="2">
-            <a:schemeClr val="accent1">
-              <a:shade val="50000"/>
-            </a:schemeClr>
-          </a:lnRef>
-          <a:fillRef idx="1">
-            <a:schemeClr val="accent1"/>
-          </a:fillRef>
-          <a:effectRef idx="0">
-            <a:schemeClr val="accent1"/>
-          </a:effectRef>
-          <a:fontRef idx="minor">
-            <a:schemeClr val="lt1"/>
-          </a:fontRef>
-        </p:style>
-        <p:txBody>
-          <a:bodyPr wrap="square" rtlCol="0" anchor="ctr">
-            <a:noAutofit/>
-          </a:bodyPr>
-          <a:lstStyle/>
-          <a:p>
-            <a:pPr algn="ctr"/>
-            <a:endParaRPr lang="en-US" dirty="0">
-              <a:solidFill>
-                <a:srgbClr val="98A3AD"/>
-              </a:solidFill>
-            </a:endParaRPr>
-          </a:p>
-        </p:txBody>
-      </p:sp>
-      <p:sp>
-        <p:nvSpPr>
-          <p:cNvPr id="21" name="TextBox 20"/>
-          <p:cNvSpPr txBox="1"/>
-          <p:nvPr/>
-        </p:nvSpPr>
-        <p:spPr>
-          <a:xfrm>
-            <a:off x="11907454" y="6481180"/>
-            <a:ext cx="290464" cy="307777"/>
-          </a:xfrm>
-          <a:prstGeom prst="rect">
-            <a:avLst/>
-          </a:prstGeom>
-          <a:noFill/>
-        </p:spPr>
-        <p:txBody>
-          <a:bodyPr wrap="none" rtlCol="0">
-            <a:spAutoFit/>
-          </a:bodyPr>
-          <a:lstStyle/>
-          <a:p>
-            <a:r>
-              <a:rPr lang="en-US" sz="1400" b="1" dirty="0">
-                <a:solidFill>
-                  <a:schemeClr val="bg1"/>
-                </a:solidFill>
-              </a:rPr>
-              <a:t>3</a:t>
-            </a:r>
-          </a:p>
-        </p:txBody>
-      </p:sp>
-      <p:sp>
-        <p:nvSpPr>
           <p:cNvPr id="182" name="Rectangle 181">
             <a:extLst>
               <a:ext uri="{C183D7F6-B498-43B3-948B-1728B52AA6E4}">
-                <adec:decorative xmlns="" xmlns:adec="http://schemas.microsoft.com/office/drawing/2017/decorative" val="1"/>
+                <adec:decorative xmlns:adec="http://schemas.microsoft.com/office/drawing/2017/decorative" xmlns="" val="1"/>
               </a:ext>
             </a:extLst>
           </p:cNvPr>
@@ -11575,7 +10959,7 @@
           <p:cNvPr id="183" name="Rectangle 182">
             <a:extLst>
               <a:ext uri="{C183D7F6-B498-43B3-948B-1728B52AA6E4}">
-                <adec:decorative xmlns="" xmlns:adec="http://schemas.microsoft.com/office/drawing/2017/decorative" val="1"/>
+                <adec:decorative xmlns:adec="http://schemas.microsoft.com/office/drawing/2017/decorative" xmlns="" val="1"/>
               </a:ext>
             </a:extLst>
           </p:cNvPr>
@@ -11627,7 +11011,7 @@
           <p:cNvPr id="184" name="Rectangle 183">
             <a:extLst>
               <a:ext uri="{C183D7F6-B498-43B3-948B-1728B52AA6E4}">
-                <adec:decorative xmlns="" xmlns:adec="http://schemas.microsoft.com/office/drawing/2017/decorative" val="1"/>
+                <adec:decorative xmlns:adec="http://schemas.microsoft.com/office/drawing/2017/decorative" xmlns="" val="1"/>
               </a:ext>
             </a:extLst>
           </p:cNvPr>
@@ -11679,7 +11063,7 @@
           <p:cNvPr id="177" name="Rectangle 176">
             <a:extLst>
               <a:ext uri="{C183D7F6-B498-43B3-948B-1728B52AA6E4}">
-                <adec:decorative xmlns="" xmlns:adec="http://schemas.microsoft.com/office/drawing/2017/decorative" val="1"/>
+                <adec:decorative xmlns:adec="http://schemas.microsoft.com/office/drawing/2017/decorative" xmlns="" val="1"/>
               </a:ext>
             </a:extLst>
           </p:cNvPr>
@@ -12031,11 +11415,6 @@
               </a:rPr>
               <a:t>script&gt;</a:t>
             </a:r>
-            <a:endParaRPr lang="en-US" sz="1600" dirty="0">
-              <a:solidFill>
-                <a:schemeClr val="tx1"/>
-              </a:solidFill>
-            </a:endParaRPr>
           </a:p>
         </p:txBody>
       </p:sp>
@@ -12081,12 +11460,6 @@
               </a:rPr>
               <a:t>Scripts to be added</a:t>
             </a:r>
-            <a:endParaRPr lang="en-US" sz="3200" b="1" dirty="0" smtClean="0">
-              <a:solidFill>
-                <a:srgbClr val="30353F"/>
-              </a:solidFill>
-              <a:latin typeface="+mj-lt"/>
-            </a:endParaRPr>
           </a:p>
         </p:txBody>
       </p:sp>
@@ -12244,6 +11617,29 @@
           </a:extLst>
         </p:spPr>
       </p:pic>
+      <p:sp>
+        <p:nvSpPr>
+          <p:cNvPr id="2" name="Slide Number Placeholder 1"/>
+          <p:cNvSpPr>
+            <a:spLocks noGrp="1"/>
+          </p:cNvSpPr>
+          <p:nvPr>
+            <p:ph type="sldNum" sz="quarter" idx="12"/>
+          </p:nvPr>
+        </p:nvSpPr>
+        <p:spPr/>
+        <p:txBody>
+          <a:bodyPr/>
+          <a:lstStyle/>
+          <a:p>
+            <a:fld id="{A428E537-E56B-49CA-B596-52598082FBE8}" type="slidenum">
+              <a:rPr lang="en-US" smtClean="0"/>
+              <a:t>3</a:t>
+            </a:fld>
+            <a:endParaRPr lang="en-US" dirty="0"/>
+          </a:p>
+        </p:txBody>
+      </p:sp>
     </p:spTree>
     <p:extLst>
       <p:ext uri="{BB962C8B-B14F-4D97-AF65-F5344CB8AC3E}">
@@ -12281,156 +11677,6 @@
           <a:chExt cx="0" cy="0"/>
         </a:xfrm>
       </p:grpSpPr>
-      <p:sp>
-        <p:nvSpPr>
-          <p:cNvPr id="38" name="Freeform 37">
-            <a:extLst>
-              <a:ext uri="{C183D7F6-B498-43B3-948B-1728B52AA6E4}">
-                <adec:decorative xmlns="" xmlns:adec="http://schemas.microsoft.com/office/drawing/2017/decorative" val="1"/>
-              </a:ext>
-            </a:extLst>
-          </p:cNvPr>
-          <p:cNvSpPr/>
-          <p:nvPr/>
-        </p:nvSpPr>
-        <p:spPr>
-          <a:xfrm rot="2700000">
-            <a:off x="11788943" y="6333474"/>
-            <a:ext cx="527486" cy="603188"/>
-          </a:xfrm>
-          <a:custGeom>
-            <a:avLst/>
-            <a:gdLst>
-              <a:gd name="connsiteX0" fmla="*/ 110516 w 889463"/>
-              <a:gd name="connsiteY0" fmla="*/ 95275 h 1017114"/>
-              <a:gd name="connsiteX1" fmla="*/ 230452 w 889463"/>
-              <a:gd name="connsiteY1" fmla="*/ 14411 h 1017114"/>
-              <a:gd name="connsiteX2" fmla="*/ 276877 w 889463"/>
-              <a:gd name="connsiteY2" fmla="*/ 0 h 1017114"/>
-              <a:gd name="connsiteX3" fmla="*/ 889463 w 889463"/>
-              <a:gd name="connsiteY3" fmla="*/ 612585 h 1017114"/>
-              <a:gd name="connsiteX4" fmla="*/ 484934 w 889463"/>
-              <a:gd name="connsiteY4" fmla="*/ 1017114 h 1017114"/>
-              <a:gd name="connsiteX5" fmla="*/ 377324 w 889463"/>
-              <a:gd name="connsiteY5" fmla="*/ 1017114 h 1017114"/>
-              <a:gd name="connsiteX6" fmla="*/ 0 w 889463"/>
-              <a:gd name="connsiteY6" fmla="*/ 639790 h 1017114"/>
-              <a:gd name="connsiteX7" fmla="*/ 0 w 889463"/>
-              <a:gd name="connsiteY7" fmla="*/ 362083 h 1017114"/>
-              <a:gd name="connsiteX8" fmla="*/ 110516 w 889463"/>
-              <a:gd name="connsiteY8" fmla="*/ 95275 h 1017114"/>
-            </a:gdLst>
-            <a:ahLst/>
-            <a:cxnLst>
-              <a:cxn ang="0">
-                <a:pos x="connsiteX0" y="connsiteY0"/>
-              </a:cxn>
-              <a:cxn ang="0">
-                <a:pos x="connsiteX1" y="connsiteY1"/>
-              </a:cxn>
-              <a:cxn ang="0">
-                <a:pos x="connsiteX2" y="connsiteY2"/>
-              </a:cxn>
-              <a:cxn ang="0">
-                <a:pos x="connsiteX3" y="connsiteY3"/>
-              </a:cxn>
-              <a:cxn ang="0">
-                <a:pos x="connsiteX4" y="connsiteY4"/>
-              </a:cxn>
-              <a:cxn ang="0">
-                <a:pos x="connsiteX5" y="connsiteY5"/>
-              </a:cxn>
-              <a:cxn ang="0">
-                <a:pos x="connsiteX6" y="connsiteY6"/>
-              </a:cxn>
-              <a:cxn ang="0">
-                <a:pos x="connsiteX7" y="connsiteY7"/>
-              </a:cxn>
-              <a:cxn ang="0">
-                <a:pos x="connsiteX8" y="connsiteY8"/>
-              </a:cxn>
-            </a:cxnLst>
-            <a:rect l="l" t="t" r="r" b="b"/>
-            <a:pathLst>
-              <a:path w="889463" h="1017114">
-                <a:moveTo>
-                  <a:pt x="110516" y="95275"/>
-                </a:moveTo>
-                <a:cubicBezTo>
-                  <a:pt x="144657" y="61133"/>
-                  <a:pt x="185310" y="33504"/>
-                  <a:pt x="230452" y="14411"/>
-                </a:cubicBezTo>
-                <a:lnTo>
-                  <a:pt x="276877" y="0"/>
-                </a:lnTo>
-                <a:lnTo>
-                  <a:pt x="889463" y="612585"/>
-                </a:lnTo>
-                <a:lnTo>
-                  <a:pt x="484934" y="1017114"/>
-                </a:lnTo>
-                <a:lnTo>
-                  <a:pt x="377324" y="1017114"/>
-                </a:lnTo>
-                <a:cubicBezTo>
-                  <a:pt x="168934" y="1017114"/>
-                  <a:pt x="0" y="848180"/>
-                  <a:pt x="0" y="639790"/>
-                </a:cubicBezTo>
-                <a:lnTo>
-                  <a:pt x="0" y="362083"/>
-                </a:lnTo>
-                <a:cubicBezTo>
-                  <a:pt x="0" y="257888"/>
-                  <a:pt x="42234" y="163556"/>
-                  <a:pt x="110516" y="95275"/>
-                </a:cubicBezTo>
-                <a:close/>
-              </a:path>
-            </a:pathLst>
-          </a:custGeom>
-          <a:solidFill>
-            <a:schemeClr val="tx1">
-              <a:lumMod val="50000"/>
-              <a:lumOff val="50000"/>
-            </a:schemeClr>
-          </a:solidFill>
-          <a:ln>
-            <a:noFill/>
-          </a:ln>
-        </p:spPr>
-        <p:style>
-          <a:lnRef idx="2">
-            <a:schemeClr val="accent1">
-              <a:shade val="50000"/>
-            </a:schemeClr>
-          </a:lnRef>
-          <a:fillRef idx="1">
-            <a:schemeClr val="accent1"/>
-          </a:fillRef>
-          <a:effectRef idx="0">
-            <a:schemeClr val="accent1"/>
-          </a:effectRef>
-          <a:fontRef idx="minor">
-            <a:schemeClr val="lt1"/>
-          </a:fontRef>
-        </p:style>
-        <p:txBody>
-          <a:bodyPr wrap="square" rtlCol="0" anchor="ctr">
-            <a:noAutofit/>
-          </a:bodyPr>
-          <a:lstStyle/>
-          <a:p>
-            <a:pPr algn="ctr"/>
-            <a:endParaRPr lang="en-US" dirty="0">
-              <a:solidFill>
-                <a:srgbClr val="98A3AD"/>
-              </a:solidFill>
-            </a:endParaRPr>
-          </a:p>
-        </p:txBody>
-      </p:sp>
       <p:sp>
         <p:nvSpPr>
           <p:cNvPr id="42" name="TextBox 41"/>
@@ -12658,7 +11904,7 @@
             <p:cNvPr id="96" name="Rectangle 95">
               <a:extLst>
                 <a:ext uri="{C183D7F6-B498-43B3-948B-1728B52AA6E4}">
-                  <adec:decorative xmlns="" xmlns:adec="http://schemas.microsoft.com/office/drawing/2017/decorative" val="1"/>
+                  <adec:decorative xmlns:adec="http://schemas.microsoft.com/office/drawing/2017/decorative" xmlns="" val="1"/>
                 </a:ext>
               </a:extLst>
             </p:cNvPr>
@@ -12719,7 +11965,7 @@
             <p:cNvPr id="78" name="Oval 77">
               <a:extLst>
                 <a:ext uri="{C183D7F6-B498-43B3-948B-1728B52AA6E4}">
-                  <adec:decorative xmlns="" xmlns:adec="http://schemas.microsoft.com/office/drawing/2017/decorative" val="1"/>
+                  <adec:decorative xmlns:adec="http://schemas.microsoft.com/office/drawing/2017/decorative" xmlns="" val="1"/>
                 </a:ext>
               </a:extLst>
             </p:cNvPr>
@@ -13884,7 +13130,7 @@
             <p:cNvPr id="97" name="Rectangle 96">
               <a:extLst>
                 <a:ext uri="{C183D7F6-B498-43B3-948B-1728B52AA6E4}">
-                  <adec:decorative xmlns="" xmlns:adec="http://schemas.microsoft.com/office/drawing/2017/decorative" val="1"/>
+                  <adec:decorative xmlns:adec="http://schemas.microsoft.com/office/drawing/2017/decorative" xmlns="" val="1"/>
                 </a:ext>
               </a:extLst>
             </p:cNvPr>
@@ -13945,7 +13191,7 @@
             <p:cNvPr id="86" name="Oval 85">
               <a:extLst>
                 <a:ext uri="{C183D7F6-B498-43B3-948B-1728B52AA6E4}">
-                  <adec:decorative xmlns="" xmlns:adec="http://schemas.microsoft.com/office/drawing/2017/decorative" val="1"/>
+                  <adec:decorative xmlns:adec="http://schemas.microsoft.com/office/drawing/2017/decorative" xmlns="" val="1"/>
                 </a:ext>
               </a:extLst>
             </p:cNvPr>
@@ -14592,7 +13838,7 @@
             <p:cNvPr id="98" name="Rectangle 97">
               <a:extLst>
                 <a:ext uri="{C183D7F6-B498-43B3-948B-1728B52AA6E4}">
-                  <adec:decorative xmlns="" xmlns:adec="http://schemas.microsoft.com/office/drawing/2017/decorative" val="1"/>
+                  <adec:decorative xmlns:adec="http://schemas.microsoft.com/office/drawing/2017/decorative" xmlns="" val="1"/>
                 </a:ext>
               </a:extLst>
             </p:cNvPr>
@@ -14653,7 +13899,7 @@
             <p:cNvPr id="85" name="Oval 84">
               <a:extLst>
                 <a:ext uri="{C183D7F6-B498-43B3-948B-1728B52AA6E4}">
-                  <adec:decorative xmlns="" xmlns:adec="http://schemas.microsoft.com/office/drawing/2017/decorative" val="1"/>
+                  <adec:decorative xmlns:adec="http://schemas.microsoft.com/office/drawing/2017/decorative" xmlns="" val="1"/>
                 </a:ext>
               </a:extLst>
             </p:cNvPr>
@@ -15767,15 +15013,7 @@
                     <a:schemeClr val="bg1"/>
                   </a:solidFill>
                 </a:rPr>
-                <a:t>     </a:t>
-              </a:r>
-              <a:r>
-                <a:rPr lang="en-US" sz="2800" b="1" dirty="0" smtClean="0">
-                  <a:solidFill>
-                    <a:schemeClr val="bg1"/>
-                  </a:solidFill>
-                </a:rPr>
-                <a:t>display</a:t>
+                <a:t>     display</a:t>
               </a:r>
               <a:endParaRPr lang="en-US" sz="2800" dirty="0">
                 <a:solidFill>
@@ -16052,6 +15290,29 @@
           </a:p>
         </p:txBody>
       </p:sp>
+      <p:sp>
+        <p:nvSpPr>
+          <p:cNvPr id="5" name="Slide Number Placeholder 4"/>
+          <p:cNvSpPr>
+            <a:spLocks noGrp="1"/>
+          </p:cNvSpPr>
+          <p:nvPr>
+            <p:ph type="sldNum" sz="quarter" idx="12"/>
+          </p:nvPr>
+        </p:nvSpPr>
+        <p:spPr/>
+        <p:txBody>
+          <a:bodyPr/>
+          <a:lstStyle/>
+          <a:p>
+            <a:fld id="{A428E537-E56B-49CA-B596-52598082FBE8}" type="slidenum">
+              <a:rPr lang="en-US" smtClean="0"/>
+              <a:t>4</a:t>
+            </a:fld>
+            <a:endParaRPr lang="en-US" dirty="0"/>
+          </a:p>
+        </p:txBody>
+      </p:sp>
     </p:spTree>
     <p:extLst>
       <p:ext uri="{BB962C8B-B14F-4D97-AF65-F5344CB8AC3E}">
@@ -16089,194 +15350,6 @@
           <a:chExt cx="0" cy="0"/>
         </a:xfrm>
       </p:grpSpPr>
-      <p:sp>
-        <p:nvSpPr>
-          <p:cNvPr id="103" name="Freeform 102">
-            <a:extLst>
-              <a:ext uri="{C183D7F6-B498-43B3-948B-1728B52AA6E4}">
-                <adec:decorative xmlns="" xmlns:adec="http://schemas.microsoft.com/office/drawing/2017/decorative" val="1"/>
-              </a:ext>
-            </a:extLst>
-          </p:cNvPr>
-          <p:cNvSpPr/>
-          <p:nvPr/>
-        </p:nvSpPr>
-        <p:spPr>
-          <a:xfrm rot="2700000">
-            <a:off x="11788943" y="6333474"/>
-            <a:ext cx="527486" cy="603188"/>
-          </a:xfrm>
-          <a:custGeom>
-            <a:avLst/>
-            <a:gdLst>
-              <a:gd name="connsiteX0" fmla="*/ 110516 w 889463"/>
-              <a:gd name="connsiteY0" fmla="*/ 95275 h 1017114"/>
-              <a:gd name="connsiteX1" fmla="*/ 230452 w 889463"/>
-              <a:gd name="connsiteY1" fmla="*/ 14411 h 1017114"/>
-              <a:gd name="connsiteX2" fmla="*/ 276877 w 889463"/>
-              <a:gd name="connsiteY2" fmla="*/ 0 h 1017114"/>
-              <a:gd name="connsiteX3" fmla="*/ 889463 w 889463"/>
-              <a:gd name="connsiteY3" fmla="*/ 612585 h 1017114"/>
-              <a:gd name="connsiteX4" fmla="*/ 484934 w 889463"/>
-              <a:gd name="connsiteY4" fmla="*/ 1017114 h 1017114"/>
-              <a:gd name="connsiteX5" fmla="*/ 377324 w 889463"/>
-              <a:gd name="connsiteY5" fmla="*/ 1017114 h 1017114"/>
-              <a:gd name="connsiteX6" fmla="*/ 0 w 889463"/>
-              <a:gd name="connsiteY6" fmla="*/ 639790 h 1017114"/>
-              <a:gd name="connsiteX7" fmla="*/ 0 w 889463"/>
-              <a:gd name="connsiteY7" fmla="*/ 362083 h 1017114"/>
-              <a:gd name="connsiteX8" fmla="*/ 110516 w 889463"/>
-              <a:gd name="connsiteY8" fmla="*/ 95275 h 1017114"/>
-            </a:gdLst>
-            <a:ahLst/>
-            <a:cxnLst>
-              <a:cxn ang="0">
-                <a:pos x="connsiteX0" y="connsiteY0"/>
-              </a:cxn>
-              <a:cxn ang="0">
-                <a:pos x="connsiteX1" y="connsiteY1"/>
-              </a:cxn>
-              <a:cxn ang="0">
-                <a:pos x="connsiteX2" y="connsiteY2"/>
-              </a:cxn>
-              <a:cxn ang="0">
-                <a:pos x="connsiteX3" y="connsiteY3"/>
-              </a:cxn>
-              <a:cxn ang="0">
-                <a:pos x="connsiteX4" y="connsiteY4"/>
-              </a:cxn>
-              <a:cxn ang="0">
-                <a:pos x="connsiteX5" y="connsiteY5"/>
-              </a:cxn>
-              <a:cxn ang="0">
-                <a:pos x="connsiteX6" y="connsiteY6"/>
-              </a:cxn>
-              <a:cxn ang="0">
-                <a:pos x="connsiteX7" y="connsiteY7"/>
-              </a:cxn>
-              <a:cxn ang="0">
-                <a:pos x="connsiteX8" y="connsiteY8"/>
-              </a:cxn>
-            </a:cxnLst>
-            <a:rect l="l" t="t" r="r" b="b"/>
-            <a:pathLst>
-              <a:path w="889463" h="1017114">
-                <a:moveTo>
-                  <a:pt x="110516" y="95275"/>
-                </a:moveTo>
-                <a:cubicBezTo>
-                  <a:pt x="144657" y="61133"/>
-                  <a:pt x="185310" y="33504"/>
-                  <a:pt x="230452" y="14411"/>
-                </a:cubicBezTo>
-                <a:lnTo>
-                  <a:pt x="276877" y="0"/>
-                </a:lnTo>
-                <a:lnTo>
-                  <a:pt x="889463" y="612585"/>
-                </a:lnTo>
-                <a:lnTo>
-                  <a:pt x="484934" y="1017114"/>
-                </a:lnTo>
-                <a:lnTo>
-                  <a:pt x="377324" y="1017114"/>
-                </a:lnTo>
-                <a:cubicBezTo>
-                  <a:pt x="168934" y="1017114"/>
-                  <a:pt x="0" y="848180"/>
-                  <a:pt x="0" y="639790"/>
-                </a:cubicBezTo>
-                <a:lnTo>
-                  <a:pt x="0" y="362083"/>
-                </a:lnTo>
-                <a:cubicBezTo>
-                  <a:pt x="0" y="257888"/>
-                  <a:pt x="42234" y="163556"/>
-                  <a:pt x="110516" y="95275"/>
-                </a:cubicBezTo>
-                <a:close/>
-              </a:path>
-            </a:pathLst>
-          </a:custGeom>
-          <a:solidFill>
-            <a:schemeClr val="tx1">
-              <a:lumMod val="50000"/>
-              <a:lumOff val="50000"/>
-            </a:schemeClr>
-          </a:solidFill>
-          <a:ln>
-            <a:noFill/>
-          </a:ln>
-        </p:spPr>
-        <p:style>
-          <a:lnRef idx="2">
-            <a:schemeClr val="accent1">
-              <a:shade val="50000"/>
-            </a:schemeClr>
-          </a:lnRef>
-          <a:fillRef idx="1">
-            <a:schemeClr val="accent1"/>
-          </a:fillRef>
-          <a:effectRef idx="0">
-            <a:schemeClr val="accent1"/>
-          </a:effectRef>
-          <a:fontRef idx="minor">
-            <a:schemeClr val="lt1"/>
-          </a:fontRef>
-        </p:style>
-        <p:txBody>
-          <a:bodyPr wrap="square" rtlCol="0" anchor="ctr">
-            <a:noAutofit/>
-          </a:bodyPr>
-          <a:lstStyle/>
-          <a:p>
-            <a:pPr algn="ctr"/>
-            <a:endParaRPr lang="en-US" dirty="0">
-              <a:solidFill>
-                <a:srgbClr val="98A3AD"/>
-              </a:solidFill>
-            </a:endParaRPr>
-          </a:p>
-        </p:txBody>
-      </p:sp>
-      <p:sp>
-        <p:nvSpPr>
-          <p:cNvPr id="104" name="TextBox 103"/>
-          <p:cNvSpPr txBox="1"/>
-          <p:nvPr/>
-        </p:nvSpPr>
-        <p:spPr>
-          <a:xfrm>
-            <a:off x="11907454" y="6481180"/>
-            <a:ext cx="341760" cy="307777"/>
-          </a:xfrm>
-          <a:prstGeom prst="rect">
-            <a:avLst/>
-          </a:prstGeom>
-          <a:noFill/>
-        </p:spPr>
-        <p:txBody>
-          <a:bodyPr wrap="none" rtlCol="0">
-            <a:spAutoFit/>
-          </a:bodyPr>
-          <a:lstStyle/>
-          <a:p>
-            <a:r>
-              <a:rPr lang="en-US" sz="1400" b="1" dirty="0" smtClean="0">
-                <a:solidFill>
-                  <a:schemeClr val="bg1"/>
-                </a:solidFill>
-              </a:rPr>
-              <a:t>10</a:t>
-            </a:r>
-            <a:endParaRPr lang="en-US" sz="1400" b="1" dirty="0">
-              <a:solidFill>
-                <a:schemeClr val="bg1"/>
-              </a:solidFill>
-            </a:endParaRPr>
-          </a:p>
-        </p:txBody>
-      </p:sp>
       <p:pic>
         <p:nvPicPr>
           <p:cNvPr id="49" name="Picture 48" descr="This is a logo that reads &quot;24Slides.&quot;">
@@ -16713,6 +15786,29 @@
           </a:p>
         </p:txBody>
       </p:sp>
+      <p:sp>
+        <p:nvSpPr>
+          <p:cNvPr id="5" name="Slide Number Placeholder 4"/>
+          <p:cNvSpPr>
+            <a:spLocks noGrp="1"/>
+          </p:cNvSpPr>
+          <p:nvPr>
+            <p:ph type="sldNum" sz="quarter" idx="12"/>
+          </p:nvPr>
+        </p:nvSpPr>
+        <p:spPr/>
+        <p:txBody>
+          <a:bodyPr/>
+          <a:lstStyle/>
+          <a:p>
+            <a:fld id="{A428E537-E56B-49CA-B596-52598082FBE8}" type="slidenum">
+              <a:rPr lang="en-US" smtClean="0"/>
+              <a:t>5</a:t>
+            </a:fld>
+            <a:endParaRPr lang="en-US" dirty="0"/>
+          </a:p>
+        </p:txBody>
+      </p:sp>
     </p:spTree>
     <p:extLst>
       <p:ext uri="{BB962C8B-B14F-4D97-AF65-F5344CB8AC3E}">
@@ -16750,156 +15846,6 @@
           <a:chExt cx="0" cy="0"/>
         </a:xfrm>
       </p:grpSpPr>
-      <p:sp>
-        <p:nvSpPr>
-          <p:cNvPr id="103" name="Freeform 102">
-            <a:extLst>
-              <a:ext uri="{C183D7F6-B498-43B3-948B-1728B52AA6E4}">
-                <adec:decorative xmlns="" xmlns:adec="http://schemas.microsoft.com/office/drawing/2017/decorative" val="1"/>
-              </a:ext>
-            </a:extLst>
-          </p:cNvPr>
-          <p:cNvSpPr/>
-          <p:nvPr/>
-        </p:nvSpPr>
-        <p:spPr>
-          <a:xfrm rot="2700000">
-            <a:off x="11788943" y="6333474"/>
-            <a:ext cx="527486" cy="603188"/>
-          </a:xfrm>
-          <a:custGeom>
-            <a:avLst/>
-            <a:gdLst>
-              <a:gd name="connsiteX0" fmla="*/ 110516 w 889463"/>
-              <a:gd name="connsiteY0" fmla="*/ 95275 h 1017114"/>
-              <a:gd name="connsiteX1" fmla="*/ 230452 w 889463"/>
-              <a:gd name="connsiteY1" fmla="*/ 14411 h 1017114"/>
-              <a:gd name="connsiteX2" fmla="*/ 276877 w 889463"/>
-              <a:gd name="connsiteY2" fmla="*/ 0 h 1017114"/>
-              <a:gd name="connsiteX3" fmla="*/ 889463 w 889463"/>
-              <a:gd name="connsiteY3" fmla="*/ 612585 h 1017114"/>
-              <a:gd name="connsiteX4" fmla="*/ 484934 w 889463"/>
-              <a:gd name="connsiteY4" fmla="*/ 1017114 h 1017114"/>
-              <a:gd name="connsiteX5" fmla="*/ 377324 w 889463"/>
-              <a:gd name="connsiteY5" fmla="*/ 1017114 h 1017114"/>
-              <a:gd name="connsiteX6" fmla="*/ 0 w 889463"/>
-              <a:gd name="connsiteY6" fmla="*/ 639790 h 1017114"/>
-              <a:gd name="connsiteX7" fmla="*/ 0 w 889463"/>
-              <a:gd name="connsiteY7" fmla="*/ 362083 h 1017114"/>
-              <a:gd name="connsiteX8" fmla="*/ 110516 w 889463"/>
-              <a:gd name="connsiteY8" fmla="*/ 95275 h 1017114"/>
-            </a:gdLst>
-            <a:ahLst/>
-            <a:cxnLst>
-              <a:cxn ang="0">
-                <a:pos x="connsiteX0" y="connsiteY0"/>
-              </a:cxn>
-              <a:cxn ang="0">
-                <a:pos x="connsiteX1" y="connsiteY1"/>
-              </a:cxn>
-              <a:cxn ang="0">
-                <a:pos x="connsiteX2" y="connsiteY2"/>
-              </a:cxn>
-              <a:cxn ang="0">
-                <a:pos x="connsiteX3" y="connsiteY3"/>
-              </a:cxn>
-              <a:cxn ang="0">
-                <a:pos x="connsiteX4" y="connsiteY4"/>
-              </a:cxn>
-              <a:cxn ang="0">
-                <a:pos x="connsiteX5" y="connsiteY5"/>
-              </a:cxn>
-              <a:cxn ang="0">
-                <a:pos x="connsiteX6" y="connsiteY6"/>
-              </a:cxn>
-              <a:cxn ang="0">
-                <a:pos x="connsiteX7" y="connsiteY7"/>
-              </a:cxn>
-              <a:cxn ang="0">
-                <a:pos x="connsiteX8" y="connsiteY8"/>
-              </a:cxn>
-            </a:cxnLst>
-            <a:rect l="l" t="t" r="r" b="b"/>
-            <a:pathLst>
-              <a:path w="889463" h="1017114">
-                <a:moveTo>
-                  <a:pt x="110516" y="95275"/>
-                </a:moveTo>
-                <a:cubicBezTo>
-                  <a:pt x="144657" y="61133"/>
-                  <a:pt x="185310" y="33504"/>
-                  <a:pt x="230452" y="14411"/>
-                </a:cubicBezTo>
-                <a:lnTo>
-                  <a:pt x="276877" y="0"/>
-                </a:lnTo>
-                <a:lnTo>
-                  <a:pt x="889463" y="612585"/>
-                </a:lnTo>
-                <a:lnTo>
-                  <a:pt x="484934" y="1017114"/>
-                </a:lnTo>
-                <a:lnTo>
-                  <a:pt x="377324" y="1017114"/>
-                </a:lnTo>
-                <a:cubicBezTo>
-                  <a:pt x="168934" y="1017114"/>
-                  <a:pt x="0" y="848180"/>
-                  <a:pt x="0" y="639790"/>
-                </a:cubicBezTo>
-                <a:lnTo>
-                  <a:pt x="0" y="362083"/>
-                </a:lnTo>
-                <a:cubicBezTo>
-                  <a:pt x="0" y="257888"/>
-                  <a:pt x="42234" y="163556"/>
-                  <a:pt x="110516" y="95275"/>
-                </a:cubicBezTo>
-                <a:close/>
-              </a:path>
-            </a:pathLst>
-          </a:custGeom>
-          <a:solidFill>
-            <a:schemeClr val="tx1">
-              <a:lumMod val="50000"/>
-              <a:lumOff val="50000"/>
-            </a:schemeClr>
-          </a:solidFill>
-          <a:ln>
-            <a:noFill/>
-          </a:ln>
-        </p:spPr>
-        <p:style>
-          <a:lnRef idx="2">
-            <a:schemeClr val="accent1">
-              <a:shade val="50000"/>
-            </a:schemeClr>
-          </a:lnRef>
-          <a:fillRef idx="1">
-            <a:schemeClr val="accent1"/>
-          </a:fillRef>
-          <a:effectRef idx="0">
-            <a:schemeClr val="accent1"/>
-          </a:effectRef>
-          <a:fontRef idx="minor">
-            <a:schemeClr val="lt1"/>
-          </a:fontRef>
-        </p:style>
-        <p:txBody>
-          <a:bodyPr wrap="square" rtlCol="0" anchor="ctr">
-            <a:noAutofit/>
-          </a:bodyPr>
-          <a:lstStyle/>
-          <a:p>
-            <a:pPr algn="ctr"/>
-            <a:endParaRPr lang="en-US" dirty="0">
-              <a:solidFill>
-                <a:srgbClr val="98A3AD"/>
-              </a:solidFill>
-            </a:endParaRPr>
-          </a:p>
-        </p:txBody>
-      </p:sp>
       <p:sp>
         <p:nvSpPr>
           <p:cNvPr id="104" name="TextBox 103"/>
@@ -17254,6 +16200,29 @@
           </a:p>
         </p:txBody>
       </p:sp>
+      <p:sp>
+        <p:nvSpPr>
+          <p:cNvPr id="4" name="Slide Number Placeholder 3"/>
+          <p:cNvSpPr>
+            <a:spLocks noGrp="1"/>
+          </p:cNvSpPr>
+          <p:nvPr>
+            <p:ph type="sldNum" sz="quarter" idx="12"/>
+          </p:nvPr>
+        </p:nvSpPr>
+        <p:spPr/>
+        <p:txBody>
+          <a:bodyPr/>
+          <a:lstStyle/>
+          <a:p>
+            <a:fld id="{A428E537-E56B-49CA-B596-52598082FBE8}" type="slidenum">
+              <a:rPr lang="en-US" smtClean="0"/>
+              <a:t>6</a:t>
+            </a:fld>
+            <a:endParaRPr lang="en-US" dirty="0"/>
+          </a:p>
+        </p:txBody>
+      </p:sp>
     </p:spTree>
     <p:extLst>
       <p:ext uri="{BB962C8B-B14F-4D97-AF65-F5344CB8AC3E}">
@@ -17291,156 +16260,6 @@
           <a:chExt cx="0" cy="0"/>
         </a:xfrm>
       </p:grpSpPr>
-      <p:sp>
-        <p:nvSpPr>
-          <p:cNvPr id="103" name="Freeform 102">
-            <a:extLst>
-              <a:ext uri="{C183D7F6-B498-43B3-948B-1728B52AA6E4}">
-                <adec:decorative xmlns="" xmlns:adec="http://schemas.microsoft.com/office/drawing/2017/decorative" val="1"/>
-              </a:ext>
-            </a:extLst>
-          </p:cNvPr>
-          <p:cNvSpPr/>
-          <p:nvPr/>
-        </p:nvSpPr>
-        <p:spPr>
-          <a:xfrm rot="2700000">
-            <a:off x="11788943" y="6333474"/>
-            <a:ext cx="527486" cy="603188"/>
-          </a:xfrm>
-          <a:custGeom>
-            <a:avLst/>
-            <a:gdLst>
-              <a:gd name="connsiteX0" fmla="*/ 110516 w 889463"/>
-              <a:gd name="connsiteY0" fmla="*/ 95275 h 1017114"/>
-              <a:gd name="connsiteX1" fmla="*/ 230452 w 889463"/>
-              <a:gd name="connsiteY1" fmla="*/ 14411 h 1017114"/>
-              <a:gd name="connsiteX2" fmla="*/ 276877 w 889463"/>
-              <a:gd name="connsiteY2" fmla="*/ 0 h 1017114"/>
-              <a:gd name="connsiteX3" fmla="*/ 889463 w 889463"/>
-              <a:gd name="connsiteY3" fmla="*/ 612585 h 1017114"/>
-              <a:gd name="connsiteX4" fmla="*/ 484934 w 889463"/>
-              <a:gd name="connsiteY4" fmla="*/ 1017114 h 1017114"/>
-              <a:gd name="connsiteX5" fmla="*/ 377324 w 889463"/>
-              <a:gd name="connsiteY5" fmla="*/ 1017114 h 1017114"/>
-              <a:gd name="connsiteX6" fmla="*/ 0 w 889463"/>
-              <a:gd name="connsiteY6" fmla="*/ 639790 h 1017114"/>
-              <a:gd name="connsiteX7" fmla="*/ 0 w 889463"/>
-              <a:gd name="connsiteY7" fmla="*/ 362083 h 1017114"/>
-              <a:gd name="connsiteX8" fmla="*/ 110516 w 889463"/>
-              <a:gd name="connsiteY8" fmla="*/ 95275 h 1017114"/>
-            </a:gdLst>
-            <a:ahLst/>
-            <a:cxnLst>
-              <a:cxn ang="0">
-                <a:pos x="connsiteX0" y="connsiteY0"/>
-              </a:cxn>
-              <a:cxn ang="0">
-                <a:pos x="connsiteX1" y="connsiteY1"/>
-              </a:cxn>
-              <a:cxn ang="0">
-                <a:pos x="connsiteX2" y="connsiteY2"/>
-              </a:cxn>
-              <a:cxn ang="0">
-                <a:pos x="connsiteX3" y="connsiteY3"/>
-              </a:cxn>
-              <a:cxn ang="0">
-                <a:pos x="connsiteX4" y="connsiteY4"/>
-              </a:cxn>
-              <a:cxn ang="0">
-                <a:pos x="connsiteX5" y="connsiteY5"/>
-              </a:cxn>
-              <a:cxn ang="0">
-                <a:pos x="connsiteX6" y="connsiteY6"/>
-              </a:cxn>
-              <a:cxn ang="0">
-                <a:pos x="connsiteX7" y="connsiteY7"/>
-              </a:cxn>
-              <a:cxn ang="0">
-                <a:pos x="connsiteX8" y="connsiteY8"/>
-              </a:cxn>
-            </a:cxnLst>
-            <a:rect l="l" t="t" r="r" b="b"/>
-            <a:pathLst>
-              <a:path w="889463" h="1017114">
-                <a:moveTo>
-                  <a:pt x="110516" y="95275"/>
-                </a:moveTo>
-                <a:cubicBezTo>
-                  <a:pt x="144657" y="61133"/>
-                  <a:pt x="185310" y="33504"/>
-                  <a:pt x="230452" y="14411"/>
-                </a:cubicBezTo>
-                <a:lnTo>
-                  <a:pt x="276877" y="0"/>
-                </a:lnTo>
-                <a:lnTo>
-                  <a:pt x="889463" y="612585"/>
-                </a:lnTo>
-                <a:lnTo>
-                  <a:pt x="484934" y="1017114"/>
-                </a:lnTo>
-                <a:lnTo>
-                  <a:pt x="377324" y="1017114"/>
-                </a:lnTo>
-                <a:cubicBezTo>
-                  <a:pt x="168934" y="1017114"/>
-                  <a:pt x="0" y="848180"/>
-                  <a:pt x="0" y="639790"/>
-                </a:cubicBezTo>
-                <a:lnTo>
-                  <a:pt x="0" y="362083"/>
-                </a:lnTo>
-                <a:cubicBezTo>
-                  <a:pt x="0" y="257888"/>
-                  <a:pt x="42234" y="163556"/>
-                  <a:pt x="110516" y="95275"/>
-                </a:cubicBezTo>
-                <a:close/>
-              </a:path>
-            </a:pathLst>
-          </a:custGeom>
-          <a:solidFill>
-            <a:schemeClr val="tx1">
-              <a:lumMod val="50000"/>
-              <a:lumOff val="50000"/>
-            </a:schemeClr>
-          </a:solidFill>
-          <a:ln>
-            <a:noFill/>
-          </a:ln>
-        </p:spPr>
-        <p:style>
-          <a:lnRef idx="2">
-            <a:schemeClr val="accent1">
-              <a:shade val="50000"/>
-            </a:schemeClr>
-          </a:lnRef>
-          <a:fillRef idx="1">
-            <a:schemeClr val="accent1"/>
-          </a:fillRef>
-          <a:effectRef idx="0">
-            <a:schemeClr val="accent1"/>
-          </a:effectRef>
-          <a:fontRef idx="minor">
-            <a:schemeClr val="lt1"/>
-          </a:fontRef>
-        </p:style>
-        <p:txBody>
-          <a:bodyPr wrap="square" rtlCol="0" anchor="ctr">
-            <a:noAutofit/>
-          </a:bodyPr>
-          <a:lstStyle/>
-          <a:p>
-            <a:pPr algn="ctr"/>
-            <a:endParaRPr lang="en-US" dirty="0">
-              <a:solidFill>
-                <a:srgbClr val="98A3AD"/>
-              </a:solidFill>
-            </a:endParaRPr>
-          </a:p>
-        </p:txBody>
-      </p:sp>
       <p:sp>
         <p:nvSpPr>
           <p:cNvPr id="104" name="TextBox 103"/>
@@ -18114,6 +16933,29 @@
           </a:p>
         </p:txBody>
       </p:sp>
+      <p:sp>
+        <p:nvSpPr>
+          <p:cNvPr id="6" name="Slide Number Placeholder 5"/>
+          <p:cNvSpPr>
+            <a:spLocks noGrp="1"/>
+          </p:cNvSpPr>
+          <p:nvPr>
+            <p:ph type="sldNum" sz="quarter" idx="12"/>
+          </p:nvPr>
+        </p:nvSpPr>
+        <p:spPr/>
+        <p:txBody>
+          <a:bodyPr/>
+          <a:lstStyle/>
+          <a:p>
+            <a:fld id="{A428E537-E56B-49CA-B596-52598082FBE8}" type="slidenum">
+              <a:rPr lang="en-US" smtClean="0"/>
+              <a:t>7</a:t>
+            </a:fld>
+            <a:endParaRPr lang="en-US" dirty="0"/>
+          </a:p>
+        </p:txBody>
+      </p:sp>
     </p:spTree>
     <p:extLst>
       <p:ext uri="{BB962C8B-B14F-4D97-AF65-F5344CB8AC3E}">
@@ -18151,194 +16993,6 @@
           <a:chExt cx="0" cy="0"/>
         </a:xfrm>
       </p:grpSpPr>
-      <p:sp>
-        <p:nvSpPr>
-          <p:cNvPr id="103" name="Freeform 102">
-            <a:extLst>
-              <a:ext uri="{C183D7F6-B498-43B3-948B-1728B52AA6E4}">
-                <adec:decorative xmlns="" xmlns:adec="http://schemas.microsoft.com/office/drawing/2017/decorative" val="1"/>
-              </a:ext>
-            </a:extLst>
-          </p:cNvPr>
-          <p:cNvSpPr/>
-          <p:nvPr/>
-        </p:nvSpPr>
-        <p:spPr>
-          <a:xfrm rot="2700000">
-            <a:off x="11788943" y="6333474"/>
-            <a:ext cx="527486" cy="603188"/>
-          </a:xfrm>
-          <a:custGeom>
-            <a:avLst/>
-            <a:gdLst>
-              <a:gd name="connsiteX0" fmla="*/ 110516 w 889463"/>
-              <a:gd name="connsiteY0" fmla="*/ 95275 h 1017114"/>
-              <a:gd name="connsiteX1" fmla="*/ 230452 w 889463"/>
-              <a:gd name="connsiteY1" fmla="*/ 14411 h 1017114"/>
-              <a:gd name="connsiteX2" fmla="*/ 276877 w 889463"/>
-              <a:gd name="connsiteY2" fmla="*/ 0 h 1017114"/>
-              <a:gd name="connsiteX3" fmla="*/ 889463 w 889463"/>
-              <a:gd name="connsiteY3" fmla="*/ 612585 h 1017114"/>
-              <a:gd name="connsiteX4" fmla="*/ 484934 w 889463"/>
-              <a:gd name="connsiteY4" fmla="*/ 1017114 h 1017114"/>
-              <a:gd name="connsiteX5" fmla="*/ 377324 w 889463"/>
-              <a:gd name="connsiteY5" fmla="*/ 1017114 h 1017114"/>
-              <a:gd name="connsiteX6" fmla="*/ 0 w 889463"/>
-              <a:gd name="connsiteY6" fmla="*/ 639790 h 1017114"/>
-              <a:gd name="connsiteX7" fmla="*/ 0 w 889463"/>
-              <a:gd name="connsiteY7" fmla="*/ 362083 h 1017114"/>
-              <a:gd name="connsiteX8" fmla="*/ 110516 w 889463"/>
-              <a:gd name="connsiteY8" fmla="*/ 95275 h 1017114"/>
-            </a:gdLst>
-            <a:ahLst/>
-            <a:cxnLst>
-              <a:cxn ang="0">
-                <a:pos x="connsiteX0" y="connsiteY0"/>
-              </a:cxn>
-              <a:cxn ang="0">
-                <a:pos x="connsiteX1" y="connsiteY1"/>
-              </a:cxn>
-              <a:cxn ang="0">
-                <a:pos x="connsiteX2" y="connsiteY2"/>
-              </a:cxn>
-              <a:cxn ang="0">
-                <a:pos x="connsiteX3" y="connsiteY3"/>
-              </a:cxn>
-              <a:cxn ang="0">
-                <a:pos x="connsiteX4" y="connsiteY4"/>
-              </a:cxn>
-              <a:cxn ang="0">
-                <a:pos x="connsiteX5" y="connsiteY5"/>
-              </a:cxn>
-              <a:cxn ang="0">
-                <a:pos x="connsiteX6" y="connsiteY6"/>
-              </a:cxn>
-              <a:cxn ang="0">
-                <a:pos x="connsiteX7" y="connsiteY7"/>
-              </a:cxn>
-              <a:cxn ang="0">
-                <a:pos x="connsiteX8" y="connsiteY8"/>
-              </a:cxn>
-            </a:cxnLst>
-            <a:rect l="l" t="t" r="r" b="b"/>
-            <a:pathLst>
-              <a:path w="889463" h="1017114">
-                <a:moveTo>
-                  <a:pt x="110516" y="95275"/>
-                </a:moveTo>
-                <a:cubicBezTo>
-                  <a:pt x="144657" y="61133"/>
-                  <a:pt x="185310" y="33504"/>
-                  <a:pt x="230452" y="14411"/>
-                </a:cubicBezTo>
-                <a:lnTo>
-                  <a:pt x="276877" y="0"/>
-                </a:lnTo>
-                <a:lnTo>
-                  <a:pt x="889463" y="612585"/>
-                </a:lnTo>
-                <a:lnTo>
-                  <a:pt x="484934" y="1017114"/>
-                </a:lnTo>
-                <a:lnTo>
-                  <a:pt x="377324" y="1017114"/>
-                </a:lnTo>
-                <a:cubicBezTo>
-                  <a:pt x="168934" y="1017114"/>
-                  <a:pt x="0" y="848180"/>
-                  <a:pt x="0" y="639790"/>
-                </a:cubicBezTo>
-                <a:lnTo>
-                  <a:pt x="0" y="362083"/>
-                </a:lnTo>
-                <a:cubicBezTo>
-                  <a:pt x="0" y="257888"/>
-                  <a:pt x="42234" y="163556"/>
-                  <a:pt x="110516" y="95275"/>
-                </a:cubicBezTo>
-                <a:close/>
-              </a:path>
-            </a:pathLst>
-          </a:custGeom>
-          <a:solidFill>
-            <a:schemeClr val="tx1">
-              <a:lumMod val="50000"/>
-              <a:lumOff val="50000"/>
-            </a:schemeClr>
-          </a:solidFill>
-          <a:ln>
-            <a:noFill/>
-          </a:ln>
-        </p:spPr>
-        <p:style>
-          <a:lnRef idx="2">
-            <a:schemeClr val="accent1">
-              <a:shade val="50000"/>
-            </a:schemeClr>
-          </a:lnRef>
-          <a:fillRef idx="1">
-            <a:schemeClr val="accent1"/>
-          </a:fillRef>
-          <a:effectRef idx="0">
-            <a:schemeClr val="accent1"/>
-          </a:effectRef>
-          <a:fontRef idx="minor">
-            <a:schemeClr val="lt1"/>
-          </a:fontRef>
-        </p:style>
-        <p:txBody>
-          <a:bodyPr wrap="square" rtlCol="0" anchor="ctr">
-            <a:noAutofit/>
-          </a:bodyPr>
-          <a:lstStyle/>
-          <a:p>
-            <a:pPr algn="ctr"/>
-            <a:endParaRPr lang="en-US" dirty="0">
-              <a:solidFill>
-                <a:srgbClr val="98A3AD"/>
-              </a:solidFill>
-            </a:endParaRPr>
-          </a:p>
-        </p:txBody>
-      </p:sp>
-      <p:sp>
-        <p:nvSpPr>
-          <p:cNvPr id="104" name="TextBox 103"/>
-          <p:cNvSpPr txBox="1"/>
-          <p:nvPr/>
-        </p:nvSpPr>
-        <p:spPr>
-          <a:xfrm>
-            <a:off x="11907454" y="6481180"/>
-            <a:ext cx="341760" cy="307777"/>
-          </a:xfrm>
-          <a:prstGeom prst="rect">
-            <a:avLst/>
-          </a:prstGeom>
-          <a:noFill/>
-        </p:spPr>
-        <p:txBody>
-          <a:bodyPr wrap="none" rtlCol="0">
-            <a:spAutoFit/>
-          </a:bodyPr>
-          <a:lstStyle/>
-          <a:p>
-            <a:r>
-              <a:rPr lang="en-US" sz="1400" b="1" dirty="0" smtClean="0">
-                <a:solidFill>
-                  <a:schemeClr val="bg1"/>
-                </a:solidFill>
-              </a:rPr>
-              <a:t>10</a:t>
-            </a:r>
-            <a:endParaRPr lang="en-US" sz="1400" b="1" dirty="0">
-              <a:solidFill>
-                <a:schemeClr val="bg1"/>
-              </a:solidFill>
-            </a:endParaRPr>
-          </a:p>
-        </p:txBody>
-      </p:sp>
       <p:pic>
         <p:nvPicPr>
           <p:cNvPr id="49" name="Picture 48" descr="This is a logo that reads &quot;24Slides.&quot;">
@@ -18666,6 +17320,29 @@
           </a:p>
         </p:txBody>
       </p:sp>
+      <p:sp>
+        <p:nvSpPr>
+          <p:cNvPr id="5" name="Slide Number Placeholder 4"/>
+          <p:cNvSpPr>
+            <a:spLocks noGrp="1"/>
+          </p:cNvSpPr>
+          <p:nvPr>
+            <p:ph type="sldNum" sz="quarter" idx="12"/>
+          </p:nvPr>
+        </p:nvSpPr>
+        <p:spPr/>
+        <p:txBody>
+          <a:bodyPr/>
+          <a:lstStyle/>
+          <a:p>
+            <a:fld id="{A428E537-E56B-49CA-B596-52598082FBE8}" type="slidenum">
+              <a:rPr lang="en-US" smtClean="0"/>
+              <a:t>8</a:t>
+            </a:fld>
+            <a:endParaRPr lang="en-US" dirty="0"/>
+          </a:p>
+        </p:txBody>
+      </p:sp>
     </p:spTree>
     <p:extLst>
       <p:ext uri="{BB962C8B-B14F-4D97-AF65-F5344CB8AC3E}">
@@ -18703,156 +17380,6 @@
           <a:chExt cx="0" cy="0"/>
         </a:xfrm>
       </p:grpSpPr>
-      <p:sp>
-        <p:nvSpPr>
-          <p:cNvPr id="103" name="Freeform 102">
-            <a:extLst>
-              <a:ext uri="{C183D7F6-B498-43B3-948B-1728B52AA6E4}">
-                <adec:decorative xmlns="" xmlns:adec="http://schemas.microsoft.com/office/drawing/2017/decorative" val="1"/>
-              </a:ext>
-            </a:extLst>
-          </p:cNvPr>
-          <p:cNvSpPr/>
-          <p:nvPr/>
-        </p:nvSpPr>
-        <p:spPr>
-          <a:xfrm rot="2700000">
-            <a:off x="11788943" y="6333474"/>
-            <a:ext cx="527486" cy="603188"/>
-          </a:xfrm>
-          <a:custGeom>
-            <a:avLst/>
-            <a:gdLst>
-              <a:gd name="connsiteX0" fmla="*/ 110516 w 889463"/>
-              <a:gd name="connsiteY0" fmla="*/ 95275 h 1017114"/>
-              <a:gd name="connsiteX1" fmla="*/ 230452 w 889463"/>
-              <a:gd name="connsiteY1" fmla="*/ 14411 h 1017114"/>
-              <a:gd name="connsiteX2" fmla="*/ 276877 w 889463"/>
-              <a:gd name="connsiteY2" fmla="*/ 0 h 1017114"/>
-              <a:gd name="connsiteX3" fmla="*/ 889463 w 889463"/>
-              <a:gd name="connsiteY3" fmla="*/ 612585 h 1017114"/>
-              <a:gd name="connsiteX4" fmla="*/ 484934 w 889463"/>
-              <a:gd name="connsiteY4" fmla="*/ 1017114 h 1017114"/>
-              <a:gd name="connsiteX5" fmla="*/ 377324 w 889463"/>
-              <a:gd name="connsiteY5" fmla="*/ 1017114 h 1017114"/>
-              <a:gd name="connsiteX6" fmla="*/ 0 w 889463"/>
-              <a:gd name="connsiteY6" fmla="*/ 639790 h 1017114"/>
-              <a:gd name="connsiteX7" fmla="*/ 0 w 889463"/>
-              <a:gd name="connsiteY7" fmla="*/ 362083 h 1017114"/>
-              <a:gd name="connsiteX8" fmla="*/ 110516 w 889463"/>
-              <a:gd name="connsiteY8" fmla="*/ 95275 h 1017114"/>
-            </a:gdLst>
-            <a:ahLst/>
-            <a:cxnLst>
-              <a:cxn ang="0">
-                <a:pos x="connsiteX0" y="connsiteY0"/>
-              </a:cxn>
-              <a:cxn ang="0">
-                <a:pos x="connsiteX1" y="connsiteY1"/>
-              </a:cxn>
-              <a:cxn ang="0">
-                <a:pos x="connsiteX2" y="connsiteY2"/>
-              </a:cxn>
-              <a:cxn ang="0">
-                <a:pos x="connsiteX3" y="connsiteY3"/>
-              </a:cxn>
-              <a:cxn ang="0">
-                <a:pos x="connsiteX4" y="connsiteY4"/>
-              </a:cxn>
-              <a:cxn ang="0">
-                <a:pos x="connsiteX5" y="connsiteY5"/>
-              </a:cxn>
-              <a:cxn ang="0">
-                <a:pos x="connsiteX6" y="connsiteY6"/>
-              </a:cxn>
-              <a:cxn ang="0">
-                <a:pos x="connsiteX7" y="connsiteY7"/>
-              </a:cxn>
-              <a:cxn ang="0">
-                <a:pos x="connsiteX8" y="connsiteY8"/>
-              </a:cxn>
-            </a:cxnLst>
-            <a:rect l="l" t="t" r="r" b="b"/>
-            <a:pathLst>
-              <a:path w="889463" h="1017114">
-                <a:moveTo>
-                  <a:pt x="110516" y="95275"/>
-                </a:moveTo>
-                <a:cubicBezTo>
-                  <a:pt x="144657" y="61133"/>
-                  <a:pt x="185310" y="33504"/>
-                  <a:pt x="230452" y="14411"/>
-                </a:cubicBezTo>
-                <a:lnTo>
-                  <a:pt x="276877" y="0"/>
-                </a:lnTo>
-                <a:lnTo>
-                  <a:pt x="889463" y="612585"/>
-                </a:lnTo>
-                <a:lnTo>
-                  <a:pt x="484934" y="1017114"/>
-                </a:lnTo>
-                <a:lnTo>
-                  <a:pt x="377324" y="1017114"/>
-                </a:lnTo>
-                <a:cubicBezTo>
-                  <a:pt x="168934" y="1017114"/>
-                  <a:pt x="0" y="848180"/>
-                  <a:pt x="0" y="639790"/>
-                </a:cubicBezTo>
-                <a:lnTo>
-                  <a:pt x="0" y="362083"/>
-                </a:lnTo>
-                <a:cubicBezTo>
-                  <a:pt x="0" y="257888"/>
-                  <a:pt x="42234" y="163556"/>
-                  <a:pt x="110516" y="95275"/>
-                </a:cubicBezTo>
-                <a:close/>
-              </a:path>
-            </a:pathLst>
-          </a:custGeom>
-          <a:solidFill>
-            <a:schemeClr val="tx1">
-              <a:lumMod val="50000"/>
-              <a:lumOff val="50000"/>
-            </a:schemeClr>
-          </a:solidFill>
-          <a:ln>
-            <a:noFill/>
-          </a:ln>
-        </p:spPr>
-        <p:style>
-          <a:lnRef idx="2">
-            <a:schemeClr val="accent1">
-              <a:shade val="50000"/>
-            </a:schemeClr>
-          </a:lnRef>
-          <a:fillRef idx="1">
-            <a:schemeClr val="accent1"/>
-          </a:fillRef>
-          <a:effectRef idx="0">
-            <a:schemeClr val="accent1"/>
-          </a:effectRef>
-          <a:fontRef idx="minor">
-            <a:schemeClr val="lt1"/>
-          </a:fontRef>
-        </p:style>
-        <p:txBody>
-          <a:bodyPr wrap="square" rtlCol="0" anchor="ctr">
-            <a:noAutofit/>
-          </a:bodyPr>
-          <a:lstStyle/>
-          <a:p>
-            <a:pPr algn="ctr"/>
-            <a:endParaRPr lang="en-US" dirty="0">
-              <a:solidFill>
-                <a:srgbClr val="98A3AD"/>
-              </a:solidFill>
-            </a:endParaRPr>
-          </a:p>
-        </p:txBody>
-      </p:sp>
       <p:sp>
         <p:nvSpPr>
           <p:cNvPr id="104" name="TextBox 103"/>
@@ -19074,11 +17601,7 @@
             <a:pPr algn="ctr"/>
             <a:r>
               <a:rPr lang="en-US" sz="3600" b="1" dirty="0" smtClean="0"/>
-              <a:t>Height </a:t>
-            </a:r>
-            <a:r>
-              <a:rPr lang="en-US" sz="3600" b="1" dirty="0" smtClean="0"/>
-              <a:t>&amp; Width, Inline &amp; Block</a:t>
+              <a:t>Height &amp; Width, Inline &amp; Block</a:t>
             </a:r>
             <a:endParaRPr lang="en-US" sz="3600" b="1" dirty="0"/>
           </a:p>
@@ -19190,6 +17713,29 @@
               <a:buChar char="•"/>
             </a:pPr>
             <a:endParaRPr lang="en-US" altLang="en-US" sz="2000" dirty="0"/>
+          </a:p>
+        </p:txBody>
+      </p:sp>
+      <p:sp>
+        <p:nvSpPr>
+          <p:cNvPr id="4" name="Slide Number Placeholder 3"/>
+          <p:cNvSpPr>
+            <a:spLocks noGrp="1"/>
+          </p:cNvSpPr>
+          <p:nvPr>
+            <p:ph type="sldNum" sz="quarter" idx="12"/>
+          </p:nvPr>
+        </p:nvSpPr>
+        <p:spPr/>
+        <p:txBody>
+          <a:bodyPr/>
+          <a:lstStyle/>
+          <a:p>
+            <a:fld id="{A428E537-E56B-49CA-B596-52598082FBE8}" type="slidenum">
+              <a:rPr lang="en-US" smtClean="0"/>
+              <a:t>9</a:t>
+            </a:fld>
+            <a:endParaRPr lang="en-US" dirty="0"/>
           </a:p>
         </p:txBody>
       </p:sp>
